--- a/docs/Course_PPT.pptx
+++ b/docs/Course_PPT.pptx
@@ -1,44 +1,44 @@
 
 <file path=ppt/presentation.xml><?xml version="1.0" encoding="utf-8"?>
-<p:presentation xmlns:a="http://schemas.openxmlformats.org/drawingml/2006/main" xmlns:r="http://schemas.openxmlformats.org/officeDocument/2006/relationships" xmlns:p="http://schemas.openxmlformats.org/presentationml/2006/main" saveSubsetFonts="1">
+<p:presentation xmlns:a="http://schemas.openxmlformats.org/drawingml/2006/main" xmlns:r="http://schemas.openxmlformats.org/officeDocument/2006/relationships" xmlns:p="http://schemas.openxmlformats.org/presentationml/2006/main">
   <p:sldMasterIdLst>
     <p:sldMasterId id="2147483648" r:id="rId1"/>
   </p:sldMasterIdLst>
   <p:notesMasterIdLst>
-    <p:notesMasterId r:id="rId33"/>
+    <p:notesMasterId r:id="rId5"/>
   </p:notesMasterIdLst>
   <p:sldIdLst>
-    <p:sldId id="299" r:id="rId2"/>
-    <p:sldId id="300" r:id="rId3"/>
-    <p:sldId id="301" r:id="rId4"/>
-    <p:sldId id="302" r:id="rId5"/>
-    <p:sldId id="303" r:id="rId6"/>
-    <p:sldId id="259" r:id="rId7"/>
-    <p:sldId id="260" r:id="rId8"/>
-    <p:sldId id="263" r:id="rId9"/>
-    <p:sldId id="266" r:id="rId10"/>
-    <p:sldId id="267" r:id="rId11"/>
-    <p:sldId id="304" r:id="rId12"/>
-    <p:sldId id="305" r:id="rId13"/>
-    <p:sldId id="268" r:id="rId14"/>
-    <p:sldId id="269" r:id="rId15"/>
-    <p:sldId id="270" r:id="rId16"/>
-    <p:sldId id="272" r:id="rId17"/>
-    <p:sldId id="306" r:id="rId18"/>
-    <p:sldId id="273" r:id="rId19"/>
-    <p:sldId id="282" r:id="rId20"/>
-    <p:sldId id="274" r:id="rId21"/>
-    <p:sldId id="275" r:id="rId22"/>
-    <p:sldId id="276" r:id="rId23"/>
-    <p:sldId id="277" r:id="rId24"/>
-    <p:sldId id="278" r:id="rId25"/>
-    <p:sldId id="281" r:id="rId26"/>
-    <p:sldId id="280" r:id="rId27"/>
-    <p:sldId id="296" r:id="rId28"/>
-    <p:sldId id="297" r:id="rId29"/>
-    <p:sldId id="293" r:id="rId30"/>
-    <p:sldId id="294" r:id="rId31"/>
-    <p:sldId id="295" r:id="rId32"/>
+    <p:sldId id="299" r:id="rId3"/>
+    <p:sldId id="300" r:id="rId4"/>
+    <p:sldId id="301" r:id="rId6"/>
+    <p:sldId id="302" r:id="rId7"/>
+    <p:sldId id="303" r:id="rId8"/>
+    <p:sldId id="259" r:id="rId9"/>
+    <p:sldId id="260" r:id="rId10"/>
+    <p:sldId id="263" r:id="rId11"/>
+    <p:sldId id="266" r:id="rId12"/>
+    <p:sldId id="267" r:id="rId13"/>
+    <p:sldId id="304" r:id="rId14"/>
+    <p:sldId id="305" r:id="rId15"/>
+    <p:sldId id="268" r:id="rId16"/>
+    <p:sldId id="269" r:id="rId17"/>
+    <p:sldId id="270" r:id="rId18"/>
+    <p:sldId id="272" r:id="rId19"/>
+    <p:sldId id="306" r:id="rId20"/>
+    <p:sldId id="273" r:id="rId21"/>
+    <p:sldId id="282" r:id="rId22"/>
+    <p:sldId id="274" r:id="rId23"/>
+    <p:sldId id="275" r:id="rId24"/>
+    <p:sldId id="276" r:id="rId25"/>
+    <p:sldId id="277" r:id="rId26"/>
+    <p:sldId id="278" r:id="rId27"/>
+    <p:sldId id="281" r:id="rId28"/>
+    <p:sldId id="280" r:id="rId29"/>
+    <p:sldId id="296" r:id="rId30"/>
+    <p:sldId id="297" r:id="rId31"/>
+    <p:sldId id="293" r:id="rId32"/>
+    <p:sldId id="294" r:id="rId33"/>
+    <p:sldId id="295" r:id="rId34"/>
   </p:sldIdLst>
   <p:sldSz cx="9144000" cy="5143500" type="screen16x9"/>
   <p:notesSz cx="6858000" cy="9144000"/>
@@ -137,6 +137,22 @@
       </a:defRPr>
     </a:lvl9pPr>
   </p:defaultTextStyle>
+  <p:extLst>
+    <p:ext uri="{EFAFB233-063F-42B5-8137-9DF3F51BA10A}">
+      <p15:sldGuideLst xmlns:p15="http://schemas.microsoft.com/office/powerpoint/2012/main">
+        <p15:guide id="1" orient="horz" pos="1620" userDrawn="1">
+          <p15:clr>
+            <a:srgbClr val="A4A3A4"/>
+          </p15:clr>
+        </p15:guide>
+        <p15:guide id="2" pos="2880" userDrawn="1">
+          <p15:clr>
+            <a:srgbClr val="A4A3A4"/>
+          </p15:clr>
+        </p15:guide>
+      </p15:sldGuideLst>
+    </p:ext>
+  </p:extLst>
 </p:presentation>
 </file>
 
@@ -156,17 +172,17 @@
           <inkml:channelProperty channel="F" name="resolution" value="2.84167" units="1/cm"/>
         </inkml:channelProperties>
       </inkml:inkSource>
-      <inkml:timestamp xml:id="ts0" timeString="2017-12-28T06:46:51.438"/>
+      <inkml:timestamp xml:id="ts0" timeString="2017-12-28T06:46:51"/>
     </inkml:context>
     <inkml:brush xml:id="br0">
       <inkml:brushProperty name="width" value="0.05292" units="cm"/>
       <inkml:brushProperty name="height" value="0.05292" units="cm"/>
-      <inkml:brushProperty name="color" value="#FF0000"/>
+      <inkml:brushProperty name="color" value="#ff0000"/>
     </inkml:brush>
     <inkml:brush xml:id="br1">
       <inkml:brushProperty name="width" value="0.05292" units="cm"/>
       <inkml:brushProperty name="height" value="0.05292" units="cm"/>
-      <inkml:brushProperty name="color" value="#1F497D"/>
+      <inkml:brushProperty name="color" value="#1f497d"/>
     </inkml:brush>
     <inkml:brush xml:id="br2">
       <inkml:brushProperty name="width" value="0.05292" units="cm"/>
@@ -174,14 +190,14 @@
       <inkml:brushProperty name="color" value="#789440"/>
     </inkml:brush>
   </inkml:definitions>
-  <inkml:trace contextRef="#ctx0" brushRef="#br0">14335 5130 14,'0'-3'9,"0"2"1,0 1 2,0 0-1,0 0-4,2 0 3,-2 0-3,0 0-1,0 0 0,0 0 1,0 0 3,0 0 5,0 0-3,0 0-1,0 0-6,-3 0-1,-3 6 0,-1 3 1,3-3-5,2-1 4,1-2-4,1 1 1,0-4-2,0 0 1,0 0-3,0 0 3,0 0 5,0 0 1,0 0 1,0 0 3,3-8-6,2 0-1,1 1-1,-2 1 0,-2 2-2,1-3 0,-2 3 0,1-1-2,2 3-3,-4-1 3,0 0 0,0 3-4,0 0-4,0 0-6,0 0 7,0 0 3,0 0 4,0 0 2,0 0 4,0 0-3,0 0 2,0 0-1,0 0-1,0 0 0,0 0-1,0 0 0,0 0 1,0 0-1,0 0 1,0 0 0,0 0-1,0 0 0,0 1 0,0 3 2,0-1-2,0-2 1,0 1 2,0 1 2,3 0 5,1 2-3,1-2 0,1 0-3,-1 1 4,0-1-7,-1 1 2,-1 0 1,-1 0-3,3 0 3,-2 2-2,2 1 0,0-1-1,3 2 2,2 0 0,1 2-1,2 1 2,0-2-3,-1 0-1,-2-2 6,1 1-5,-1-1 1,3 1 4,-3 0-2,1-2-4,-3 2 3,1-2-2,1 2 0,3 2-1,2 1 2,2 2 4,4-3-5,0 3-1,-1-1 5,3-1-4,1 2-1,-1 1 0,0 0 1,-2-2-1,-1-1 0,-2 1 0,1-2 2,0 2-2,1 2 0,-1 0 0,0 1 0,1-1 0,0 0 0,-1 2 0,-1 1 0,1-2 2,1 3-1,-1-1 0,3-1 0,1 0 4,1 2-3,4-1 0,-4-1-2,1-1 1,-2 0 1,0 0-2,0 1 0,-2 0 0,2 3 0,-3 0 0,0-1 0,-2 1 0,1 1 1,0-1-1,0 2 0,2-2 0,0 1 0,1-3 0,-1 1 0,-3-1 0,-2 1 1,0-2-1,1 2 0,0-1 0,2 1 0,2 1 2,0 0-2,-1 3 0,1-3 2,-1 3-2,-1-1 0,3 3 0,-3-2 0,1 1 1,2 1 0,-1-1-1,1 2 1,0 2-1,4 5 0,-2 0 2,-2 3-2,1-3 1,0 0 0,-1-2-1,-1 0 0,-3-1 1,-2 1-1,-2-1 0,1 0 1,-3 1 0,2-1 1,0 4 0,-1-2-1,2-1 0,0 0 0,-2 0 1,0-1-1,0-2 1,-2 1-2,0 1 0,-1-3 3,0 3-3,-3-2 0,0 2 2,2-2-1,-2 0 1,2 0 2,1 2-3,0-2 0,2 5 1,-1 0-1,-3 0-1,1 0 3,-1-5-3,-1 2 0,0-1 0,0 0 0,3 0 1,-3 2 0,0-3-1,1 3 1,-1 0-1,3-2 2,-2 0-2,-1-1 3,2 0-3,-3-2 0,1 0 0,0 1 1,-3-2-1,1 0-1,0 0 1,1 1 1,-3-2 0,2 3 1,1-1-2,-2 1 2,3-4-1,-2 2-1,1 0 0,-1-2 0,-3 1 0,-1 2 0,1-1 0,-2 3 0,0-1 3,0 1-3,0-2 1,0-1 2,0 0-2,3-3-1,-3 0 0,2-1 0,0 0 1,-2-3 0,2 4 0,-1-1-1,-1 1 1,0-1-1,0 2 3,0-3-3,0 0 0,0 0 1,0-3-1,0-2 0,0 1 0,0-2 0,0-1-1,0-1 1,0-1 1,0 1-1,0-3 0,0 2 1,-1-1-1,1 2 0,0-1 0,0 0 1,0-2-1,-4 2 0,2 1-1,-1-2 0,3 4 1,-2-2 2,1-1-1,0 2-1,0-1 0,-1-1 1,2 1-1,0-1 0,0-1 0,0 1 0,-2-2 0,1 2 0,0 0 1,-3 0-1,3-2 0,-1 2 0,2 0 0,-2-2 2,2 3-2,0-2 0,0 0 0,0 0 0,0 0 0,0-2-2,0 3 2,0-1 2,0 2-2,0 0 1,-1-1 0,1 2-1,0 0 0,0 0 0,0 1 0,0 0 0,0 0 0,0-2 0,0 2 0,-1-2 1,0-1-3,0 2 4,1 1-2,0 1 0,0-2 1,-1 3-1,-1 0 1,2-1-1,-1 2-1,1-2 1,0 2 1,-1 2 0,0-1 1,-1 1-2,-1 1-2,2-1 2,0 0 0,-1 2 0,0-3 0,1 3 0,1 0 0,-1-2-1,0 1 1,-1 2 0,0-1 1,0-2-1,0 4-2,2-2 2,0-4 0,0 1 0,0-1 0,-4-2 0,1 1 0,1 3 0,0-3 2,-1 3-2,0-2 0,2 0 2,-2 0-2,-1 0 0,1-2 0,1 2 0,0-1 0,0 2 0,0-1 0,1 0 1,0 2-1,0-1 0,-1 1 0,0 1 0,0 2 0,-1 2 1,-1-2-1,1-1 0,-2-1 0,0-2 0,0-1 1,2 1-1,-2-1 0,0 2 0,2-3 2,0 1-2,0 1 0,-1-3 0,1 2 0,-2 1 0,0 0 0,2 2 0,-2 0 1,1 0 2,0 0-3,1 2 0,-2 1 1,0-1-1,-2 0 1,4-3-1,-1 2 2,1-1-2,-1 1 0,1-2 1,-1 0-1,1 0 0,0 0 0,-1 0 2,-2 0-1,2 1 0,-1-1-1,0-1 1,2 2 1,-1-2-2,-2 1 1,3-2-1,-2 2 5,1 0-5,1-1 0,-1 0 0,0 0 1,-1 1 1,-2 2-2,3-1 0,-1 3 0,1-1 0,1 1 0,-2-1 0,3-2 0,-2 0 1,-1 0 0,2 2 1,-4-2-1,1 1-1,0-1 0,-2 0 0,0 2 0,1 2 0,-2 0 3,1-1-3,0 2 0,1-3 0,1 1 0,-2 2-2,1-2 2,-2-1 2,1 2-2,0-3 0,0-1-2,-2 1 2,1 0 2,2-2-2,-2 3 0,0-1 0,1-1 0,-2 1 0,3-1 0,-3 0 0,3-1 0,-3 1 0,3-4 0,-1 2 0,0-1 0,0 1 0,-2 0 0,2 1 0,-2 1 0,1 1 0,0-1 2,-1-2-2,1 4 0,0-2 0,0 0 3,-4 1-2,4-3-1,-1 2 0,0-4 0,-2 2 1,0 0-1,-1-2 0,1 1 0,-2-3 2,1 1-2,0-1 2,-1-2-1,3 2 1,-1 1 0,0-1-1,3 2 1,-2 2-2,-2-2 0,1 0 1,-1 1-1,-1 1 0,0-2 1,2 1-1,-1-2 0,-3 2 0,3-3 0,-2-2 3,0 2-3,3-2 1,-2-2-1,0 1 0,-1-2 0,0 0 0,-1 3 0,1-2 1,-2 1 1,2 0-1,-2 0-1,1 0 0,-2 0 0,4-1 0,-4 0 1,5 0-1,-1-1 0,-2 2-1,4-2 0,-4 1 1,0-1 0,0 2 0,2-3 0,-1 4 0,1-4 2,0 5-2,-1-4 0,3 0 0,-3 0 0,3 0 0,-1-1 0,-1 1 1,3-2-1,-3 0 0,0 2 0,-2-2 0,-1 2 0,0-3 0,-1 4-2,1-1 2,0-1 1,-2 2 0,1-2-1,0-1 0,0 2-1,-2-1 1,-1 0 0,-2 2 0,2-2 0,1 1 0,-2 2 0,3-1 0,3-2 1,0 1-1,1 0 0,1-1 0,1 1 0,-1-1 0,-2 0 0,-3 0 2,-1-2-2,-2 0 0,1 0 1,-2-2 1,1 0-2,3 2 2,-1-2-2,3 1 0,4-1 0,2-1 1,3 3-1,4-4-1,-2-1 1,3 2-1,1-2 1,-3 2-1,1 1 1,-3 1 2,-2 2-1,2-3 0,0 1 3,0-1-3,0 0 0,-1 2 0,-1-2 0,-3 0-1,-1 2 0,-1 3 0,2-3 1,-3 2 0,1-1 1,-2 1-2,2 0 0,1-2 2,4 0-2,2-1 0,4-2 1,1-1-1,2-1 1,0 0-1,0 2 0,0-2 2,0 0-1,0 0 0,0 0 0,0 0-1,0 2 0,0-1-1,0-1-3,0 0-5,0 0-5,0 0-2,0 0-13,0 0-85,0-6-161</inkml:trace>
-  <inkml:trace contextRef="#ctx0" brushRef="#br0" timeOffset="1237.0707">14210 12761 64,'0'0'12,"0"0"-12,0 0 0,0 0 5,0 0-3,0 0 3,0 0 3,0 0 9,0 0 4,0 0-2,0 0-6,0 0-7,0 0-5,0 0 1,0 0 0,0 0 2,0 0 3,0 0 3,0 0-3,0 0 0,0 0 2,-3 0-1,1 0-2,-4 6 10,0 4-3,-2 0-8,-1 1-4,-1 3 6,-1 5-2,-5 2 3,1 6 5,-2-3-4,-1-1 1,1-2-2,3-3-3,2-1 0,1-1 2,3-3-1,0 0-4,2 0 6,1-5-6,3-1 4,1-2-6,1-2 1,-2-1 0,2-2 2,0 1-2,-2-1 1,2 0-1,0 0 2,0 2-3,0 0-2,0-2 0,0 0 2,0 1 0,0 3 2,0-1 1,0 5 0,0 0 3,0 3-3,2 4 0,3-1-3,3-3 1,1 2 0,3-2 1,3 0 0,2 1 2,3-3-2,1 2 3,2 0 0,2-4 0,3 0 1,0-1-2,-2-3 0,-2-1-3,-8 0-1,-4-1 0,-3 0 2,0 2-2,-5-2 0,-1 1 1,0-2 0,1 3 2,-1-3-1,1 3 2,-1-1-1,1 0-1,-2-1 2,3 4 0,-3-3 5,0-1-2,1 3-1,-1-3 1,-1 2-1,-1 0-4,1-2 3,-1 1 0,0-1 1,0-1-1,0 1 0,0 1 0,0-2-5,0 0-2,-5 1-6,-7 1-10,-1 0-40,-3-2-127</inkml:trace>
-  <inkml:trace contextRef="#ctx0" brushRef="#br1" timeOffset="68206.9011">14481 3974 0,'0'0'18,"0"0"-6,0 0-5,0 0 0,-1 0 1,1 0-2,0 0-3,-1 0 0,1 0 0,0 0 3,0 0 0,0-1-4,0 1 2,0 0 5,0 0 1,0 0-2,0 0 1,0 0 2,0 0-2,0 0 0,0 0-1,0 0 0,0 0-1,0 0-1,0 0-2,0 0-3,0 0-1,0 0 0,0 0 0,0 1 4,0 1 2,0 2-1,0 1 1,0 3 1,2 0 1,5 0-3,-1 3 3,3 2-1,1-1 1,1 0-3,-2-2 2,-2 2 0,1-1-3,-1 1 0,-1 0 3,2 1 0,-1-3-4,-2 1 2,3 0-3,-2-2 0,2 4 1,2-1 1,-2-2 5,2 3-6,0-1-1,0-2 1,-3 2 2,0-3-4,1 2 0,-2-1 2,2-2 1,-1 3 1,2-3-4,1 3 2,3-1-1,1 0 3,4 1 0,0-2-2,2 2 5,1 2 0,-3 1-6,-2 1 1,1 1 2,-2 0-2,-1 0-1,2 0-2,-1-2 6,-3-1-4,-1 0-2,-2-2 0,0 0 2,-1-1 2,1 2-2,-2 0-1,0 0 1,1 4 1,0 1-2,3 3 1,0 1 0,1-2 2,3 3-2,-3 1 1,3-3 4,1 1-4,0 1-2,2-1 2,3 2 0,0-1 2,-1 2-3,-1-1 2,-4 0 0,2 1 2,-2-2-5,-1 2 5,1 0-3,-1-2-3,0 1 6,-3 0-5,2-3 3,1 2 2,0-3-4,0 2 3,2-2-2,0 2 3,2 1-3,1 1-1,2 1 3,0 0 2,-1 0-4,1 2-1,0-1 0,-1 2 1,-1-3-1,1 0 0,-4-1 1,2 4-2,2 0 2,-1 4-2,3 1 1,-1-2 3,2-2-4,-1-1 3,1-2 1,0-1-3,0-2 0,-1-1-1,-1 1 1,-1 0 1,-2-1-1,-2 2-1,-3-2-1,0 1 3,0-1-3,0 0 2,0 1-1,0-3-1,0 2 0,-1-3 1,1 2-1,-2 1 2,3-2 0,0 1-2,2 1 1,-1 1 1,2-1 0,0 0-2,0 2 1,-1-1 0,-2-1 0,4 0 2,-3-1-3,1 2 3,0-2-1,-4 0-1,4 0 0,0 3-1,2 1 2,0 2 0,-3-1 1,2 2-3,0-4 2,-2-1-2,1-3 1,-2 2-1,0-3 2,1 2-1,-2-2-1,0 0 1,0-3 0,-2 1-1,0 2 1,0-1-1,2 2 2,-1 2-2,0-2 0,2 3 0,-1-2 0,-3-1 0,1-1 2,-2-1-1,0-1-1,-2 0 0,0 1 0,2-2 0,-2 1 0,0-2 0,0-1 1,0 4-1,0-2 0,0-1 0,-1-1 1,-2 1-1,3-1 0,0 0 0,-1 2 1,-1 0 2,1-1-3,-1-1 0,1 1 0,2 0 0,-3 0 0,1 0 0,-1-1 0,-3-3 0,1 0 0,2 0 0,0 1 0,1 1 1,-2-3-1,0 2 0,-2-1 0,1-1 0,2 3 0,-1-2 0,-1 2 0,-1-1 1,2 2-1,0-3 0,-1 1 1,1-3-1,-2 1 0,1 1 0,0 1 0,-1-1-1,1 1 1,1 1 0,2 1 1,-3-1-1,3 0-1,-1 0 1,-1 2 0,1-2 0,-2 1 0,2 0 0,1 0 1,-2 0-1,3 0 0,0 1 0,-2 0 1,1 0-1,-1 0 0,2-1 0,-2 2-1,-1-1 1,2 1 0,-1-1 0,-2 2 0,3-5 0,-1 5 1,2-1-1,0 0 0,0 0 1,-1-1-1,0 1 0,0-3 0,0 1 0,-1 0 0,0-1 0,1 0 0,-1-1 0,-1 0-1,-1-1 1,-1 1 0,1-1 0,1 2 0,0-1-1,1 3 1,-1-1 2,0 2-1,2 1-1,-2 0-1,1 1 1,-1-1 1,3 0-1,-1 1 0,-1-1 0,2 1 0,-2 0 1,1 1-1,1 1 0,-2 0-1,1 2 1,0 1 0,1 2 0,-1 0 1,-1 0-1,3-2 0,0 2 0,-1-2 0,1-1 0,-1 1 0,2-1 0,-2 0 0,0 0 1,0 1-1,-1 1 0,-1 3 0,-1-2 0,2 0 1,-2 2-1,0-2 0,-2 2 0,1-1 0,1 1 0,-4-3 1,0 2-1,0-4 0,0 0 0,0 2 1,0-1-1,0 0 0,0 1 0,0-2 0,0 0 0,0 1 1,0-3-1,0 0-1,0-1 1,-4-1 0,2 2 0,1-1 0,-1-1 0,-2 2-1,2 3 2,0 1-2,-1-2 1,0-1 0,2 0 0,-2-3 0,2 1-1,0-1 1,-1-2 0,-1 0 0,-1-1 1,1 1-1,-1-2 0,0 0 0,-1 3 0,2-1 0,-3 1 0,3 1 0,-3 0 0,2 1 1,-1 2-1,0-2 0,0 0 1,0 2-2,-2-3 2,1 0-1,1-1 1,1 1 0,-3-2-1,1 1 0,1-2 1,-4 1 0,5 0-1,-3 0 0,-1 1 0,1 1 1,-3 0 1,1 0-2,-1 0 1,-3 0 1,2 1-2,-1 0 3,0 0-3,1-1 2,-3 0-2,3-2 1,0 1-1,1-3 0,-1 0 2,0 0-1,1 1-1,-3-1 3,-1 3 0,2-2-2,-2 0 2,0 2-3,4-3 1,-1 2 1,2 0-1,2-2 0,0 0-1,-2 0 0,2-1 0,-2-3 0,3 2 0,-4-1 0,2 0 0,-2 2 0,1-2 0,0 0 2,-2 1-2,-1-3 0,1 3 1,1 1 0,1-2-1,0 1 0,-1 1 0,0-3 0,0 1 1,-1 0-1,1 3 0,0 0 2,0-1-1,-2 1-1,3 0 0,-2 0 0,1 0 0,-2 2 0,-1-4 3,4 0-3,0-2 0,4-1 0,-2 1 0,-1 0 0,1-1 0,0 0 0,-3-1 0,3 3 0,-3-2 0,0 1 1,3 0-1,-3-1-1,3-1 1,-3 2 0,3-2 0,-4 2 0,0 0 0,-1 1 0,4-2 0,-2 1 0,1-2 0,0 1 0,-2 0 0,1 2 0,1-3 0,-3 3-3,3-2 3,-1 0 0,0 1 0,1 0-1,-2-3 1,2 2 0,-1-1 0,-1 2 0,0-1-2,-1 2 2,-2-2 0,3 1-1,-2-1 1,2 2 1,1-3-1,0 2 0,-2-3-1,2 2 1,-2-1 0,0-1 0,0 2 0,0-1-2,-3 2 2,4-2 0,-3 1 0,3 0 0,-4-1-1,-1 2 1,0 0 1,3 1-1,-2-1-1,-2 1 0,1 0 1,0 0-1,1 0 1,0 1-1,0-1 1,2 0 0,0 1 0,0-1 0,-3 2 0,2-4 0,1-2 1,-2 4-2,2-2 1,-2-1 0,1 2 0,1-2 0,-1 3 0,-2-2 0,2 2 0,-1-2-1,0 2 1,0-3 0,1 3-1,1-4 1,-1 2 0,-2 0-1,2-1 1,-4 1 0,2 0 1,0 2-1,-1-3 0,0 3 0,-3-2-1,2 1 1,1 3 0,0-3 0,1 1 0,0-1 0,2-1 0,2 0 0,1 0 0,0 0 0,2 0-2,-1 0 0,-2 1 2,2-3 0,-1 3 0,-3-1 0,1 0 0,-1 1 0,0 1 0,4-3 1,0 3-1,-1-3-1,-1 1 0,0 0 1,-4 1-1,0-2 1,-2-1 1,0 4-1,0-3 0,0 0 0,2 1 0,-2 0-1,-1-3 0,1 1 1,-2 1 0,1 1 0,-1-2 0,-1 0 1,3 0-1,-2 0 0,4 0 0,0-3-1,-3 4 1,-1-1 1,-1-3 0,-1 2-1,0 1 0,3 0 1,2 0-1,-1 1-1,1-2 1,0 2 0,-2-2 0,-2 1 1,0 0 0,1-2 0,-1 1-1,-1 0 2,6 0-1,-2 2 0,1-2-1,-1 3 0,-2-1 0,2 1-2,0-1 2,-2 1-1,3-3 2,-4 0-1,0 1 0,6 0 2,-3-1-2,2 2 0,5-1-1,2-2 1,-2 1-2,3-2 2,-3 2-1,-2 1 1,-2-1 0,-2 0 0,0-2 0,-1 1 1,3 0-1,1-1 0,2 1 0,4-1 1,-4 0-1,-2 1-1,-2 1 0,-2 0 1,-2-1 1,0 2-1,1-3 2,1 2-2,1 0 0,4-1 2,2-1-2,4-1-1,1 0 1,6-1-1,0-1 1,0 0-1,0 0 1,0 0-1,0 0 1,0 0 0,0 0 0,0 0 0,0 0-1,0 0-1,0 0 0,0 0-5,0 0-6,0 0-11,0-6-15,0-5-11,5-3-57,-4-4-120</inkml:trace>
-  <inkml:trace contextRef="#ctx0" brushRef="#br1" timeOffset="69338.9657">13862 11623 57,'0'0'37,"0"-2"-12,0 2-6,0 0 0,0 0-4,0 0 1,0 0 1,0 0 9,0 0 3,0 0-7,-2 0-2,2 0-9,-1 0-6,1 0-4,-1 0-1,-2 0 0,-2 10 0,-4 4 7,0 1 11,-4 2-2,0 2-6,-1 2-1,-2 2 1,0 0-2,0-2 0,-1-1-1,1-2-1,1 0-1,3-4 2,0 0 0,5-4-4,0 0 3,4-4-4,0 2-2,2-2 0,-2 1 1,3-1 2,0-2-3,-2 1 0,1-2 1,1 0 1,0-1-2,0 1 1,0-1-1,0 2 1,0-1-1,6 0 3,2 2 3,3 0 1,-1 1-2,2-1-4,0 0-1,0 3 2,3-2-2,2 3 0,1-1 0,1 1 2,-1-3-1,0 2-1,0-2 2,-2 1-2,2-1-1,-2-1 1,1 1 1,0-1-1,1 0-1,3 0 1,-1-2 1,1 2-1,0-1 0,-1 1 0,-2-3 0,1 4-1,0-6 1,-2 2-1,0 0 1,-4-2 1,-3 1-1,-3 0 1,-4 0 2,-3 0-2,0 1 2,0-2 1,0 0-1,0 1 0,0-1 4,0 0-1,0 0-2,0 0-2,0 0-2,0 0-1,0 0-7,-3 0-10,-8 0-23,-1-6-104</inkml:trace>
-  <inkml:trace contextRef="#ctx0" brushRef="#br1" timeOffset="72285.1345">14534 4039 11,'0'-2'34,"0"0"-10,0 1-12,0-1-4,-1 0 2,-3 0-10,-1 0 0,1 1 1,-1 0 3,0 1-2,-2 0 4,-2 0 2,2 0-3,-1 1 0,0 6-1,0 3-1,0 3-2,4 0 1,1 1-2,3-4 1,0-1-2,0-3 1,0-2 0,1-4 0,5 0 0,6 0 9,1 0 0,2-8 3,0-5-9,-5-3 1,1-1-4,-4-1 0,-4 1-2,0 2 2,-3 2-3,0 2 3,-3 4 0,-3 3 3,0-1 1,1 5 3,-2 0-5,3 0 0,-3 1-2,-2 9 1,4 2 2,-2 0-2,1 3 0,1 0-1,5 0 0,0-2-1,0-3 1,0-1-3,2-5 0,1-3 2,3-1 1,-2 0 4,3 0 2,0 0 0,0-2 0,0-6-1,-3 0-3,1-1 1,-4 1-3,-1 1-2,0 0 2,0 3-1,-3 2 1,-2 1 0,-2 1 3,0 0-3,-4 0 1,2 4-1,0 6 1,0 0-1,3 3 0,3-1 0,3 1-1,0-4-3,0-4-1,0-1 2,0-3-2,3-1 5,5 0 6,-1 0 0,3-1 3,-2-7-3,-1 0-3,0 0-3,-2 0 0,-1 1-3,-4 1 3,0 0-3,0 1 3,0 2-3,0 1 0,0 1 3,0 0 3,-2 1-3,0 0-2,-3 0-4,0 7 0,-1 1 6,2 1 0,3 1 0,-1-5 0,2 2-2,0-4 0,0-1-2,0-2-1,0 0-7,0 0 12,0 0 4,0 0 4,0-2-8,0-4-3,0 1-36</inkml:trace>
-  <inkml:trace contextRef="#ctx0" brushRef="#br2" timeOffset="87575.009">14299 2866 11,'0'0'22,"0"-1"2,0-1-5,0 1-3,0 1-1,-1-2 1,1 2-5,-2 0-2,-1-2-2,2 2-5,-3 0-2,-3 0 3,0 2 2,-1 7 1,1 1 1,2 2-7,2-3 0,0 1 0,3-3 4,0-1-2,0-2 1,0-1-3,0-3 1,1 0 1,6 0 3,2 0 0,-3 0-4,-1-1 1,0-8 1,0 3-3,-2-3 0,0-2-3,-3 1-1,0 0 1,0 2 2,0 2-3,0 3 2,0 1-10,0 2 6,-3 0 5,1 0-4,-2 0 4,-1 8 1,1 2 1,-1-2-1,2 1 0,1 0 0,2-2-4,0-1-1,0-1-2,0 1 7,2-4 0,4 0 2,0-2 2,1 2-2,0-2-1,-1 0 1,-1 0-1,0 0 0,0 0-1,-1-5 2,-2-2-2,-2 1 1,0 3 4,0-2-5,0 2-2,-2 3 2,-2 0 0,-1 0 0,-3 0 0,2 0 2,-1 0 3,0 5-5,3-1-1,2 1-3,2 3 1,0-1-9,0-1 12,0 1 1,2-3 4,1-1-2,1 1 1,-1-3-1,-1 1-1,0-2 0,1 0 3,0 0 4,2-5-8,1-1 0,-3-2-1,0 1 2,-3 0-2,0-1-4,0 3 3,0 0-1,0 0-4,-3 2 6,-2 0-3,-2 3 3,2 0-1,1 0-1,1 0 1,-2 0-2,2 5 3,1 3-2,-2 2 2,1 3-1,1-1 1,1 2 0,1-3 1,0-1-1,0-4-1,0-3 1,0-2 1,0-1 1,0 0 2,3 0-4,0 0 0,1-3 0,-2-2-10,-2-2-88</inkml:trace>
-  <inkml:trace contextRef="#ctx0" brushRef="#br2" timeOffset="94592.4099">14283 2865 10,'0'3'23,"0"2"-6,0-5-3,0 3-4,0-3 3,0 2-4,0-1 0,0 1 0,0 1 1,0-1-2,2 3-2,1-1 0,2 1 3,2 2 3,0-2 2,1 2-3,1-1-5,0 1 6,3 1-2,-1-2-5,2 1 3,1 1-1,1-3-1,1 3-1,1-1 2,0-1-2,1 1-1,-1-1 0,-1 1-3,2-1 0,-2 1 0,-1 2-1,0-2 0,-2 2 4,3-1-4,-1 2 1,2-2 2,-1 1 0,2-1-2,3 2-1,1 1 6,3-1-4,0-1-2,0 1 5,-1-1-5,-3-1 0,-1 2 0,0-1 2,-2 0 1,-1-2-3,0 1 0,-1 0 3,0-1 1,-3 0-4,1 0 0,-3 0 4,-1 0-4,-2 0 0,0-1 0,0 2 3,3-1-1,-1 2-1,0-4-1,0 3 4,1 0-4,-1 0 0,1-1 1,0 2 0,1-1 0,1 0-1,-3 1 1,2 0 2,-2 0-3,4 0 1,0 1 0,1 1 0,2-1 0,1 3 2,1 1-2,-2-2-1,-3 1 1,0 0-1,-1 0 1,1-2 0,-1 2 2,1-2-2,-1 0 1,-1 0 0,-1 1-2,-1-3 0,-1 2 3,0-1-3,3 2 1,1 0 0,0 1 5,3 1-3,1-2-3,0 2 1,-3-2-1,2 3 0,-1 0 0,-1-2 1,-3 3-1,1-2 0,-3 1 0,3 0 0,-3-1 0,4-3 0,-3 2 0,1 0 0,2 0 0,-2 2 2,3-1-1,0 1-1,0 2 1,2-1-1,4 0 1,-1 0 1,3 3 1,0-1-3,0 3 0,1-1 0,1 0 0,-4 0 0,3 0 0,0 1 1,0-3-1,2 0 1,-1 0 0,-3-1-1,-1 1 0,0-1 0,-1 0 2,0 0-2,-1 0 0,-1 1 1,0 0-1,2-1 0,-2 0 0,0 2 2,1-3-1,-4 2-1,1-2 1,-1-1-1,0 1 0,-1 1 1,-1-1-1,1-1 1,-2 0-1,1-2 0,-1 3 0,1-1 0,0 2 1,3 2-1,2-2 1,0 4-1,3 0 2,1 1-1,0 0 1,-3 0-2,0-4 0,0 0 0,-4 0 0,4 1 0,2 0 2,-1 2-2,3 1 0,-4-1 0,1-2 0,1 3 0,0 0 3,1-1-2,-1 0-1,1 0 1,1 2-1,-3-3 0,-1-1 1,-4-3-1,0 3 0,-1-3 0,1 0 0,-1 0 1,-3 0 0,3 0-1,-2 0 0,1 0 1,-1 1-1,3 0 2,-1-2-2,-1 1 1,1-1-1,-4 0 0,3 0 0,-3-2 1,-2-1-1,0 0 0,0 0 1,-1-1-1,1 0 0,-3-1 0,3 2 1,-1-2-1,0-1 0,-1 0 1,1 2-1,-2-3 0,-1 2 0,4 0 0,-4-1-1,-1 2 1,2 0 0,-1 0 1,3 2-1,-2-1 0,-1-2 0,1 1 1,-1-2-1,1 2 0,1-2 0,-3 1 0,1 0 0,1 0 0,-1 0 0,3 3 3,-3-5-3,1 3 0,1-1 1,2 0-1,-2 2 0,1-2 0,0-2 1,-1 1-2,2 3 1,-2-1 0,1-2 0,0 4 0,0-5 1,0 5-1,2-2 0,0 2 0,-1-1 0,0 3-1,0-2 1,0 1 0,-2-1 0,0 0 0,0-1 0,0 1 0,-1-2 1,1 1-1,0 0 0,2 2 0,-2-1 0,1 0 0,1 1 0,-1 0 0,-1-1 0,2 0 0,0 0 0,0 0 0,0 2 0,0-1 0,-2-3 1,1 1-1,1 3 0,-3-3 0,0 0 0,-1 1 0,4-1 0,-2-2 0,0 3 0,3 1 1,-1 2-1,-1-3 0,2 1 0,1 0 0,-2-1 0,2 0 0,-1 0 0,-1-2 0,0 3 0,0-1 0,0 0 0,0 0 0,0 1 0,1 0 0,-3 1 0,0-1 0,1-1 1,-1 0-1,1 0-1,0 4 1,1-4 0,-1 1 0,-2-1 0,1-1-1,-3 0 0,1-1 1,-2 0 0,2 2 0,0 0 0,1 1 0,-2-1 1,1-1-1,-1 1 0,0-2 0,0 0 0,1 2 0,-3-1 0,3 0-1,1 3 1,-4-1 0,4 2 0,-1 0 0,0 0 0,0 4 0,1-2 0,-1-2 0,0 2 1,-1-3-1,0 0-1,2-2 1,-1 1 0,1-1 0,-1-1 0,1-1 1,0-1-1,-2 1 0,2-1 0,-2 0 0,0 1 0,2-2 0,-2 3 0,-1-3 1,1 3-1,-1 0 0,1-1 0,1-1 1,-1 3-1,1-3 0,0 2 0,1 1 0,-1-2 0,-1 0 1,2 0-1,-1 2 0,2-2 1,-1 1-1,-1 0 0,2-1 0,-2 2-1,3-1 1,-3 1 4,1-3-4,-1 3 0,0 0 0,1-1 0,0 3 0,0 2 1,-2-3-1,1 1 0,-1-2 0,0 1 0,-1 0 2,3-1-2,-2 0 0,-1 2 0,1 0 0,-1-1 0,0-2 0,0 2 1,0 0 0,0-1 0,1-1-1,0 0 2,0 1-2,0 0 0,-1 1 0,1 0 0,-2 1 0,0 1 1,2-1-1,-2 0 0,0-2 0,0 1 0,0 1 2,0-1-1,0 0 0,0-2-1,0-1 1,0 0-1,0 0 0,0 0 0,0 0 1,0-1 2,0 0-3,0-1 0,0-1 0,0 2 2,0-1-2,0-1 0,0 1 2,0 1-1,-4-2-1,3 2 0,-1-3 1,2 3 1,0-3-1,-4 1-1,4 0 1,0 0-1,-2 1 2,1-1-1,0 1 0,-1-2 0,1 1-1,-1 2 1,1-2 1,0 3-2,0-3 0,1 2 1,0-3-1,-2 4 1,2-2 1,-2-2-2,2 3 0,-1-3 0,1 0 2,-1 2-2,1-2 1,0 1-1,0 2 1,0-2 4,-1 0-4,0 2 0,1-2 0,-1 3-1,-1-2 2,2-1-1,0 2-1,-1-1 0,0 2 0,-1 1 2,1-3-2,-1 4 0,-2-2 1,4 0-1,0 1 1,-2 1 0,2-4-1,0 2 0,-1-1-1,0-1 1,-2 2 0,3 0 1,-3 0-1,3-1 1,-1 0-1,0-1 0,1-1 0,-2 2 0,2-1 1,0 1-1,0-1 0,-2 1 0,2-2 1,-1 2-1,1-2 0,0 0 0,-1 1 0,1 0 0,-3 2 0,3-2 0,0 2 1,0-3-2,-2 3 1,1 0 0,0-1 1,0 1 0,1-1-1,-2 1 1,2-1-1,0 1 1,-2 1-1,2 0 2,-1-2-4,0 0 2,0-1 0,-2 2 0,1-2 2,-1-1-2,1 2 0,0-2 1,-1 3 0,3-3-2,-3 4 2,1-1-1,0-2 0,-3 1 1,3-3-1,-1 3 0,1-3 1,-1 3-1,0-2 0,-1 0 2,-1 2-2,2-2 1,-1 0 0,1 2 0,-1-2-1,0 0 0,1 1 0,-1-1 1,1 1-1,-1 1 0,0-2 2,-2 2-1,0 1 1,3-2-2,-2 1 0,0-2 0,2 2 0,-2-1 1,1 0-1,-1 0 0,0 0 2,-1-1-1,0 2 1,0-4-2,0 4 0,2-2 2,-1 2-2,0 2-1,-1-3 1,1 1 1,1 0-1,-2-1 0,2 1 0,0 0 0,-4 2 5,2-4-5,0 4 0,-4-2 1,6 0 0,-3 1 0,0 1-1,0-3 0,0 2 0,-2-1 2,1 1-1,2 0 0,-3-2-1,1 2 0,-4 0 3,0-1-1,1 2-1,-2-3 0,3 2 0,-1 1-1,0-3 0,-1 1 0,1 0 1,1-1 0,2 2-1,-3-1 1,1 1 0,0-2 0,0 3-1,-4-2 3,1 1-1,2-1-2,-1 0 0,1 0 0,-1 1 0,-2-2 1,1 2-1,-1-2 1,-1 0-1,3-1 0,0 2 0,-1-4 0,1 2 0,-2-1 0,-1 2 2,1-3-2,-2 2 1,2-3 0,-1 0-1,1 1 0,0 1 2,-3-2-2,2 2 1,-1-3-1,0 2 2,-2 1-2,0-2 2,0 1-2,-2 0 0,1 0 0,-3 0 1,1 1-1,-2-2 2,0 1-2,-2 2 1,1-1-1,2 1 1,3 0-1,-1 1 1,1-2-1,-2 0 1,0 0-1,-1-2 1,-2 4-1,3-2 2,-5 1 0,2-1-2,1 1 0,0-1 1,1 0-1,0 0 0,3 0 0,2-1 0,0 1 0,2-1-1,2 1 1,-2-2 0,-2-1 0,-1 4 0,1-3 0,-3 3 0,3-3 0,1-1-1,0 3 0,0-3 1,-2 1 0,1 3 1,-1-2-1,2-2 0,-2 1 1,2 1-1,1-1 0,3 0 0,-4 1-2,2 0 2,-1-1 1,-3 3-1,3-1 0,0 0 1,-1 1-1,-2-1 1,2-1-1,-2 1 1,1 0-1,0 0 0,-1 1 1,-1-2-1,3-1 0,0 4 0,2-2 0,0-1 0,1 1 0,2-1 0,1-1-1,0 1 1,1-2 1,1 2-1,-3 0 1,3-1-1,-4 2 0,2-1 0,-1 0 0,3 1-1,-2-3 0,0 1 1,-3 3 1,0-3 1,-2 0-2,-4 3 1,0-2-1,1 2 1,-5-2-1,5 4 0,0-4 0,-1 1 0,1 0-1,2 0 0,-1 0 1,0 0 0,-1-1 0,2 1 0,-2-2 0,2 3 0,0 0-1,-2-2 0,-2 4 1,-1 1 0,0-2-1,-3 2 1,3-2 0,-2 2 0,1-2 0,-1 0-1,2 2 1,2-4-1,-2 3 1,2-2-1,-1 2 1,-1-2 0,5 0-1,-3-2 0,0-1 1,0 2-1,-3 0 1,1-1 0,-1-1 1,-1 0 0,4-1-1,-2 2 0,-1-1 0,3-1 0,-4 1 1,5 0-1,-1 0 0,-2 2 0,3-3 0,-3 2 1,0-1-1,0 0 1,1 1-1,-1-1 0,2 1 1,-1 1-1,0-3 1,2 1-1,0 1-1,3 0 1,1-1 0,0 1 0,-1 0 0,-1 0 0,-1-1 0,0 0 0,6 0 0,-3 0 0,-2-1 0,5 3-1,-5-2 1,1 2 0,2 1 0,-2-2 0,-1 3 0,1-3 0,1-1-1,-4 3 1,-1-3 0,1 0 0,0 1 0,-3-1 0,1-1 0,2 1 0,-3-1 0,2 0 0,2 0 0,-1-1 1,0 3-1,4-3 0,-4 2 0,-1 0 1,3-2-1,-4 2 0,-1 1 0,3-1 1,-4 1-1,1 0 1,2 0-1,0-1 0,3 2 1,3-2-1,-1 0 0,-1 0 0,0 1 0,3-3 0,0 4 0,3-1 0,1-2 0,5-2-1,1-1 0,0 0-4,2-1 5,0 0 0,0 0 0,0 0 0,0 0 0,0 0 1,0 0-1,0 0-1,0 0 0,0 0-3,0 0-1,0 0-2,0-8-5,0-5-43,0-1-80,0-3-23</inkml:trace>
-  <inkml:trace contextRef="#ctx0" brushRef="#br2" timeOffset="95666.4717">13603 10640 13,'0'0'54,"0"0"-15,0 0-12,0 0-9,0 0-6,0 0-4,0 0 4,0 0 1,0 0 3,0 0 6,0 0 0,0 0-7,0 0-4,-1 0-5,-2 0-5,0 0-1,-2 0 1,-2 5 10,-2 4-1,-4 3-4,3 3 1,-4 0 3,1 4-4,-3-1 1,-1 0-4,1 2 6,4-4-5,-1 1 2,1-2-3,3-3 4,0 0-5,0-1 3,2 0-4,-1 0 0,4 1-1,0-3 3,1-2-2,3-2 0,-1-1-1,1-1 3,-1 2-3,1-2 3,-2 2 0,2 3-2,0 0 3,0 3-3,0 0 0,0-3 1,0 2-2,0-4-2,0 2 2,0-2 1,0 0 0,0 3 0,2-3 0,0 4-1,5-4 0,0 2-1,4-3 1,3-2 4,2 0-4,1-1 1,3 2-1,0-1 0,-2 0 1,2 0-1,-3-1 0,1 2-1,1 1 0,2-2-3,0 0 2,2 0 2,0 2-2,-2-2 1,1-1 1,2 1 0,-3-1 1,2 1-1,-1-2 0,1 1 1,2 0 0,-1-2 0,-4 1 0,-5 1 3,-3-2-2,-8 3 1,-3-3 3,-1 0-1,0 2 0,0-2-1,0 0 1,0 0-3,0 1-2,0 0-8,0 2-3,0 3 1,-4-3-39,-6-2-90</inkml:trace>
+  <inkml:trace contextRef="#ctx0" brushRef="#br0">14335.000 5130.000 14,'0.000'-3.000'9,"0.000"2.000"1,0.000 1.000 2,0.000 0.000-1,0.000 0.000-4,2.000 0.000 3,-2.000 0.000-3,0.000 0.000-1,0.000 0.000 0,0.000 0.000 1,0.000 0.000 3,0.000 0.000 5,0.000 0.000-3,0.000 0.000-1,0.000 0.000-6,-3.000 0.000-1,-3.000 6.000 0,-1.000 3.000 1,3.000-3.000-5,2.000-1.000 4,1.000-2.000-4,1.000 1.000 1,0.000-4.000-2,0.000 0.000 1,0.000 0.000-3,0.000 0.000 3,0.000 0.000 5,0.000 0.000 1,0.000 0.000 1,0.000 0.000 3,3.000-8.000-6,2.000 0.000-1,1.000 1.000-1,-2.000 1.000 0,-2.000 2.000-2,1.000-3.000 0,-2.000 3.000 0,1.000-1.000-2,2.000 3.000-3,-4.000-1.000 3,0.000 0.000 0,0.000 3.000-4,0.000 0.000-4,0.000 0.000-6,0.000 0.000 7,0.000 0.000 3,0.000 0.000 4,0.000 0.000 2,0.000 0.000 4,0.000 0.000-3,0.000 0.000 2,0.000 0.000-1,0.000 0.000-1,0.000 0.000 0,0.000 0.000-1,0.000 0.000 0,0.000 0.000 1,0.000 0.000-1,0.000 0.000 1,0.000 0.000 0,0.000 0.000-1,0.000 0.000 0,0.000 1.000 0,0.000 3.000 2,0.000-1.000-2,0.000-2.000 1,0.000 1.000 2,0.000 1.000 2,3.000 0.000 5,1.000 2.000-3,1.000-2.000 0,1.000 0.000-3,-1.000 1.000 4,0.000-1.000-7,-1.000 1.000 2,-1.000 0.000 1,-1.000 0.000-3,3.000 0.000 3,-2.000 2.000-2,2.000 1.000 0,0.000-1.000-1,3.000 2.000 2,2.000 0.000 0,1.000 2.000-1,2.000 1.000 2,0.000-2.000-3,-1.000 0.000-1,-2.000-2.000 6,1.000 1.000-5,-1.000-1.000 1,3.000 1.000 4,-3.000 0.000-2,1.000-2.000-4,-3.000 2.000 3,1.000-2.000-2,1.000 2.000 0,3.000 2.000-1,2.000 1.000 2,2.000 2.000 4,4.000-3.000-5,0.000 3.000-1,-1.000-1.000 5,3.000-1.000-4,1.000 2.000-1,-1.000 1.000 0,0.000 0.000 1,-2.000-2.000-1,-1.000-1.000 0,-2.000 1.000 0,1.000-2.000 2,0.000 2.000-2,1.000 2.000 0,-1.000 0.000 0,0.000 1.000 0,1.000-1.000 0,0.000 0.000 0,-1.000 2.000 0,-1.000 1.000 0,1.000-2.000 2,1.000 3.000-1,-1.000-1.000 0,3.000-1.000 0,1.000 0.000 4,1.000 2.000-3,4.000-1.000 0,-4.000-1.000-2,1.000-1.000 1,-2.000 0.000 1,0.000 0.000-2,0.000 1.000 0,-2.000 0.000 0,2.000 3.000 0,-3.000 0.000 0,0.000-1.000 0,-2.000 1.000 0,1.000 1.000 1,0.000-1.000-1,0.000 2.000 0,2.000-2.000 0,0.000 1.000 0,1.000-3.000 0,-1.000 1.000 0,-3.000-1.000 0,-2.000 1.000 1,0.000-2.000-1,1.000 2.000 0,0.000-1.000 0,2.000 1.000 0,2.000 1.000 2,0.000 0.000-2,-1.000 3.000 0,1.000-3.000 2,-1.000 3.000-2,-1.000-1.000 0,3.000 3.000 0,-3.000-2.000 0,1.000 1.000 1,2.000 1.000 0,-1.000-1.000-1,1.000 2.000 1,0.000 2.000-1,4.000 5.000 0,-2.000 0.000 2,-2.000 3.000-2,1.000-3.000 1,0.000 0.000 0,-1.000-2.000-1,-1.000 0.000 0,-3.000-1.000 1,-2.000 1.000-1,-2.000-1.000 0,1.000 0.000 1,-3.000 1.000 0,2.000-1.000 1,0.000 4.000 0,-1.000-2.000-1,2.000-1.000 0,0.000 0.000 0,-2.000 0.000 1,0.000-1.000-1,0.000-2.000 1,-2.000 1.000-2,0.000 1.000 0,-1.000-3.000 3,0.000 3.000-3,-3.000-2.000 0,0.000 2.000 2,2.000-2.000-1,-2.000 0.000 1,2.000 0.000 2,1.000 2.000-3,0.000-2.000 0,2.000 5.000 1,-1.000 0.000-1,-3.000 0.000-1,1.000 0.000 3,-1.000-5.000-3,-1.000 2.000 0,0.000-1.000 0,0.000 0.000 0,3.000 0.000 1,-3.000 2.000 0,0.000-3.000-1,1.000 3.000 1,-1.000 0.000-1,3.000-2.000 2,-2.000 0.000-2,-1.000-1.000 3,2.000 0.000-3,-3.000-2.000 0,1.000 0.000 0,0.000 1.000 1,-3.000-2.000-1,1.000 0.000-1,0.000 0.000 1,1.000 1.000 1,-3.000-2.000 0,2.000 3.000 1,1.000-1.000-2,-2.000 1.000 2,3.000-4.000-1,-2.000 2.000-1,1.000 0.000 0,-1.000-2.000 0,-3.000 1.000 0,-1.000 2.000 0,1.000-1.000 0,-2.000 3.000 0,0.000-1.000 3,0.000 1.000-3,0.000-2.000 1,0.000-1.000 2,0.000 0.000-2,3.000-3.000-1,-3.000 0.000 0,2.000-1.000 0,0.000 0.000 1,-2.000-3.000 0,2.000 4.000 0,-1.000-1.000-1,-1.000 1.000 1,0.000-1.000-1,0.000 2.000 3,0.000-3.000-3,0.000 0.000 0,0.000 0.000 1,0.000-3.000-1,0.000-2.000 0,0.000 1.000 0,0.000-2.000 0,0.000-1.000-1,0.000-1.000 1,0.000-1.000 1,0.000 1.000-1,0.000-3.000 0,0.000 2.000 1,-1.000-1.000-1,1.000 2.000 0,0.000-1.000 0,0.000 0.000 1,0.000-2.000-1,-4.000 2.000 0,2.000 1.000-1,-1.000-2.000 0,3.000 4.000 1,-2.000-2.000 2,1.000-1.000-1,0.000 2.000-1,0.000-1.000 0,-1.000-1.000 1,2.000 1.000-1,0.000-1.000 0,0.000-1.000 0,0.000 1.000 0,-2.000-2.000 0,1.000 2.000 0,0.000 0.000 1,-3.000 0.000-1,3.000-2.000 0,-1.000 2.000 0,2.000 0.000 0,-2.000-2.000 2,2.000 3.000-2,0.000-2.000 0,0.000 0.000 0,0.000 0.000 0,0.000 0.000 0,0.000-2.000-2,0.000 3.000 2,0.000-1.000 2,0.000 2.000-2,0.000 0.000 1,-1.000-1.000 0,1.000 2.000-1,0.000 0.000 0,0.000 0.000 0,0.000 1.000 0,0.000 0.000 0,0.000 0.000 0,0.000-2.000 0,0.000 2.000 0,-1.000-2.000 1,0.000-1.000-3,0.000 2.000 4,1.000 1.000-2,0.000 1.000 0,0.000-2.000 1,-1.000 3.000-1,-1.000 0.000 1,2.000-1.000-1,-1.000 2.000-1,1.000-2.000 1,0.000 2.000 1,-1.000 2.000 0,0.000-1.000 1,-1.000 1.000-2,-1.000 1.000-2,2.000-1.000 2,0.000 0.000 0,-1.000 2.000 0,0.000-3.000 0,1.000 3.000 0,1.000 0.000 0,-1.000-2.000-1,0.000 1.000 1,-1.000 2.000 0,0.000-1.000 1,0.000-2.000-1,0.000 4.000-2,2.000-2.000 2,0.000-4.000 0,0.000 1.000 0,0.000-1.000 0,-4.000-2.000 0,1.000 1.000 0,1.000 3.000 0,0.000-3.000 2,-1.000 3.000-2,0.000-2.000 0,2.000 0.000 2,-2.000 0.000-2,-1.000 0.000 0,1.000-2.000 0,1.000 2.000 0,0.000-1.000 0,0.000 2.000 0,0.000-1.000 0,1.000 0.000 1,0.000 2.000-1,0.000-1.000 0,-1.000 1.000 0,0.000 1.000 0,0.000 2.000 0,-1.000 2.000 1,-1.000-2.000-1,1.000-1.000 0,-2.000-1.000 0,0.000-2.000 0,0.000-1.000 1,2.000 1.000-1,-2.000-1.000 0,0.000 2.000 0,2.000-3.000 2,0.000 1.000-2,0.000 1.000 0,-1.000-3.000 0,1.000 2.000 0,-2.000 1.000 0,0.000 0.000 0,2.000 2.000 0,-2.000 0.000 1,1.000 0.000 2,0.000 0.000-3,1.000 2.000 0,-2.000 1.000 1,0.000-1.000-1,-2.000 0.000 1,4.000-3.000-1,-1.000 2.000 2,1.000-1.000-2,-1.000 1.000 0,1.000-2.000 1,-1.000 0.000-1,1.000 0.000 0,0.000 0.000 0,-1.000 0.000 2,-2.000 0.000-1,2.000 1.000 0,-1.000-1.000-1,0.000-1.000 1,2.000 2.000 1,-1.000-2.000-2,-2.000 1.000 1,3.000-2.000-1,-2.000 2.000 5,1.000 0.000-5,1.000-1.000 0,-1.000 0.000 0,0.000 0.000 1,-1.000 1.000 1,-2.000 2.000-2,3.000-1.000 0,-1.000 3.000 0,1.000-1.000 0,1.000 1.000 0,-2.000-1.000 0,3.000-2.000 0,-2.000 0.000 1,-1.000 0.000 0,2.000 2.000 1,-4.000-2.000-1,1.000 1.000-1,0.000-1.000 0,-2.000 0.000 0,0.000 2.000 0,1.000 2.000 0,-2.000 0.000 3,1.000-1.000-3,0.000 2.000 0,1.000-3.000 0,1.000 1.000 0,-2.000 2.000-2,1.000-2.000 2,-2.000-1.000 2,1.000 2.000-2,0.000-3.000 0,0.000-1.000-2,-2.000 1.000 2,1.000 0.000 2,2.000-2.000-2,-2.000 3.000 0,0.000-1.000 0,1.000-1.000 0,-2.000 1.000 0,3.000-1.000 0,-3.000 0.000 0,3.000-1.000 0,-3.000 1.000 0,3.000-4.000 0,-1.000 2.000 0,0.000-1.000 0,0.000 1.000 0,-2.000 0.000 0,2.000 1.000 0,-2.000 1.000 0,1.000 1.000 0,0.000-1.000 2,-1.000-2.000-2,1.000 4.000 0,0.000-2.000 0,0.000 0.000 3,-4.000 1.000-2,4.000-3.000-1,-1.000 2.000 0,0.000-4.000 0,-2.000 2.000 1,0.000 0.000-1,-1.000-2.000 0,1.000 1.000 0,-2.000-3.000 2,1.000 1.000-2,0.000-1.000 2,-1.000-2.000-1,3.000 2.000 1,-1.000 1.000 0,0.000-1.000-1,3.000 2.000 1,-2.000 2.000-2,-2.000-2.000 0,1.000 0.000 1,-1.000 1.000-1,-1.000 1.000 0,0.000-2.000 1,2.000 1.000-1,-1.000-2.000 0,-3.000 2.000 0,3.000-3.000 0,-2.000-2.000 3,0.000 2.000-3,3.000-2.000 1,-2.000-2.000-1,0.000 1.000 0,-1.000-2.000 0,0.000 0.000 0,-1.000 3.000 0,1.000-2.000 1,-2.000 1.000 1,2.000 0.000-1,-2.000 0.000-1,1.000 0.000 0,-2.000 0.000 0,4.000-1.000 0,-4.000 0.000 1,5.000 0.000-1,-1.000-1.000 0,-2.000 2.000-1,4.000-2.000 0,-4.000 1.000 1,0.000-1.000 0,0.000 2.000 0,2.000-3.000 0,-1.000 4.000 0,1.000-4.000 2,0.000 5.000-2,-1.000-4.000 0,3.000 0.000 0,-3.000 0.000 0,3.000 0.000 0,-1.000-1.000 0,-1.000 1.000 1,3.000-2.000-1,-3.000 0.000 0,0.000 2.000 0,-2.000-2.000 0,-1.000 2.000 0,0.000-3.000 0,-1.000 4.000-2,1.000-1.000 2,0.000-1.000 1,-2.000 2.000 0,1.000-2.000-1,0.000-1.000 0,0.000 2.000-1,-2.000-1.000 1,-1.000 0.000 0,-2.000 2.000 0,2.000-2.000 0,1.000 1.000 0,-2.000 2.000 0,3.000-1.000 0,3.000-2.000 1,0.000 1.000-1,1.000 0.000 0,1.000-1.000 0,1.000 1.000 0,-1.000-1.000 0,-2.000 0.000 0,-3.000 0.000 2,-1.000-2.000-2,-2.000 0.000 0,1.000 0.000 1,-2.000-2.000 1,1.000 0.000-2,3.000 2.000 2,-1.000-2.000-2,3.000 1.000 0,4.000-1.000 0,2.000-1.000 1,3.000 3.000-1,4.000-4.000-1,-2.000-1.000 1,3.000 2.000-1,1.000-2.000 1,-3.000 2.000-1,1.000 1.000 1,-3.000 1.000 2,-2.000 2.000-1,2.000-3.000 0,0.000 1.000 3,0.000-1.000-3,0.000 0.000 0,-1.000 2.000 0,-1.000-2.000 0,-3.000 0.000-1,-1.000 2.000 0,-1.000 3.000 0,2.000-3.000 1,-3.000 2.000 0,1.000-1.000 1,-2.000 1.000-2,2.000 0.000 0,1.000-2.000 2,4.000 0.000-2,2.000-1.000 0,4.000-2.000 1,1.000-1.000-1,2.000-1.000 1,0.000 0.000-1,0.000 2.000 0,0.000-2.000 2,0.000 0.000-1,0.000 0.000 0,0.000 0.000 0,0.000 0.000-1,0.000 2.000 0,0.000-1.000-1,0.000-1.000-3,0.000 0.000-5,0.000 0.000-5,0.000 0.000-2,0.000 0.000-13,0.000 0.000-85,0.000-6.000-161</inkml:trace>
+  <inkml:trace contextRef="#ctx0" brushRef="#br0">14210.000 12761.000 64,'0.000'0.000'12,"0.000"0.000"-12,0.000 0.000 0,0.000 0.000 5,0.000 0.000-3,0.000 0.000 3,0.000 0.000 3,0.000 0.000 9,0.000 0.000 4,0.000 0.000-2,0.000 0.000-6,0.000 0.000-7,0.000 0.000-5,0.000 0.000 1,0.000 0.000 0,0.000 0.000 2,0.000 0.000 3,0.000 0.000 3,0.000 0.000-3,0.000 0.000 0,0.000 0.000 2,-3.000 0.000-1,1.000 0.000-2,-4.000 6.000 10,0.000 4.000-3,-2.000 0.000-8,-1.000 1.000-4,-1.000 3.000 6,-1.000 5.000-2,-5.000 2.000 3,1.000 6.000 5,-2.000-3.000-4,-1.000-1.000 1,1.000-2.000-2,3.000-3.000-3,2.000-1.000 0,1.000-1.000 2,3.000-3.000-1,0.000 0.000-4,2.000 0.000 6,1.000-5.000-6,3.000-1.000 4,1.000-2.000-6,1.000-2.000 1,-2.000-1.000 0,2.000-2.000 2,0.000 1.000-2,-2.000-1.000 1,2.000 0.000-1,0.000 0.000 2,0.000 2.000-3,0.000 0.000-2,0.000-2.000 0,0.000 0.000 2,0.000 1.000 0,0.000 3.000 2,0.000-1.000 1,0.000 5.000 0,0.000 0.000 3,0.000 3.000-3,2.000 4.000 0,3.000-1.000-3,3.000-3.000 1,1.000 2.000 0,3.000-2.000 1,3.000 0.000 0,2.000 1.000 2,3.000-3.000-2,1.000 2.000 3,2.000 0.000 0,2.000-4.000 0,3.000 0.000 1,0.000-1.000-2,-2.000-3.000 0,-2.000-1.000-3,-8.000 0.000-1,-4.000-1.000 0,-3.000 0.000 2,0.000 2.000-2,-5.000-2.000 0,-1.000 1.000 1,0.000-2.000 0,1.000 3.000 2,-1.000-3.000-1,1.000 3.000 2,-1.000-1.000-1,1.000 0.000-1,-2.000-1.000 2,3.000 4.000 0,-3.000-3.000 5,0.000-1.000-2,1.000 3.000-1,-1.000-3.000 1,-1.000 2.000-1,-1.000 0.000-4,1.000-2.000 3,-1.000 1.000 0,0.000-1.000 1,0.000-1.000-1,0.000 1.000 0,0.000 1.000 0,0.000-2.000-5,0.000 0.000-2,-5.000 1.000-6,-7.000 1.000-10,-1.000 0.000-40,-3.000-2.000-127</inkml:trace>
+  <inkml:trace contextRef="#ctx0" brushRef="#br1">14481.000 3974.000 0,'0.000'0.000'18,"0.000"0.000"-6,0.000 0.000-5,0.000 0.000 0,-1.000 0.000 1,1.000 0.000-2,0.000 0.000-3,-1.000 0.000 0,1.000 0.000 0,0.000 0.000 3,0.000 0.000 0,0.000-1.000-4,0.000 1.000 2,0.000 0.000 5,0.000 0.000 1,0.000 0.000-2,0.000 0.000 1,0.000 0.000 2,0.000 0.000-2,0.000 0.000 0,0.000 0.000-1,0.000 0.000 0,0.000 0.000-1,0.000 0.000-1,0.000 0.000-2,0.000 0.000-3,0.000 0.000-1,0.000 0.000 0,0.000 0.000 0,0.000 1.000 4,0.000 1.000 2,0.000 2.000-1,0.000 1.000 1,0.000 3.000 1,2.000 0.000 1,5.000 0.000-3,-1.000 3.000 3,3.000 2.000-1,1.000-1.000 1,1.000 0.000-3,-2.000-2.000 2,-2.000 2.000 0,1.000-1.000-3,-1.000 1.000 0,-1.000 0.000 3,2.000 1.000 0,-1.000-3.000-4,-2.000 1.000 2,3.000 0.000-3,-2.000-2.000 0,2.000 4.000 1,2.000-1.000 1,-2.000-2.000 5,2.000 3.000-6,0.000-1.000-1,0.000-2.000 1,-3.000 2.000 2,0.000-3.000-4,1.000 2.000 0,-2.000-1.000 2,2.000-2.000 1,-1.000 3.000 1,2.000-3.000-4,1.000 3.000 2,3.000-1.000-1,1.000 0.000 3,4.000 1.000 0,0.000-2.000-2,2.000 2.000 5,1.000 2.000 0,-3.000 1.000-6,-2.000 1.000 1,1.000 1.000 2,-2.000 0.000-2,-1.000 0.000-1,2.000 0.000-2,-1.000-2.000 6,-3.000-1.000-4,-1.000 0.000-2,-2.000-2.000 0,0.000 0.000 2,-1.000-1.000 2,1.000 2.000-2,-2.000 0.000-1,0.000 0.000 1,1.000 4.000 1,0.000 1.000-2,3.000 3.000 1,0.000 1.000 0,1.000-2.000 2,3.000 3.000-2,-3.000 1.000 1,3.000-3.000 4,1.000 1.000-4,0.000 1.000-2,2.000-1.000 2,3.000 2.000 0,0.000-1.000 2,-1.000 2.000-3,-1.000-1.000 2,-4.000 0.000 0,2.000 1.000 2,-2.000-2.000-5,-1.000 2.000 5,1.000 0.000-3,-1.000-2.000-3,0.000 1.000 6,-3.000 0.000-5,2.000-3.000 3,1.000 2.000 2,0.000-3.000-4,0.000 2.000 3,2.000-2.000-2,0.000 2.000 3,2.000 1.000-3,1.000 1.000-1,2.000 1.000 3,0.000 0.000 2,-1.000 0.000-4,1.000 2.000-1,0.000-1.000 0,-1.000 2.000 1,-1.000-3.000-1,1.000 0.000 0,-4.000-1.000 1,2.000 4.000-2,2.000 0.000 2,-1.000 4.000-2,3.000 1.000 1,-1.000-2.000 3,2.000-2.000-4,-1.000-1.000 3,1.000-2.000 1,0.000-1.000-3,0.000-2.000 0,-1.000-1.000-1,-1.000 1.000 1,-1.000 0.000 1,-2.000-1.000-1,-2.000 2.000-1,-3.000-2.000-1,0.000 1.000 3,0.000-1.000-3,0.000 0.000 2,0.000 1.000-1,0.000-3.000-1,0.000 2.000 0,-1.000-3.000 1,1.000 2.000-1,-2.000 1.000 2,3.000-2.000 0,0.000 1.000-2,2.000 1.000 1,-1.000 1.000 1,2.000-1.000 0,0.000 0.000-2,0.000 2.000 1,-1.000-1.000 0,-2.000-1.000 0,4.000 0.000 2,-3.000-1.000-3,1.000 2.000 3,0.000-2.000-1,-4.000 0.000-1,4.000 0.000 0,0.000 3.000-1,2.000 1.000 2,0.000 2.000 0,-3.000-1.000 1,2.000 2.000-3,0.000-4.000 2,-2.000-1.000-2,1.000-3.000 1,-2.000 2.000-1,0.000-3.000 2,1.000 2.000-1,-2.000-2.000-1,0.000 0.000 1,0.000-3.000 0,-2.000 1.000-1,0.000 2.000 1,0.000-1.000-1,2.000 2.000 2,-1.000 2.000-2,0.000-2.000 0,2.000 3.000 0,-1.000-2.000 0,-3.000-1.000 0,1.000-1.000 2,-2.000-1.000-1,0.000-1.000-1,-2.000 0.000 0,0.000 1.000 0,2.000-2.000 0,-2.000 1.000 0,0.000-2.000 0,0.000-1.000 1,0.000 4.000-1,0.000-2.000 0,0.000-1.000 0,-1.000-1.000 1,-2.000 1.000-1,3.000-1.000 0,0.000 0.000 0,-1.000 2.000 1,-1.000 0.000 2,1.000-1.000-3,-1.000-1.000 0,1.000 1.000 0,2.000 0.000 0,-3.000 0.000 0,1.000 0.000 0,-1.000-1.000 0,-3.000-3.000 0,1.000 0.000 0,2.000 0.000 0,0.000 1.000 0,1.000 1.000 1,-2.000-3.000-1,0.000 2.000 0,-2.000-1.000 0,1.000-1.000 0,2.000 3.000 0,-1.000-2.000 0,-1.000 2.000 0,-1.000-1.000 1,2.000 2.000-1,0.000-3.000 0,-1.000 1.000 1,1.000-3.000-1,-2.000 1.000 0,1.000 1.000 0,0.000 1.000 0,-1.000-1.000-1,1.000 1.000 1,1.000 1.000 0,2.000 1.000 1,-3.000-1.000-1,3.000 0.000-1,-1.000 0.000 1,-1.000 2.000 0,1.000-2.000 0,-2.000 1.000 0,2.000 0.000 0,1.000 0.000 1,-2.000 0.000-1,3.000 0.000 0,0.000 1.000 0,-2.000 0.000 1,1.000 0.000-1,-1.000 0.000 0,2.000-1.000 0,-2.000 2.000-1,-1.000-1.000 1,2.000 1.000 0,-1.000-1.000 0,-2.000 2.000 0,3.000-5.000 0,-1.000 5.000 1,2.000-1.000-1,0.000 0.000 0,0.000 0.000 1,-1.000-1.000-1,0.000 1.000 0,0.000-3.000 0,0.000 1.000 0,-1.000 0.000 0,0.000-1.000 0,1.000 0.000 0,-1.000-1.000 0,-1.000 0.000-1,-1.000-1.000 1,-1.000 1.000 0,1.000-1.000 0,1.000 2.000 0,0.000-1.000-1,1.000 3.000 1,-1.000-1.000 2,0.000 2.000-1,2.000 1.000-1,-2.000 0.000-1,1.000 1.000 1,-1.000-1.000 1,3.000 0.000-1,-1.000 1.000 0,-1.000-1.000 0,2.000 1.000 0,-2.000 0.000 1,1.000 1.000-1,1.000 1.000 0,-2.000 0.000-1,1.000 2.000 1,0.000 1.000 0,1.000 2.000 0,-1.000 0.000 1,-1.000 0.000-1,3.000-2.000 0,0.000 2.000 0,-1.000-2.000 0,1.000-1.000 0,-1.000 1.000 0,2.000-1.000 0,-2.000 0.000 0,0.000 0.000 1,0.000 1.000-1,-1.000 1.000 0,-1.000 3.000 0,-1.000-2.000 0,2.000 0.000 1,-2.000 2.000-1,0.000-2.000 0,-2.000 2.000 0,1.000-1.000 0,1.000 1.000 0,-4.000-3.000 1,0.000 2.000-1,0.000-4.000 0,0.000 0.000 0,0.000 2.000 1,0.000-1.000-1,0.000 0.000 0,0.000 1.000 0,0.000-2.000 0,0.000 0.000 0,0.000 1.000 1,0.000-3.000-1,0.000 0.000-1,0.000-1.000 1,-4.000-1.000 0,2.000 2.000 0,1.000-1.000 0,-1.000-1.000 0,-2.000 2.000-1,2.000 3.000 2,0.000 1.000-2,-1.000-2.000 1,0.000-1.000 0,2.000 0.000 0,-2.000-3.000 0,2.000 1.000-1,0.000-1.000 1,-1.000-2.000 0,-1.000 0.000 0,-1.000-1.000 1,1.000 1.000-1,-1.000-2.000 0,0.000 0.000 0,-1.000 3.000 0,2.000-1.000 0,-3.000 1.000 0,3.000 1.000 0,-3.000 0.000 0,2.000 1.000 1,-1.000 2.000-1,0.000-2.000 0,0.000 0.000 1,0.000 2.000-2,-2.000-3.000 2,1.000 0.000-1,1.000-1.000 1,1.000 1.000 0,-3.000-2.000-1,1.000 1.000 0,1.000-2.000 1,-4.000 1.000 0,5.000 0.000-1,-3.000 0.000 0,-1.000 1.000 0,1.000 1.000 1,-3.000 0.000 1,1.000 0.000-2,-1.000 0.000 1,-3.000 0.000 1,2.000 1.000-2,-1.000 0.000 3,0.000 0.000-3,1.000-1.000 2,-3.000 0.000-2,3.000-2.000 1,0.000 1.000-1,1.000-3.000 0,-1.000 0.000 2,0.000 0.000-1,1.000 1.000-1,-3.000-1.000 3,-1.000 3.000 0,2.000-2.000-2,-2.000 0.000 2,0.000 2.000-3,4.000-3.000 1,-1.000 2.000 1,2.000 0.000-1,2.000-2.000 0,0.000 0.000-1,-2.000 0.000 0,2.000-1.000 0,-2.000-3.000 0,3.000 2.000 0,-4.000-1.000 0,2.000 0.000 0,-2.000 2.000 0,1.000-2.000 0,0.000 0.000 2,-2.000 1.000-2,-1.000-3.000 0,1.000 3.000 1,1.000 1.000 0,1.000-2.000-1,0.000 1.000 0,-1.000 1.000 0,0.000-3.000 0,0.000 1.000 1,-1.000 0.000-1,1.000 3.000 0,0.000 0.000 2,0.000-1.000-1,-2.000 1.000-1,3.000 0.000 0,-2.000 0.000 0,1.000 0.000 0,-2.000 2.000 0,-1.000-4.000 3,4.000 0.000-3,0.000-2.000 0,4.000-1.000 0,-2.000 1.000 0,-1.000 0.000 0,1.000-1.000 0,0.000 0.000 0,-3.000-1.000 0,3.000 3.000 0,-3.000-2.000 0,0.000 1.000 1,3.000 0.000-1,-3.000-1.000-1,3.000-1.000 1,-3.000 2.000 0,3.000-2.000 0,-4.000 2.000 0,0.000 0.000 0,-1.000 1.000 0,4.000-2.000 0,-2.000 1.000 0,1.000-2.000 0,0.000 1.000 0,-2.000 0.000 0,1.000 2.000 0,1.000-3.000 0,-3.000 3.000-3,3.000-2.000 3,-1.000 0.000 0,0.000 1.000 0,1.000 0.000-1,-2.000-3.000 1,2.000 2.000 0,-1.000-1.000 0,-1.000 2.000 0,0.000-1.000-2,-1.000 2.000 2,-2.000-2.000 0,3.000 1.000-1,-2.000-1.000 1,2.000 2.000 1,1.000-3.000-1,0.000 2.000 0,-2.000-3.000-1,2.000 2.000 1,-2.000-1.000 0,0.000-1.000 0,0.000 2.000 0,0.000-1.000-2,-3.000 2.000 2,4.000-2.000 0,-3.000 1.000 0,3.000 0.000 0,-4.000-1.000-1,-1.000 2.000 1,0.000 0.000 1,3.000 1.000-1,-2.000-1.000-1,-2.000 1.000 0,1.000 0.000 1,0.000 0.000-1,1.000 0.000 1,0.000 1.000-1,0.000-1.000 1,2.000 0.000 0,0.000 1.000 0,0.000-1.000 0,-3.000 2.000 0,2.000-4.000 0,1.000-2.000 1,-2.000 4.000-2,2.000-2.000 1,-2.000-1.000 0,1.000 2.000 0,1.000-2.000 0,-1.000 3.000 0,-2.000-2.000 0,2.000 2.000 0,-1.000-2.000-1,0.000 2.000 1,0.000-3.000 0,1.000 3.000-1,1.000-4.000 1,-1.000 2.000 0,-2.000 0.000-1,2.000-1.000 1,-4.000 1.000 0,2.000 0.000 1,0.000 2.000-1,-1.000-3.000 0,0.000 3.000 0,-3.000-2.000-1,2.000 1.000 1,1.000 3.000 0,0.000-3.000 0,1.000 1.000 0,0.000-1.000 0,2.000-1.000 0,2.000 0.000 0,1.000 0.000 0,0.000 0.000 0,2.000 0.000-2,-1.000 0.000 0,-2.000 1.000 2,2.000-3.000 0,-1.000 3.000 0,-3.000-1.000 0,1.000 0.000 0,-1.000 1.000 0,0.000 1.000 0,4.000-3.000 1,0.000 3.000-1,-1.000-3.000-1,-1.000 1.000 0,0.000 0.000 1,-4.000 1.000-1,0.000-2.000 1,-2.000-1.000 1,0.000 4.000-1,0.000-3.000 0,0.000 0.000 0,2.000 1.000 0,-2.000 0.000-1,-1.000-3.000 0,1.000 1.000 1,-2.000 1.000 0,1.000 1.000 0,-1.000-2.000 0,-1.000 0.000 1,3.000 0.000-1,-2.000 0.000 0,4.000 0.000 0,0.000-3.000-1,-3.000 4.000 1,-1.000-1.000 1,-1.000-3.000 0,-1.000 2.000-1,0.000 1.000 0,3.000 0.000 1,2.000 0.000-1,-1.000 1.000-1,1.000-2.000 1,0.000 2.000 0,-2.000-2.000 0,-2.000 1.000 1,0.000 0.000 0,1.000-2.000 0,-1.000 1.000-1,-1.000 0.000 2,6.000 0.000-1,-2.000 2.000 0,1.000-2.000-1,-1.000 3.000 0,-2.000-1.000 0,2.000 1.000-2,0.000-1.000 2,-2.000 1.000-1,3.000-3.000 2,-4.000 0.000-1,0.000 1.000 0,6.000 0.000 2,-3.000-1.000-2,2.000 2.000 0,5.000-1.000-1,2.000-2.000 1,-2.000 1.000-2,3.000-2.000 2,-3.000 2.000-1,-2.000 1.000 1,-2.000-1.000 0,-2.000 0.000 0,0.000-2.000 0,-1.000 1.000 1,3.000 0.000-1,1.000-1.000 0,2.000 1.000 0,4.000-1.000 1,-4.000 0.000-1,-2.000 1.000-1,-2.000 1.000 0,-2.000 0.000 1,-2.000-1.000 1,0.000 2.000-1,1.000-3.000 2,1.000 2.000-2,1.000 0.000 0,4.000-1.000 2,2.000-1.000-2,4.000-1.000-1,1.000 0.000 1,6.000-1.000-1,0.000-1.000 1,0.000 0.000-1,0.000 0.000 1,0.000 0.000-1,0.000 0.000 1,0.000 0.000 0,0.000 0.000 0,0.000 0.000 0,0.000 0.000-1,0.000 0.000-1,0.000 0.000 0,0.000 0.000-5,0.000 0.000-6,0.000 0.000-11,0.000-6.000-15,0.000-5.000-11,5.000-3.000-57,-4.000-4.000-120</inkml:trace>
+  <inkml:trace contextRef="#ctx0" brushRef="#br1">13862.000 11623.000 57,'0.000'0.000'37,"0.000"-2.000"-12,0.000 2.000-6,0.000 0.000 0,0.000 0.000-4,0.000 0.000 1,0.000 0.000 1,0.000 0.000 9,0.000 0.000 3,0.000 0.000-7,-2.000 0.000-2,2.000 0.000-9,-1.000 0.000-6,1.000 0.000-4,-1.000 0.000-1,-2.000 0.000 0,-2.000 10.000 0,-4.000 4.000 7,0.000 1.000 11,-4.000 2.000-2,0.000 2.000-6,-1.000 2.000-1,-2.000 2.000 1,0.000 0.000-2,0.000-2.000 0,-1.000-1.000-1,1.000-2.000-1,1.000 0.000-1,3.000-4.000 2,0.000 0.000 0,5.000-4.000-4,0.000 0.000 3,4.000-4.000-4,0.000 2.000-2,2.000-2.000 0,-2.000 1.000 1,3.000-1.000 2,0.000-2.000-3,-2.000 1.000 0,1.000-2.000 1,1.000 0.000 1,0.000-1.000-2,0.000 1.000 1,0.000-1.000-1,0.000 2.000 1,0.000-1.000-1,6.000 0.000 3,2.000 2.000 3,3.000 0.000 1,-1.000 1.000-2,2.000-1.000-4,0.000 0.000-1,0.000 3.000 2,3.000-2.000-2,2.000 3.000 0,1.000-1.000 0,1.000 1.000 2,-1.000-3.000-1,0.000 2.000-1,0.000-2.000 2,-2.000 1.000-2,2.000-1.000-1,-2.000-1.000 1,1.000 1.000 1,0.000-1.000-1,1.000 0.000-1,3.000 0.000 1,-1.000-2.000 1,1.000 2.000-1,0.000-1.000 0,-1.000 1.000 0,-2.000-3.000 0,1.000 4.000-1,0.000-6.000 1,-2.000 2.000-1,0.000 0.000 1,-4.000-2.000 1,-3.000 1.000-1,-3.000 0.000 1,-4.000 0.000 2,-3.000 0.000-2,0.000 1.000 2,0.000-2.000 1,0.000 0.000-1,0.000 1.000 0,0.000-1.000 4,0.000 0.000-1,0.000 0.000-2,0.000 0.000-2,0.000 0.000-2,0.000 0.000-1,0.000 0.000-7,-3.000 0.000-10,-8.000 0.000-23,-1.000-6.000-104</inkml:trace>
+  <inkml:trace contextRef="#ctx0" brushRef="#br1">14534.000 4039.000 11,'0.000'-2.000'34,"0.000"0.000"-10,0.000 1.000-12,0.000-1.000-4,-1.000 0.000 2,-3.000 0.000-10,-1.000 0.000 0,1.000 1.000 1,-1.000 0.000 3,0.000 1.000-2,-2.000 0.000 4,-2.000 0.000 2,2.000 0.000-3,-1.000 1.000 0,0.000 6.000-1,0.000 3.000-1,0.000 3.000-2,4.000 0.000 1,1.000 1.000-2,3.000-4.000 1,0.000-1.000-2,0.000-3.000 1,0.000-2.000 0,1.000-4.000 0,5.000 0.000 0,6.000 0.000 9,1.000 0.000 0,2.000-8.000 3,0.000-5.000-9,-5.000-3.000 1,1.000-1.000-4,-4.000-1.000 0,-4.000 1.000-2,0.000 2.000 2,-3.000 2.000-3,0.000 2.000 3,-3.000 4.000 0,-3.000 3.000 3,0.000-1.000 1,1.000 5.000 3,-2.000 0.000-5,3.000 0.000 0,-3.000 1.000-2,-2.000 9.000 1,4.000 2.000 2,-2.000 0.000-2,1.000 3.000 0,1.000 0.000-1,5.000 0.000 0,0.000-2.000-1,0.000-3.000 1,0.000-1.000-3,2.000-5.000 0,1.000-3.000 2,3.000-1.000 1,-2.000 0.000 4,3.000 0.000 2,0.000 0.000 0,0.000-2.000 0,0.000-6.000-1,-3.000 0.000-3,1.000-1.000 1,-4.000 1.000-3,-1.000 1.000-2,0.000 0.000 2,0.000 3.000-1,-3.000 2.000 1,-2.000 1.000 0,-2.000 1.000 3,0.000 0.000-3,-4.000 0.000 1,2.000 4.000-1,0.000 6.000 1,0.000 0.000-1,3.000 3.000 0,3.000-1.000 0,3.000 1.000-1,0.000-4.000-3,0.000-4.000-1,0.000-1.000 2,0.000-3.000-2,3.000-1.000 5,5.000 0.000 6,-1.000 0.000 0,3.000-1.000 3,-2.000-7.000-3,-1.000 0.000-3,0.000 0.000-3,-2.000 0.000 0,-1.000 1.000-3,-4.000 1.000 3,0.000 0.000-3,0.000 1.000 3,0.000 2.000-3,0.000 1.000 0,0.000 1.000 3,0.000 0.000 3,-2.000 1.000-3,0.000 0.000-2,-3.000 0.000-4,0.000 7.000 0,-1.000 1.000 6,2.000 1.000 0,3.000 1.000 0,-1.000-5.000 0,2.000 2.000-2,0.000-4.000 0,0.000-1.000-2,0.000-2.000-1,0.000 0.000-7,0.000 0.000 12,0.000 0.000 4,0.000 0.000 4,0.000-2.000-8,0.000-4.000-3,0.000 1.000-36</inkml:trace>
+  <inkml:trace contextRef="#ctx0" brushRef="#br2">14299.000 2866.000 11,'0.000'0.000'22,"0.000"-1.000"2,0.000-1.000-5,0.000 1.000-3,0.000 1.000-1,-1.000-2.000 1,1.000 2.000-5,-2.000 0.000-2,-1.000-2.000-2,2.000 2.000-5,-3.000 0.000-2,-3.000 0.000 3,0.000 2.000 2,-1.000 7.000 1,1.000 1.000 1,2.000 2.000-7,2.000-3.000 0,0.000 1.000 0,3.000-3.000 4,0.000-1.000-2,0.000-2.000 1,0.000-1.000-3,0.000-3.000 1,1.000 0.000 1,6.000 0.000 3,2.000 0.000 0,-3.000 0.000-4,-1.000-1.000 1,0.000-8.000 1,0.000 3.000-3,-2.000-3.000 0,0.000-2.000-3,-3.000 1.000-1,0.000 0.000 1,0.000 2.000 2,0.000 2.000-3,0.000 3.000 2,0.000 1.000-10,0.000 2.000 6,-3.000 0.000 5,1.000 0.000-4,-2.000 0.000 4,-1.000 8.000 1,1.000 2.000 1,-1.000-2.000-1,2.000 1.000 0,1.000 0.000 0,2.000-2.000-4,0.000-1.000-1,0.000-1.000-2,0.000 1.000 7,2.000-4.000 0,4.000 0.000 2,0.000-2.000 2,1.000 2.000-2,0.000-2.000-1,-1.000 0.000 1,-1.000 0.000-1,0.000 0.000 0,0.000 0.000-1,-1.000-5.000 2,-2.000-2.000-2,-2.000 1.000 1,0.000 3.000 4,0.000-2.000-5,0.000 2.000-2,-2.000 3.000 2,-2.000 0.000 0,-1.000 0.000 0,-3.000 0.000 0,2.000 0.000 2,-1.000 0.000 3,0.000 5.000-5,3.000-1.000-1,2.000 1.000-3,2.000 3.000 1,0.000-1.000-9,0.000-1.000 12,0.000 1.000 1,2.000-3.000 4,1.000-1.000-2,1.000 1.000 1,-1.000-3.000-1,-1.000 1.000-1,0.000-2.000 0,1.000 0.000 3,0.000 0.000 4,2.000-5.000-8,1.000-1.000 0,-3.000-2.000-1,0.000 1.000 2,-3.000 0.000-2,0.000-1.000-4,0.000 3.000 3,0.000 0.000-1,0.000 0.000-4,-3.000 2.000 6,-2.000 0.000-3,-2.000 3.000 3,2.000 0.000-1,1.000 0.000-1,1.000 0.000 1,-2.000 0.000-2,2.000 5.000 3,1.000 3.000-2,-2.000 2.000 2,1.000 3.000-1,1.000-1.000 1,1.000 2.000 0,1.000-3.000 1,0.000-1.000-1,0.000-4.000-1,0.000-3.000 1,0.000-2.000 1,0.000-1.000 1,0.000 0.000 2,3.000 0.000-4,0.000 0.000 0,1.000-3.000 0,-2.000-2.000-10,-2.000-2.000-88</inkml:trace>
+  <inkml:trace contextRef="#ctx0" brushRef="#br2">14283.000 2865.000 10,'0.000'3.000'23,"0.000"2.000"-6,0.000-5.000-3,0.000 3.000-4,0.000-3.000 3,0.000 2.000-4,0.000-1.000 0,0.000 1.000 0,0.000 1.000 1,0.000-1.000-2,2.000 3.000-2,1.000-1.000 0,2.000 1.000 3,2.000 2.000 3,0.000-2.000 2,1.000 2.000-3,1.000-1.000-5,0.000 1.000 6,3.000 1.000-2,-1.000-2.000-5,2.000 1.000 3,1.000 1.000-1,1.000-3.000-1,1.000 3.000-1,1.000-1.000 2,0.000-1.000-2,1.000 1.000-1,-1.000-1.000 0,-1.000 1.000-3,2.000-1.000 0,-2.000 1.000 0,-1.000 2.000-1,0.000-2.000 0,-2.000 2.000 4,3.000-1.000-4,-1.000 2.000 1,2.000-2.000 2,-1.000 1.000 0,2.000-1.000-2,3.000 2.000-1,1.000 1.000 6,3.000-1.000-4,0.000-1.000-2,0.000 1.000 5,-1.000-1.000-5,-3.000-1.000 0,-1.000 2.000 0,0.000-1.000 2,-2.000 0.000 1,-1.000-2.000-3,0.000 1.000 0,-1.000 0.000 3,0.000-1.000 1,-3.000 0.000-4,1.000 0.000 0,-3.000 0.000 4,-1.000 0.000-4,-2.000 0.000 0,0.000-1.000 0,0.000 2.000 3,3.000-1.000-1,-1.000 2.000-1,0.000-4.000-1,0.000 3.000 4,1.000 0.000-4,-1.000 0.000 0,1.000-1.000 1,0.000 2.000 0,1.000-1.000 0,1.000 0.000-1,-3.000 1.000 1,2.000 0.000 2,-2.000 0.000-3,4.000 0.000 1,0.000 1.000 0,1.000 1.000 0,2.000-1.000 0,1.000 3.000 2,1.000 1.000-2,-2.000-2.000-1,-3.000 1.000 1,0.000 0.000-1,-1.000 0.000 1,1.000-2.000 0,-1.000 2.000 2,1.000-2.000-2,-1.000 0.000 1,-1.000 0.000 0,-1.000 1.000-2,-1.000-3.000 0,-1.000 2.000 3,0.000-1.000-3,3.000 2.000 1,1.000 0.000 0,0.000 1.000 5,3.000 1.000-3,1.000-2.000-3,0.000 2.000 1,-3.000-2.000-1,2.000 3.000 0,-1.000 0.000 0,-1.000-2.000 1,-3.000 3.000-1,1.000-2.000 0,-3.000 1.000 0,3.000 0.000 0,-3.000-1.000 0,4.000-3.000 0,-3.000 2.000 0,1.000 0.000 0,2.000 0.000 0,-2.000 2.000 2,3.000-1.000-1,0.000 1.000-1,0.000 2.000 1,2.000-1.000-1,4.000 0.000 1,-1.000 0.000 1,3.000 3.000 1,0.000-1.000-3,0.000 3.000 0,1.000-1.000 0,1.000 0.000 0,-4.000 0.000 0,3.000 0.000 0,0.000 1.000 1,0.000-3.000-1,2.000 0.000 1,-1.000 0.000 0,-3.000-1.000-1,-1.000 1.000 0,0.000-1.000 0,-1.000 0.000 2,0.000 0.000-2,-1.000 0.000 0,-1.000 1.000 1,0.000 0.000-1,2.000-1.000 0,-2.000 0.000 0,0.000 2.000 2,1.000-3.000-1,-4.000 2.000-1,1.000-2.000 1,-1.000-1.000-1,0.000 1.000 0,-1.000 1.000 1,-1.000-1.000-1,1.000-1.000 1,-2.000 0.000-1,1.000-2.000 0,-1.000 3.000 0,1.000-1.000 0,0.000 2.000 1,3.000 2.000-1,2.000-2.000 1,0.000 4.000-1,3.000 0.000 2,1.000 1.000-1,0.000 0.000 1,-3.000 0.000-2,0.000-4.000 0,0.000 0.000 0,-4.000 0.000 0,4.000 1.000 0,2.000 0.000 2,-1.000 2.000-2,3.000 1.000 0,-4.000-1.000 0,1.000-2.000 0,1.000 3.000 0,0.000 0.000 3,1.000-1.000-2,-1.000 0.000-1,1.000 0.000 1,1.000 2.000-1,-3.000-3.000 0,-1.000-1.000 1,-4.000-3.000-1,0.000 3.000 0,-1.000-3.000 0,1.000 0.000 0,-1.000 0.000 1,-3.000 0.000 0,3.000 0.000-1,-2.000 0.000 0,1.000 0.000 1,-1.000 1.000-1,3.000 0.000 2,-1.000-2.000-2,-1.000 1.000 1,1.000-1.000-1,-4.000 0.000 0,3.000 0.000 0,-3.000-2.000 1,-2.000-1.000-1,0.000 0.000 0,0.000 0.000 1,-1.000-1.000-1,1.000 0.000 0,-3.000-1.000 0,3.000 2.000 1,-1.000-2.000-1,0.000-1.000 0,-1.000 0.000 1,1.000 2.000-1,-2.000-3.000 0,-1.000 2.000 0,4.000 0.000 0,-4.000-1.000-1,-1.000 2.000 1,2.000 0.000 0,-1.000 0.000 1,3.000 2.000-1,-2.000-1.000 0,-1.000-2.000 0,1.000 1.000 1,-1.000-2.000-1,1.000 2.000 0,1.000-2.000 0,-3.000 1.000 0,1.000 0.000 0,1.000 0.000 0,-1.000 0.000 0,3.000 3.000 3,-3.000-5.000-3,1.000 3.000 0,1.000-1.000 1,2.000 0.000-1,-2.000 2.000 0,1.000-2.000 0,0.000-2.000 1,-1.000 1.000-2,2.000 3.000 1,-2.000-1.000 0,1.000-2.000 0,0.000 4.000 0,0.000-5.000 1,0.000 5.000-1,2.000-2.000 0,0.000 2.000 0,-1.000-1.000 0,0.000 3.000-1,0.000-2.000 1,0.000 1.000 0,-2.000-1.000 0,0.000 0.000 0,0.000-1.000 0,0.000 1.000 0,-1.000-2.000 1,1.000 1.000-1,0.000 0.000 0,2.000 2.000 0,-2.000-1.000 0,1.000 0.000 0,1.000 1.000 0,-1.000 0.000 0,-1.000-1.000 0,2.000 0.000 0,0.000 0.000 0,0.000 0.000 0,0.000 2.000 0,0.000-1.000 0,-2.000-3.000 1,1.000 1.000-1,1.000 3.000 0,-3.000-3.000 0,0.000 0.000 0,-1.000 1.000 0,4.000-1.000 0,-2.000-2.000 0,0.000 3.000 0,3.000 1.000 1,-1.000 2.000-1,-1.000-3.000 0,2.000 1.000 0,1.000 0.000 0,-2.000-1.000 0,2.000 0.000 0,-1.000 0.000 0,-1.000-2.000 0,0.000 3.000 0,0.000-1.000 0,0.000 0.000 0,0.000 0.000 0,0.000 1.000 0,1.000 0.000 0,-3.000 1.000 0,0.000-1.000 0,1.000-1.000 1,-1.000 0.000-1,1.000 0.000-1,0.000 4.000 1,1.000-4.000 0,-1.000 1.000 0,-2.000-1.000 0,1.000-1.000-1,-3.000 0.000 0,1.000-1.000 1,-2.000 0.000 0,2.000 2.000 0,0.000 0.000 0,1.000 1.000 0,-2.000-1.000 1,1.000-1.000-1,-1.000 1.000 0,0.000-2.000 0,0.000 0.000 0,1.000 2.000 0,-3.000-1.000 0,3.000 0.000-1,1.000 3.000 1,-4.000-1.000 0,4.000 2.000 0,-1.000 0.000 0,0.000 0.000 0,0.000 4.000 0,1.000-2.000 0,-1.000-2.000 0,0.000 2.000 1,-1.000-3.000-1,0.000 0.000-1,2.000-2.000 1,-1.000 1.000 0,1.000-1.000 0,-1.000-1.000 0,1.000-1.000 1,0.000-1.000-1,-2.000 1.000 0,2.000-1.000 0,-2.000 0.000 0,0.000 1.000 0,2.000-2.000 0,-2.000 3.000 0,-1.000-3.000 1,1.000 3.000-1,-1.000 0.000 0,1.000-1.000 0,1.000-1.000 1,-1.000 3.000-1,1.000-3.000 0,0.000 2.000 0,1.000 1.000 0,-1.000-2.000 0,-1.000 0.000 1,2.000 0.000-1,-1.000 2.000 0,2.000-2.000 1,-1.000 1.000-1,-1.000 0.000 0,2.000-1.000 0,-2.000 2.000-1,3.000-1.000 1,-3.000 1.000 4,1.000-3.000-4,-1.000 3.000 0,0.000 0.000 0,1.000-1.000 0,0.000 3.000 0,0.000 2.000 1,-2.000-3.000-1,1.000 1.000 0,-1.000-2.000 0,0.000 1.000 0,-1.000 0.000 2,3.000-1.000-2,-2.000 0.000 0,-1.000 2.000 0,1.000 0.000 0,-1.000-1.000 0,0.000-2.000 0,0.000 2.000 1,0.000 0.000 0,0.000-1.000 0,1.000-1.000-1,0.000 0.000 2,0.000 1.000-2,0.000 0.000 0,-1.000 1.000 0,1.000 0.000 0,-2.000 1.000 0,0.000 1.000 1,2.000-1.000-1,-2.000 0.000 0,0.000-2.000 0,0.000 1.000 0,0.000 1.000 2,0.000-1.000-1,0.000 0.000 0,0.000-2.000-1,0.000-1.000 1,0.000 0.000-1,0.000 0.000 0,0.000 0.000 0,0.000 0.000 1,0.000-1.000 2,0.000 0.000-3,0.000-1.000 0,0.000-1.000 0,0.000 2.000 2,0.000-1.000-2,0.000-1.000 0,0.000 1.000 2,0.000 1.000-1,-4.000-2.000-1,3.000 2.000 0,-1.000-3.000 1,2.000 3.000 1,0.000-3.000-1,-4.000 1.000-1,4.000 0.000 1,0.000 0.000-1,-2.000 1.000 2,1.000-1.000-1,0.000 1.000 0,-1.000-2.000 0,1.000 1.000-1,-1.000 2.000 1,1.000-2.000 1,0.000 3.000-2,0.000-3.000 0,1.000 2.000 1,0.000-3.000-1,-2.000 4.000 1,2.000-2.000 1,-2.000-2.000-2,2.000 3.000 0,-1.000-3.000 0,1.000 0.000 2,-1.000 2.000-2,1.000-2.000 1,0.000 1.000-1,0.000 2.000 1,0.000-2.000 4,-1.000 0.000-4,0.000 2.000 0,1.000-2.000 0,-1.000 3.000-1,-1.000-2.000 2,2.000-1.000-1,0.000 2.000-1,-1.000-1.000 0,0.000 2.000 0,-1.000 1.000 2,1.000-3.000-2,-1.000 4.000 0,-2.000-2.000 1,4.000 0.000-1,0.000 1.000 1,-2.000 1.000 0,2.000-4.000-1,0.000 2.000 0,-1.000-1.000-1,0.000-1.000 1,-2.000 2.000 0,3.000 0.000 1,-3.000 0.000-1,3.000-1.000 1,-1.000 0.000-1,0.000-1.000 0,1.000-1.000 0,-2.000 2.000 0,2.000-1.000 1,0.000 1.000-1,0.000-1.000 0,-2.000 1.000 0,2.000-2.000 1,-1.000 2.000-1,1.000-2.000 0,0.000 0.000 0,-1.000 1.000 0,1.000 0.000 0,-3.000 2.000 0,3.000-2.000 0,0.000 2.000 1,0.000-3.000-2,-2.000 3.000 1,1.000 0.000 0,0.000-1.000 1,0.000 1.000 0,1.000-1.000-1,-2.000 1.000 1,2.000-1.000-1,0.000 1.000 1,-2.000 1.000-1,2.000 0.000 2,-1.000-2.000-4,0.000 0.000 2,0.000-1.000 0,-2.000 2.000 0,1.000-2.000 2,-1.000-1.000-2,1.000 2.000 0,0.000-2.000 1,-1.000 3.000 0,3.000-3.000-2,-3.000 4.000 2,1.000-1.000-1,0.000-2.000 0,-3.000 1.000 1,3.000-3.000-1,-1.000 3.000 0,1.000-3.000 1,-1.000 3.000-1,0.000-2.000 0,-1.000 0.000 2,-1.000 2.000-2,2.000-2.000 1,-1.000 0.000 0,1.000 2.000 0,-1.000-2.000-1,0.000 0.000 0,1.000 1.000 0,-1.000-1.000 1,1.000 1.000-1,-1.000 1.000 0,0.000-2.000 2,-2.000 2.000-1,0.000 1.000 1,3.000-2.000-2,-2.000 1.000 0,0.000-2.000 0,2.000 2.000 0,-2.000-1.000 1,1.000 0.000-1,-1.000 0.000 0,0.000 0.000 2,-1.000-1.000-1,0.000 2.000 1,0.000-4.000-2,0.000 4.000 0,2.000-2.000 2,-1.000 2.000-2,0.000 2.000-1,-1.000-3.000 1,1.000 1.000 1,1.000 0.000-1,-2.000-1.000 0,2.000 1.000 0,0.000 0.000 0,-4.000 2.000 5,2.000-4.000-5,0.000 4.000 0,-4.000-2.000 1,6.000 0.000 0,-3.000 1.000 0,0.000 1.000-1,0.000-3.000 0,0.000 2.000 0,-2.000-1.000 2,1.000 1.000-1,2.000 0.000 0,-3.000-2.000-1,1.000 2.000 0,-4.000 0.000 3,0.000-1.000-1,1.000 2.000-1,-2.000-3.000 0,3.000 2.000 0,-1.000 1.000-1,0.000-3.000 0,-1.000 1.000 0,1.000 0.000 1,1.000-1.000 0,2.000 2.000-1,-3.000-1.000 1,1.000 1.000 0,0.000-2.000 0,0.000 3.000-1,-4.000-2.000 3,1.000 1.000-1,2.000-1.000-2,-1.000 0.000 0,1.000 0.000 0,-1.000 1.000 0,-2.000-2.000 1,1.000 2.000-1,-1.000-2.000 1,-1.000 0.000-1,3.000-1.000 0,0.000 2.000 0,-1.000-4.000 0,1.000 2.000 0,-2.000-1.000 0,-1.000 2.000 2,1.000-3.000-2,-2.000 2.000 1,2.000-3.000 0,-1.000 0.000-1,1.000 1.000 0,0.000 1.000 2,-3.000-2.000-2,2.000 2.000 1,-1.000-3.000-1,0.000 2.000 2,-2.000 1.000-2,0.000-2.000 2,0.000 1.000-2,-2.000 0.000 0,1.000 0.000 0,-3.000 0.000 1,1.000 1.000-1,-2.000-2.000 2,0.000 1.000-2,-2.000 2.000 1,1.000-1.000-1,2.000 1.000 1,3.000 0.000-1,-1.000 1.000 1,1.000-2.000-1,-2.000 0.000 1,0.000 0.000-1,-1.000-2.000 1,-2.000 4.000-1,3.000-2.000 2,-5.000 1.000 0,2.000-1.000-2,1.000 1.000 0,0.000-1.000 1,1.000 0.000-1,0.000 0.000 0,3.000 0.000 0,2.000-1.000 0,0.000 1.000 0,2.000-1.000-1,2.000 1.000 1,-2.000-2.000 0,-2.000-1.000 0,-1.000 4.000 0,1.000-3.000 0,-3.000 3.000 0,3.000-3.000 0,1.000-1.000-1,0.000 3.000 0,0.000-3.000 1,-2.000 1.000 0,1.000 3.000 1,-1.000-2.000-1,2.000-2.000 0,-2.000 1.000 1,2.000 1.000-1,1.000-1.000 0,3.000 0.000 0,-4.000 1.000-2,2.000 0.000 2,-1.000-1.000 1,-3.000 3.000-1,3.000-1.000 0,0.000 0.000 1,-1.000 1.000-1,-2.000-1.000 1,2.000-1.000-1,-2.000 1.000 1,1.000 0.000-1,0.000 0.000 0,-1.000 1.000 1,-1.000-2.000-1,3.000-1.000 0,0.000 4.000 0,2.000-2.000 0,0.000-1.000 0,1.000 1.000 0,2.000-1.000 0,1.000-1.000-1,0.000 1.000 1,1.000-2.000 1,1.000 2.000-1,-3.000 0.000 1,3.000-1.000-1,-4.000 2.000 0,2.000-1.000 0,-1.000 0.000 0,3.000 1.000-1,-2.000-3.000 0,0.000 1.000 1,-3.000 3.000 1,0.000-3.000 1,-2.000 0.000-2,-4.000 3.000 1,0.000-2.000-1,1.000 2.000 1,-5.000-2.000-1,5.000 4.000 0,0.000-4.000 0,-1.000 1.000 0,1.000 0.000-1,2.000 0.000 0,-1.000 0.000 1,0.000 0.000 0,-1.000-1.000 0,2.000 1.000 0,-2.000-2.000 0,2.000 3.000 0,0.000 0.000-1,-2.000-2.000 0,-2.000 4.000 1,-1.000 1.000 0,0.000-2.000-1,-3.000 2.000 1,3.000-2.000 0,-2.000 2.000 0,1.000-2.000 0,-1.000 0.000-1,2.000 2.000 1,2.000-4.000-1,-2.000 3.000 1,2.000-2.000-1,-1.000 2.000 1,-1.000-2.000 0,5.000 0.000-1,-3.000-2.000 0,0.000-1.000 1,0.000 2.000-1,-3.000 0.000 1,1.000-1.000 0,-1.000-1.000 1,-1.000 0.000 0,4.000-1.000-1,-2.000 2.000 0,-1.000-1.000 0,3.000-1.000 0,-4.000 1.000 1,5.000 0.000-1,-1.000 0.000 0,-2.000 2.000 0,3.000-3.000 0,-3.000 2.000 1,0.000-1.000-1,0.000 0.000 1,1.000 1.000-1,-1.000-1.000 0,2.000 1.000 1,-1.000 1.000-1,0.000-3.000 1,2.000 1.000-1,0.000 1.000-1,3.000 0.000 1,1.000-1.000 0,0.000 1.000 0,-1.000 0.000 0,-1.000 0.000 0,-1.000-1.000 0,0.000 0.000 0,6.000 0.000 0,-3.000 0.000 0,-2.000-1.000 0,5.000 3.000-1,-5.000-2.000 1,1.000 2.000 0,2.000 1.000 0,-2.000-2.000 0,-1.000 3.000 0,1.000-3.000 0,1.000-1.000-1,-4.000 3.000 1,-1.000-3.000 0,1.000 0.000 0,0.000 1.000 0,-3.000-1.000 0,1.000-1.000 0,2.000 1.000 0,-3.000-1.000 0,2.000 0.000 0,2.000 0.000 0,-1.000-1.000 1,0.000 3.000-1,4.000-3.000 0,-4.000 2.000 0,-1.000 0.000 1,3.000-2.000-1,-4.000 2.000 0,-1.000 1.000 0,3.000-1.000 1,-4.000 1.000-1,1.000 0.000 1,2.000 0.000-1,0.000-1.000 0,3.000 2.000 1,3.000-2.000-1,-1.000 0.000 0,-1.000 0.000 0,0.000 1.000 0,3.000-3.000 0,0.000 4.000 0,3.000-1.000 0,1.000-2.000 0,5.000-2.000-1,1.000-1.000 0,0.000 0.000-4,2.000-1.000 5,0.000 0.000 0,0.000 0.000 0,0.000 0.000 0,0.000 0.000 0,0.000 0.000 1,0.000 0.000-1,0.000 0.000-1,0.000 0.000 0,0.000 0.000-3,0.000 0.000-1,0.000 0.000-2,0.000-8.000-5,0.000-5.000-43,0.000-1.000-80,0.000-3.000-23</inkml:trace>
+  <inkml:trace contextRef="#ctx0" brushRef="#br2">13603.000 10640.000 13,'0.000'0.000'54,"0.000"0.000"-15,0.000 0.000-12,0.000 0.000-9,0.000 0.000-6,0.000 0.000-4,0.000 0.000 4,0.000 0.000 1,0.000 0.000 3,0.000 0.000 6,0.000 0.000 0,0.000 0.000-7,0.000 0.000-4,-1.000 0.000-5,-2.000 0.000-5,0.000 0.000-1,-2.000 0.000 1,-2.000 5.000 10,-2.000 4.000-1,-4.000 3.000-4,3.000 3.000 1,-4.000 0.000 3,1.000 4.000-4,-3.000-1.000 1,-1.000 0.000-4,1.000 2.000 6,4.000-4.000-5,-1.000 1.000 2,1.000-2.000-3,3.000-3.000 4,0.000 0.000-5,0.000-1.000 3,2.000 0.000-4,-1.000 0.000 0,4.000 1.000-1,0.000-3.000 3,1.000-2.000-2,3.000-2.000 0,-1.000-1.000-1,1.000-1.000 3,-1.000 2.000-3,1.000-2.000 3,-2.000 2.000 0,2.000 3.000-2,0.000 0.000 3,0.000 3.000-3,0.000 0.000 0,0.000-3.000 1,0.000 2.000-2,0.000-4.000-2,0.000 2.000 2,0.000-2.000 1,0.000 0.000 0,0.000 3.000 0,2.000-3.000 0,0.000 4.000-1,5.000-4.000 0,0.000 2.000-1,4.000-3.000 1,3.000-2.000 4,2.000 0.000-4,1.000-1.000 1,3.000 2.000-1,0.000-1.000 0,-2.000 0.000 1,2.000 0.000-1,-3.000-1.000 0,1.000 2.000-1,1.000 1.000 0,2.000-2.000-3,0.000 0.000 2,2.000 0.000 2,0.000 2.000-2,-2.000-2.000 1,1.000-1.000 1,2.000 1.000 0,-3.000-1.000 1,2.000 1.000-1,-1.000-2.000 0,1.000 1.000 1,2.000 0.000 0,-1.000-2.000 0,-4.000 1.000 0,-5.000 1.000 3,-3.000-2.000-2,-8.000 3.000 1,-3.000-3.000 3,-1.000 0.000-1,0.000 2.000 0,0.000-2.000-1,0.000 0.000 1,0.000 0.000-3,0.000 1.000-2,0.000 0.000-8,0.000 2.000-3,0.000 3.000 1,-4.000-3.000-39,-6.000-2.000-90</inkml:trace>
 </inkml:ink>
 </file>
 
@@ -267,7 +283,6 @@
           <a:p>
             <a:fld id="{7A9D29DF-778E-44DE-9BEF-944311ECE76F}" type="datetimeFigureOut">
               <a:rPr lang="en-IN" smtClean="0"/>
-              <a:t>23-05-2018</a:t>
             </a:fld>
             <a:endParaRPr lang="en-IN"/>
           </a:p>
@@ -334,6 +349,7 @@
               <a:rPr lang="en-US" smtClean="0"/>
               <a:t>Click to edit Master text styles</a:t>
             </a:r>
+            <a:endParaRPr lang="en-US" smtClean="0"/>
           </a:p>
           <a:p>
             <a:pPr lvl="1"/>
@@ -341,6 +357,7 @@
               <a:rPr lang="en-US" smtClean="0"/>
               <a:t>Second level</a:t>
             </a:r>
+            <a:endParaRPr lang="en-US" smtClean="0"/>
           </a:p>
           <a:p>
             <a:pPr lvl="2"/>
@@ -348,6 +365,7 @@
               <a:rPr lang="en-US" smtClean="0"/>
               <a:t>Third level</a:t>
             </a:r>
+            <a:endParaRPr lang="en-US" smtClean="0"/>
           </a:p>
           <a:p>
             <a:pPr lvl="3"/>
@@ -355,6 +373,7 @@
               <a:rPr lang="en-US" smtClean="0"/>
               <a:t>Fourth level</a:t>
             </a:r>
+            <a:endParaRPr lang="en-US" smtClean="0"/>
           </a:p>
           <a:p>
             <a:pPr lvl="4"/>
@@ -426,18 +445,12 @@
           <a:p>
             <a:fld id="{75FEC585-E6C4-463C-9C68-12502D40FDF1}" type="slidenum">
               <a:rPr lang="en-IN" smtClean="0"/>
-              <a:t>‹#›</a:t>
             </a:fld>
             <a:endParaRPr lang="en-IN"/>
           </a:p>
         </p:txBody>
       </p:sp>
     </p:spTree>
-    <p:extLst>
-      <p:ext uri="{BB962C8B-B14F-4D97-AF65-F5344CB8AC3E}">
-        <p14:creationId xmlns:p14="http://schemas.microsoft.com/office/powerpoint/2010/main" val="762380392"/>
-      </p:ext>
-    </p:extLst>
   </p:cSld>
   <p:clrMap bg1="lt1" tx1="dk1" bg2="lt2" tx2="dk2" accent1="accent1" accent2="accent2" accent3="accent3" accent4="accent4" accent5="accent5" accent6="accent6" hlink="hlink" folHlink="folHlink"/>
   <p:notesStyle>
@@ -600,18 +613,12 @@
           <a:p>
             <a:fld id="{75FEC585-E6C4-463C-9C68-12502D40FDF1}" type="slidenum">
               <a:rPr lang="en-IN" smtClean="0"/>
-              <a:t>2</a:t>
             </a:fld>
             <a:endParaRPr lang="en-IN"/>
           </a:p>
         </p:txBody>
       </p:sp>
     </p:spTree>
-    <p:extLst>
-      <p:ext uri="{BB962C8B-B14F-4D97-AF65-F5344CB8AC3E}">
-        <p14:creationId xmlns:p14="http://schemas.microsoft.com/office/powerpoint/2010/main" val="1357577674"/>
-      </p:ext>
-    </p:extLst>
   </p:cSld>
   <p:clrMapOvr>
     <a:masterClrMapping/>
@@ -684,18 +691,12 @@
           <a:p>
             <a:fld id="{75FEC585-E6C4-463C-9C68-12502D40FDF1}" type="slidenum">
               <a:rPr lang="en-IN" smtClean="0"/>
-              <a:t>16</a:t>
             </a:fld>
             <a:endParaRPr lang="en-IN"/>
           </a:p>
         </p:txBody>
       </p:sp>
     </p:spTree>
-    <p:extLst>
-      <p:ext uri="{BB962C8B-B14F-4D97-AF65-F5344CB8AC3E}">
-        <p14:creationId xmlns:p14="http://schemas.microsoft.com/office/powerpoint/2010/main" val="1468269502"/>
-      </p:ext>
-    </p:extLst>
   </p:cSld>
   <p:clrMapOvr>
     <a:masterClrMapping/>
@@ -768,18 +769,12 @@
           <a:p>
             <a:fld id="{75FEC585-E6C4-463C-9C68-12502D40FDF1}" type="slidenum">
               <a:rPr lang="en-IN" smtClean="0"/>
-              <a:t>17</a:t>
             </a:fld>
             <a:endParaRPr lang="en-IN"/>
           </a:p>
         </p:txBody>
       </p:sp>
     </p:spTree>
-    <p:extLst>
-      <p:ext uri="{BB962C8B-B14F-4D97-AF65-F5344CB8AC3E}">
-        <p14:creationId xmlns:p14="http://schemas.microsoft.com/office/powerpoint/2010/main" val="3719726454"/>
-      </p:ext>
-    </p:extLst>
   </p:cSld>
   <p:clrMapOvr>
     <a:masterClrMapping/>
@@ -852,18 +847,12 @@
           <a:p>
             <a:fld id="{75FEC585-E6C4-463C-9C68-12502D40FDF1}" type="slidenum">
               <a:rPr lang="en-IN" smtClean="0"/>
-              <a:t>18</a:t>
             </a:fld>
             <a:endParaRPr lang="en-IN"/>
           </a:p>
         </p:txBody>
       </p:sp>
     </p:spTree>
-    <p:extLst>
-      <p:ext uri="{BB962C8B-B14F-4D97-AF65-F5344CB8AC3E}">
-        <p14:creationId xmlns:p14="http://schemas.microsoft.com/office/powerpoint/2010/main" val="1900286211"/>
-      </p:ext>
-    </p:extLst>
   </p:cSld>
   <p:clrMapOvr>
     <a:masterClrMapping/>
@@ -936,18 +925,12 @@
           <a:p>
             <a:fld id="{75FEC585-E6C4-463C-9C68-12502D40FDF1}" type="slidenum">
               <a:rPr lang="en-IN" smtClean="0"/>
-              <a:t>19</a:t>
             </a:fld>
             <a:endParaRPr lang="en-IN"/>
           </a:p>
         </p:txBody>
       </p:sp>
     </p:spTree>
-    <p:extLst>
-      <p:ext uri="{BB962C8B-B14F-4D97-AF65-F5344CB8AC3E}">
-        <p14:creationId xmlns:p14="http://schemas.microsoft.com/office/powerpoint/2010/main" val="1900286211"/>
-      </p:ext>
-    </p:extLst>
   </p:cSld>
   <p:clrMapOvr>
     <a:masterClrMapping/>
@@ -1020,18 +1003,12 @@
           <a:p>
             <a:fld id="{75FEC585-E6C4-463C-9C68-12502D40FDF1}" type="slidenum">
               <a:rPr lang="en-IN" smtClean="0"/>
-              <a:t>20</a:t>
             </a:fld>
             <a:endParaRPr lang="en-IN"/>
           </a:p>
         </p:txBody>
       </p:sp>
     </p:spTree>
-    <p:extLst>
-      <p:ext uri="{BB962C8B-B14F-4D97-AF65-F5344CB8AC3E}">
-        <p14:creationId xmlns:p14="http://schemas.microsoft.com/office/powerpoint/2010/main" val="1900286211"/>
-      </p:ext>
-    </p:extLst>
   </p:cSld>
   <p:clrMapOvr>
     <a:masterClrMapping/>
@@ -1104,18 +1081,12 @@
           <a:p>
             <a:fld id="{75FEC585-E6C4-463C-9C68-12502D40FDF1}" type="slidenum">
               <a:rPr lang="en-IN" smtClean="0"/>
-              <a:t>21</a:t>
             </a:fld>
             <a:endParaRPr lang="en-IN"/>
           </a:p>
         </p:txBody>
       </p:sp>
     </p:spTree>
-    <p:extLst>
-      <p:ext uri="{BB962C8B-B14F-4D97-AF65-F5344CB8AC3E}">
-        <p14:creationId xmlns:p14="http://schemas.microsoft.com/office/powerpoint/2010/main" val="1900286211"/>
-      </p:ext>
-    </p:extLst>
   </p:cSld>
   <p:clrMapOvr>
     <a:masterClrMapping/>
@@ -1188,18 +1159,12 @@
           <a:p>
             <a:fld id="{75FEC585-E6C4-463C-9C68-12502D40FDF1}" type="slidenum">
               <a:rPr lang="en-IN" smtClean="0"/>
-              <a:t>22</a:t>
             </a:fld>
             <a:endParaRPr lang="en-IN"/>
           </a:p>
         </p:txBody>
       </p:sp>
     </p:spTree>
-    <p:extLst>
-      <p:ext uri="{BB962C8B-B14F-4D97-AF65-F5344CB8AC3E}">
-        <p14:creationId xmlns:p14="http://schemas.microsoft.com/office/powerpoint/2010/main" val="1900286211"/>
-      </p:ext>
-    </p:extLst>
   </p:cSld>
   <p:clrMapOvr>
     <a:masterClrMapping/>
@@ -1272,18 +1237,12 @@
           <a:p>
             <a:fld id="{75FEC585-E6C4-463C-9C68-12502D40FDF1}" type="slidenum">
               <a:rPr lang="en-IN" smtClean="0"/>
-              <a:t>23</a:t>
             </a:fld>
             <a:endParaRPr lang="en-IN"/>
           </a:p>
         </p:txBody>
       </p:sp>
     </p:spTree>
-    <p:extLst>
-      <p:ext uri="{BB962C8B-B14F-4D97-AF65-F5344CB8AC3E}">
-        <p14:creationId xmlns:p14="http://schemas.microsoft.com/office/powerpoint/2010/main" val="1900286211"/>
-      </p:ext>
-    </p:extLst>
   </p:cSld>
   <p:clrMapOvr>
     <a:masterClrMapping/>
@@ -1356,18 +1315,12 @@
           <a:p>
             <a:fld id="{75FEC585-E6C4-463C-9C68-12502D40FDF1}" type="slidenum">
               <a:rPr lang="en-IN" smtClean="0"/>
-              <a:t>24</a:t>
             </a:fld>
             <a:endParaRPr lang="en-IN"/>
           </a:p>
         </p:txBody>
       </p:sp>
     </p:spTree>
-    <p:extLst>
-      <p:ext uri="{BB962C8B-B14F-4D97-AF65-F5344CB8AC3E}">
-        <p14:creationId xmlns:p14="http://schemas.microsoft.com/office/powerpoint/2010/main" val="1900286211"/>
-      </p:ext>
-    </p:extLst>
   </p:cSld>
   <p:clrMapOvr>
     <a:masterClrMapping/>
@@ -1440,18 +1393,12 @@
           <a:p>
             <a:fld id="{75FEC585-E6C4-463C-9C68-12502D40FDF1}" type="slidenum">
               <a:rPr lang="en-IN" smtClean="0"/>
-              <a:t>25</a:t>
             </a:fld>
             <a:endParaRPr lang="en-IN"/>
           </a:p>
         </p:txBody>
       </p:sp>
     </p:spTree>
-    <p:extLst>
-      <p:ext uri="{BB962C8B-B14F-4D97-AF65-F5344CB8AC3E}">
-        <p14:creationId xmlns:p14="http://schemas.microsoft.com/office/powerpoint/2010/main" val="1900286211"/>
-      </p:ext>
-    </p:extLst>
   </p:cSld>
   <p:clrMapOvr>
     <a:masterClrMapping/>
@@ -1524,18 +1471,12 @@
           <a:p>
             <a:fld id="{75FEC585-E6C4-463C-9C68-12502D40FDF1}" type="slidenum">
               <a:rPr lang="en-IN" smtClean="0"/>
-              <a:t>3</a:t>
             </a:fld>
             <a:endParaRPr lang="en-IN"/>
           </a:p>
         </p:txBody>
       </p:sp>
     </p:spTree>
-    <p:extLst>
-      <p:ext uri="{BB962C8B-B14F-4D97-AF65-F5344CB8AC3E}">
-        <p14:creationId xmlns:p14="http://schemas.microsoft.com/office/powerpoint/2010/main" val="1357577674"/>
-      </p:ext>
-    </p:extLst>
   </p:cSld>
   <p:clrMapOvr>
     <a:masterClrMapping/>
@@ -1608,18 +1549,12 @@
           <a:p>
             <a:fld id="{75FEC585-E6C4-463C-9C68-12502D40FDF1}" type="slidenum">
               <a:rPr lang="en-IN" smtClean="0"/>
-              <a:t>26</a:t>
             </a:fld>
             <a:endParaRPr lang="en-IN"/>
           </a:p>
         </p:txBody>
       </p:sp>
     </p:spTree>
-    <p:extLst>
-      <p:ext uri="{BB962C8B-B14F-4D97-AF65-F5344CB8AC3E}">
-        <p14:creationId xmlns:p14="http://schemas.microsoft.com/office/powerpoint/2010/main" val="1900286211"/>
-      </p:ext>
-    </p:extLst>
   </p:cSld>
   <p:clrMapOvr>
     <a:masterClrMapping/>
@@ -1679,6 +1614,7 @@
               <a:rPr lang="en-US" baseline="0" dirty="0" smtClean="0"/>
               <a:t> , 2 , 3 , 4 ,5 , 6 ,7</a:t>
             </a:r>
+            <a:endParaRPr lang="en-US" baseline="0" dirty="0" smtClean="0"/>
           </a:p>
           <a:p>
             <a:r>
@@ -1706,18 +1642,12 @@
           <a:p>
             <a:fld id="{75FEC585-E6C4-463C-9C68-12502D40FDF1}" type="slidenum">
               <a:rPr lang="en-IN" smtClean="0"/>
-              <a:t>27</a:t>
             </a:fld>
             <a:endParaRPr lang="en-IN"/>
           </a:p>
         </p:txBody>
       </p:sp>
     </p:spTree>
-    <p:extLst>
-      <p:ext uri="{BB962C8B-B14F-4D97-AF65-F5344CB8AC3E}">
-        <p14:creationId xmlns:p14="http://schemas.microsoft.com/office/powerpoint/2010/main" val="1900286211"/>
-      </p:ext>
-    </p:extLst>
   </p:cSld>
   <p:clrMapOvr>
     <a:masterClrMapping/>
@@ -1790,18 +1720,12 @@
           <a:p>
             <a:fld id="{75FEC585-E6C4-463C-9C68-12502D40FDF1}" type="slidenum">
               <a:rPr lang="en-IN" smtClean="0"/>
-              <a:t>28</a:t>
             </a:fld>
             <a:endParaRPr lang="en-IN"/>
           </a:p>
         </p:txBody>
       </p:sp>
     </p:spTree>
-    <p:extLst>
-      <p:ext uri="{BB962C8B-B14F-4D97-AF65-F5344CB8AC3E}">
-        <p14:creationId xmlns:p14="http://schemas.microsoft.com/office/powerpoint/2010/main" val="1900286211"/>
-      </p:ext>
-    </p:extLst>
   </p:cSld>
   <p:clrMapOvr>
     <a:masterClrMapping/>
@@ -1874,18 +1798,12 @@
           <a:p>
             <a:fld id="{75FEC585-E6C4-463C-9C68-12502D40FDF1}" type="slidenum">
               <a:rPr lang="en-IN" smtClean="0"/>
-              <a:t>29</a:t>
             </a:fld>
             <a:endParaRPr lang="en-IN"/>
           </a:p>
         </p:txBody>
       </p:sp>
     </p:spTree>
-    <p:extLst>
-      <p:ext uri="{BB962C8B-B14F-4D97-AF65-F5344CB8AC3E}">
-        <p14:creationId xmlns:p14="http://schemas.microsoft.com/office/powerpoint/2010/main" val="3508870329"/>
-      </p:ext>
-    </p:extLst>
   </p:cSld>
   <p:clrMapOvr>
     <a:masterClrMapping/>
@@ -1958,18 +1876,12 @@
           <a:p>
             <a:fld id="{75FEC585-E6C4-463C-9C68-12502D40FDF1}" type="slidenum">
               <a:rPr lang="en-IN" smtClean="0"/>
-              <a:t>4</a:t>
             </a:fld>
             <a:endParaRPr lang="en-IN"/>
           </a:p>
         </p:txBody>
       </p:sp>
     </p:spTree>
-    <p:extLst>
-      <p:ext uri="{BB962C8B-B14F-4D97-AF65-F5344CB8AC3E}">
-        <p14:creationId xmlns:p14="http://schemas.microsoft.com/office/powerpoint/2010/main" val="1357577674"/>
-      </p:ext>
-    </p:extLst>
   </p:cSld>
   <p:clrMapOvr>
     <a:masterClrMapping/>
@@ -2042,18 +1954,12 @@
           <a:p>
             <a:fld id="{75FEC585-E6C4-463C-9C68-12502D40FDF1}" type="slidenum">
               <a:rPr lang="en-IN" smtClean="0"/>
-              <a:t>5</a:t>
             </a:fld>
             <a:endParaRPr lang="en-IN"/>
           </a:p>
         </p:txBody>
       </p:sp>
     </p:spTree>
-    <p:extLst>
-      <p:ext uri="{BB962C8B-B14F-4D97-AF65-F5344CB8AC3E}">
-        <p14:creationId xmlns:p14="http://schemas.microsoft.com/office/powerpoint/2010/main" val="2288608597"/>
-      </p:ext>
-    </p:extLst>
   </p:cSld>
   <p:clrMapOvr>
     <a:masterClrMapping/>
@@ -2126,18 +2032,12 @@
           <a:p>
             <a:fld id="{75FEC585-E6C4-463C-9C68-12502D40FDF1}" type="slidenum">
               <a:rPr lang="en-IN" smtClean="0"/>
-              <a:t>11</a:t>
             </a:fld>
             <a:endParaRPr lang="en-IN"/>
           </a:p>
         </p:txBody>
       </p:sp>
     </p:spTree>
-    <p:extLst>
-      <p:ext uri="{BB962C8B-B14F-4D97-AF65-F5344CB8AC3E}">
-        <p14:creationId xmlns:p14="http://schemas.microsoft.com/office/powerpoint/2010/main" val="1982994454"/>
-      </p:ext>
-    </p:extLst>
   </p:cSld>
   <p:clrMapOvr>
     <a:masterClrMapping/>
@@ -2218,18 +2118,12 @@
           <a:p>
             <a:fld id="{75FEC585-E6C4-463C-9C68-12502D40FDF1}" type="slidenum">
               <a:rPr lang="en-IN" smtClean="0"/>
-              <a:t>12</a:t>
             </a:fld>
             <a:endParaRPr lang="en-IN"/>
           </a:p>
         </p:txBody>
       </p:sp>
     </p:spTree>
-    <p:extLst>
-      <p:ext uri="{BB962C8B-B14F-4D97-AF65-F5344CB8AC3E}">
-        <p14:creationId xmlns:p14="http://schemas.microsoft.com/office/powerpoint/2010/main" val="164448999"/>
-      </p:ext>
-    </p:extLst>
   </p:cSld>
   <p:clrMapOvr>
     <a:masterClrMapping/>
@@ -2302,18 +2196,12 @@
           <a:p>
             <a:fld id="{75FEC585-E6C4-463C-9C68-12502D40FDF1}" type="slidenum">
               <a:rPr lang="en-IN" smtClean="0"/>
-              <a:t>13</a:t>
             </a:fld>
             <a:endParaRPr lang="en-IN"/>
           </a:p>
         </p:txBody>
       </p:sp>
     </p:spTree>
-    <p:extLst>
-      <p:ext uri="{BB962C8B-B14F-4D97-AF65-F5344CB8AC3E}">
-        <p14:creationId xmlns:p14="http://schemas.microsoft.com/office/powerpoint/2010/main" val="215327762"/>
-      </p:ext>
-    </p:extLst>
   </p:cSld>
   <p:clrMapOvr>
     <a:masterClrMapping/>
@@ -2386,18 +2274,12 @@
           <a:p>
             <a:fld id="{75FEC585-E6C4-463C-9C68-12502D40FDF1}" type="slidenum">
               <a:rPr lang="en-IN" smtClean="0"/>
-              <a:t>14</a:t>
             </a:fld>
             <a:endParaRPr lang="en-IN"/>
           </a:p>
         </p:txBody>
       </p:sp>
     </p:spTree>
-    <p:extLst>
-      <p:ext uri="{BB962C8B-B14F-4D97-AF65-F5344CB8AC3E}">
-        <p14:creationId xmlns:p14="http://schemas.microsoft.com/office/powerpoint/2010/main" val="2763426683"/>
-      </p:ext>
-    </p:extLst>
   </p:cSld>
   <p:clrMapOvr>
     <a:masterClrMapping/>
@@ -2470,18 +2352,12 @@
           <a:p>
             <a:fld id="{75FEC585-E6C4-463C-9C68-12502D40FDF1}" type="slidenum">
               <a:rPr lang="en-IN" smtClean="0"/>
-              <a:t>15</a:t>
             </a:fld>
             <a:endParaRPr lang="en-IN"/>
           </a:p>
         </p:txBody>
       </p:sp>
     </p:spTree>
-    <p:extLst>
-      <p:ext uri="{BB962C8B-B14F-4D97-AF65-F5344CB8AC3E}">
-        <p14:creationId xmlns:p14="http://schemas.microsoft.com/office/powerpoint/2010/main" val="3126159389"/>
-      </p:ext>
-    </p:extLst>
   </p:cSld>
   <p:clrMapOvr>
     <a:masterClrMapping/>
@@ -2670,8 +2546,6 @@
           <a:p>
             <a:fld id="{1D8BD707-D9CF-40AE-B4C6-C98DA3205C09}" type="datetimeFigureOut">
               <a:rPr lang="en-US" smtClean="0"/>
-              <a:pPr/>
-              <a:t>5/23/2018</a:t>
             </a:fld>
             <a:endParaRPr lang="en-US"/>
           </a:p>
@@ -2713,8 +2587,6 @@
           <a:p>
             <a:fld id="{B6F15528-21DE-4FAA-801E-634DDDAF4B2B}" type="slidenum">
               <a:rPr lang="en-US" smtClean="0"/>
-              <a:pPr/>
-              <a:t>‹#›</a:t>
             </a:fld>
             <a:endParaRPr lang="en-US"/>
           </a:p>
@@ -2788,6 +2660,7 @@
               <a:rPr lang="en-US" smtClean="0"/>
               <a:t>Click to edit Master text styles</a:t>
             </a:r>
+            <a:endParaRPr lang="en-US" smtClean="0"/>
           </a:p>
           <a:p>
             <a:pPr lvl="1"/>
@@ -2795,6 +2668,7 @@
               <a:rPr lang="en-US" smtClean="0"/>
               <a:t>Second level</a:t>
             </a:r>
+            <a:endParaRPr lang="en-US" smtClean="0"/>
           </a:p>
           <a:p>
             <a:pPr lvl="2"/>
@@ -2802,6 +2676,7 @@
               <a:rPr lang="en-US" smtClean="0"/>
               <a:t>Third level</a:t>
             </a:r>
+            <a:endParaRPr lang="en-US" smtClean="0"/>
           </a:p>
           <a:p>
             <a:pPr lvl="3"/>
@@ -2809,6 +2684,7 @@
               <a:rPr lang="en-US" smtClean="0"/>
               <a:t>Fourth level</a:t>
             </a:r>
+            <a:endParaRPr lang="en-US" smtClean="0"/>
           </a:p>
           <a:p>
             <a:pPr lvl="4"/>
@@ -2837,8 +2713,6 @@
           <a:p>
             <a:fld id="{1D8BD707-D9CF-40AE-B4C6-C98DA3205C09}" type="datetimeFigureOut">
               <a:rPr lang="en-US" smtClean="0"/>
-              <a:pPr/>
-              <a:t>5/23/2018</a:t>
             </a:fld>
             <a:endParaRPr lang="en-US"/>
           </a:p>
@@ -2880,8 +2754,6 @@
           <a:p>
             <a:fld id="{B6F15528-21DE-4FAA-801E-634DDDAF4B2B}" type="slidenum">
               <a:rPr lang="en-US" smtClean="0"/>
-              <a:pPr/>
-              <a:t>‹#›</a:t>
             </a:fld>
             <a:endParaRPr lang="en-US"/>
           </a:p>
@@ -2965,6 +2837,7 @@
               <a:rPr lang="en-US" smtClean="0"/>
               <a:t>Click to edit Master text styles</a:t>
             </a:r>
+            <a:endParaRPr lang="en-US" smtClean="0"/>
           </a:p>
           <a:p>
             <a:pPr lvl="1"/>
@@ -2972,6 +2845,7 @@
               <a:rPr lang="en-US" smtClean="0"/>
               <a:t>Second level</a:t>
             </a:r>
+            <a:endParaRPr lang="en-US" smtClean="0"/>
           </a:p>
           <a:p>
             <a:pPr lvl="2"/>
@@ -2979,6 +2853,7 @@
               <a:rPr lang="en-US" smtClean="0"/>
               <a:t>Third level</a:t>
             </a:r>
+            <a:endParaRPr lang="en-US" smtClean="0"/>
           </a:p>
           <a:p>
             <a:pPr lvl="3"/>
@@ -2986,6 +2861,7 @@
               <a:rPr lang="en-US" smtClean="0"/>
               <a:t>Fourth level</a:t>
             </a:r>
+            <a:endParaRPr lang="en-US" smtClean="0"/>
           </a:p>
           <a:p>
             <a:pPr lvl="4"/>
@@ -3014,8 +2890,6 @@
           <a:p>
             <a:fld id="{1D8BD707-D9CF-40AE-B4C6-C98DA3205C09}" type="datetimeFigureOut">
               <a:rPr lang="en-US" smtClean="0"/>
-              <a:pPr/>
-              <a:t>5/23/2018</a:t>
             </a:fld>
             <a:endParaRPr lang="en-US"/>
           </a:p>
@@ -3057,8 +2931,6 @@
           <a:p>
             <a:fld id="{B6F15528-21DE-4FAA-801E-634DDDAF4B2B}" type="slidenum">
               <a:rPr lang="en-US" smtClean="0"/>
-              <a:pPr/>
-              <a:t>‹#›</a:t>
             </a:fld>
             <a:endParaRPr lang="en-US"/>
           </a:p>
@@ -3132,6 +3004,7 @@
               <a:rPr lang="en-US" smtClean="0"/>
               <a:t>Click to edit Master text styles</a:t>
             </a:r>
+            <a:endParaRPr lang="en-US" smtClean="0"/>
           </a:p>
           <a:p>
             <a:pPr lvl="1"/>
@@ -3139,6 +3012,7 @@
               <a:rPr lang="en-US" smtClean="0"/>
               <a:t>Second level</a:t>
             </a:r>
+            <a:endParaRPr lang="en-US" smtClean="0"/>
           </a:p>
           <a:p>
             <a:pPr lvl="2"/>
@@ -3146,6 +3020,7 @@
               <a:rPr lang="en-US" smtClean="0"/>
               <a:t>Third level</a:t>
             </a:r>
+            <a:endParaRPr lang="en-US" smtClean="0"/>
           </a:p>
           <a:p>
             <a:pPr lvl="3"/>
@@ -3153,6 +3028,7 @@
               <a:rPr lang="en-US" smtClean="0"/>
               <a:t>Fourth level</a:t>
             </a:r>
+            <a:endParaRPr lang="en-US" smtClean="0"/>
           </a:p>
           <a:p>
             <a:pPr lvl="4"/>
@@ -3181,8 +3057,6 @@
           <a:p>
             <a:fld id="{1D8BD707-D9CF-40AE-B4C6-C98DA3205C09}" type="datetimeFigureOut">
               <a:rPr lang="en-US" smtClean="0"/>
-              <a:pPr/>
-              <a:t>5/23/2018</a:t>
             </a:fld>
             <a:endParaRPr lang="en-US"/>
           </a:p>
@@ -3224,8 +3098,6 @@
           <a:p>
             <a:fld id="{B6F15528-21DE-4FAA-801E-634DDDAF4B2B}" type="slidenum">
               <a:rPr lang="en-US" smtClean="0"/>
-              <a:pPr/>
-              <a:t>‹#›</a:t>
             </a:fld>
             <a:endParaRPr lang="en-US"/>
           </a:p>
@@ -3404,6 +3276,7 @@
               <a:rPr lang="en-US" smtClean="0"/>
               <a:t>Click to edit Master text styles</a:t>
             </a:r>
+            <a:endParaRPr lang="en-US" smtClean="0"/>
           </a:p>
         </p:txBody>
       </p:sp>
@@ -3424,8 +3297,6 @@
           <a:p>
             <a:fld id="{1D8BD707-D9CF-40AE-B4C6-C98DA3205C09}" type="datetimeFigureOut">
               <a:rPr lang="en-US" smtClean="0"/>
-              <a:pPr/>
-              <a:t>5/23/2018</a:t>
             </a:fld>
             <a:endParaRPr lang="en-US"/>
           </a:p>
@@ -3467,8 +3338,6 @@
           <a:p>
             <a:fld id="{B6F15528-21DE-4FAA-801E-634DDDAF4B2B}" type="slidenum">
               <a:rPr lang="en-US" smtClean="0"/>
-              <a:pPr/>
-              <a:t>‹#›</a:t>
             </a:fld>
             <a:endParaRPr lang="en-US"/>
           </a:p>
@@ -3575,6 +3444,7 @@
               <a:rPr lang="en-US" smtClean="0"/>
               <a:t>Click to edit Master text styles</a:t>
             </a:r>
+            <a:endParaRPr lang="en-US" smtClean="0"/>
           </a:p>
           <a:p>
             <a:pPr lvl="1"/>
@@ -3582,6 +3452,7 @@
               <a:rPr lang="en-US" smtClean="0"/>
               <a:t>Second level</a:t>
             </a:r>
+            <a:endParaRPr lang="en-US" smtClean="0"/>
           </a:p>
           <a:p>
             <a:pPr lvl="2"/>
@@ -3589,6 +3460,7 @@
               <a:rPr lang="en-US" smtClean="0"/>
               <a:t>Third level</a:t>
             </a:r>
+            <a:endParaRPr lang="en-US" smtClean="0"/>
           </a:p>
           <a:p>
             <a:pPr lvl="3"/>
@@ -3596,6 +3468,7 @@
               <a:rPr lang="en-US" smtClean="0"/>
               <a:t>Fourth level</a:t>
             </a:r>
+            <a:endParaRPr lang="en-US" smtClean="0"/>
           </a:p>
           <a:p>
             <a:pPr lvl="4"/>
@@ -3660,6 +3533,7 @@
               <a:rPr lang="en-US" smtClean="0"/>
               <a:t>Click to edit Master text styles</a:t>
             </a:r>
+            <a:endParaRPr lang="en-US" smtClean="0"/>
           </a:p>
           <a:p>
             <a:pPr lvl="1"/>
@@ -3667,6 +3541,7 @@
               <a:rPr lang="en-US" smtClean="0"/>
               <a:t>Second level</a:t>
             </a:r>
+            <a:endParaRPr lang="en-US" smtClean="0"/>
           </a:p>
           <a:p>
             <a:pPr lvl="2"/>
@@ -3674,6 +3549,7 @@
               <a:rPr lang="en-US" smtClean="0"/>
               <a:t>Third level</a:t>
             </a:r>
+            <a:endParaRPr lang="en-US" smtClean="0"/>
           </a:p>
           <a:p>
             <a:pPr lvl="3"/>
@@ -3681,6 +3557,7 @@
               <a:rPr lang="en-US" smtClean="0"/>
               <a:t>Fourth level</a:t>
             </a:r>
+            <a:endParaRPr lang="en-US" smtClean="0"/>
           </a:p>
           <a:p>
             <a:pPr lvl="4"/>
@@ -3709,8 +3586,6 @@
           <a:p>
             <a:fld id="{1D8BD707-D9CF-40AE-B4C6-C98DA3205C09}" type="datetimeFigureOut">
               <a:rPr lang="en-US" smtClean="0"/>
-              <a:pPr/>
-              <a:t>5/23/2018</a:t>
             </a:fld>
             <a:endParaRPr lang="en-US"/>
           </a:p>
@@ -3752,8 +3627,6 @@
           <a:p>
             <a:fld id="{B6F15528-21DE-4FAA-801E-634DDDAF4B2B}" type="slidenum">
               <a:rPr lang="en-US" smtClean="0"/>
-              <a:pPr/>
-              <a:t>‹#›</a:t>
             </a:fld>
             <a:endParaRPr lang="en-US"/>
           </a:p>
@@ -3873,6 +3746,7 @@
               <a:rPr lang="en-US" smtClean="0"/>
               <a:t>Click to edit Master text styles</a:t>
             </a:r>
+            <a:endParaRPr lang="en-US" smtClean="0"/>
           </a:p>
         </p:txBody>
       </p:sp>
@@ -3929,6 +3803,7 @@
               <a:rPr lang="en-US" smtClean="0"/>
               <a:t>Click to edit Master text styles</a:t>
             </a:r>
+            <a:endParaRPr lang="en-US" smtClean="0"/>
           </a:p>
           <a:p>
             <a:pPr lvl="1"/>
@@ -3936,6 +3811,7 @@
               <a:rPr lang="en-US" smtClean="0"/>
               <a:t>Second level</a:t>
             </a:r>
+            <a:endParaRPr lang="en-US" smtClean="0"/>
           </a:p>
           <a:p>
             <a:pPr lvl="2"/>
@@ -3943,6 +3819,7 @@
               <a:rPr lang="en-US" smtClean="0"/>
               <a:t>Third level</a:t>
             </a:r>
+            <a:endParaRPr lang="en-US" smtClean="0"/>
           </a:p>
           <a:p>
             <a:pPr lvl="3"/>
@@ -3950,6 +3827,7 @@
               <a:rPr lang="en-US" smtClean="0"/>
               <a:t>Fourth level</a:t>
             </a:r>
+            <a:endParaRPr lang="en-US" smtClean="0"/>
           </a:p>
           <a:p>
             <a:pPr lvl="4"/>
@@ -4023,6 +3901,7 @@
               <a:rPr lang="en-US" smtClean="0"/>
               <a:t>Click to edit Master text styles</a:t>
             </a:r>
+            <a:endParaRPr lang="en-US" smtClean="0"/>
           </a:p>
         </p:txBody>
       </p:sp>
@@ -4079,6 +3958,7 @@
               <a:rPr lang="en-US" smtClean="0"/>
               <a:t>Click to edit Master text styles</a:t>
             </a:r>
+            <a:endParaRPr lang="en-US" smtClean="0"/>
           </a:p>
           <a:p>
             <a:pPr lvl="1"/>
@@ -4086,6 +3966,7 @@
               <a:rPr lang="en-US" smtClean="0"/>
               <a:t>Second level</a:t>
             </a:r>
+            <a:endParaRPr lang="en-US" smtClean="0"/>
           </a:p>
           <a:p>
             <a:pPr lvl="2"/>
@@ -4093,6 +3974,7 @@
               <a:rPr lang="en-US" smtClean="0"/>
               <a:t>Third level</a:t>
             </a:r>
+            <a:endParaRPr lang="en-US" smtClean="0"/>
           </a:p>
           <a:p>
             <a:pPr lvl="3"/>
@@ -4100,6 +3982,7 @@
               <a:rPr lang="en-US" smtClean="0"/>
               <a:t>Fourth level</a:t>
             </a:r>
+            <a:endParaRPr lang="en-US" smtClean="0"/>
           </a:p>
           <a:p>
             <a:pPr lvl="4"/>
@@ -4128,8 +4011,6 @@
           <a:p>
             <a:fld id="{1D8BD707-D9CF-40AE-B4C6-C98DA3205C09}" type="datetimeFigureOut">
               <a:rPr lang="en-US" smtClean="0"/>
-              <a:pPr/>
-              <a:t>5/23/2018</a:t>
             </a:fld>
             <a:endParaRPr lang="en-US"/>
           </a:p>
@@ -4171,8 +4052,6 @@
           <a:p>
             <a:fld id="{B6F15528-21DE-4FAA-801E-634DDDAF4B2B}" type="slidenum">
               <a:rPr lang="en-US" smtClean="0"/>
-              <a:pPr/>
-              <a:t>‹#›</a:t>
             </a:fld>
             <a:endParaRPr lang="en-US"/>
           </a:p>
@@ -4243,8 +4122,6 @@
           <a:p>
             <a:fld id="{1D8BD707-D9CF-40AE-B4C6-C98DA3205C09}" type="datetimeFigureOut">
               <a:rPr lang="en-US" smtClean="0"/>
-              <a:pPr/>
-              <a:t>5/23/2018</a:t>
             </a:fld>
             <a:endParaRPr lang="en-US"/>
           </a:p>
@@ -4286,8 +4163,6 @@
           <a:p>
             <a:fld id="{B6F15528-21DE-4FAA-801E-634DDDAF4B2B}" type="slidenum">
               <a:rPr lang="en-US" smtClean="0"/>
-              <a:pPr/>
-              <a:t>‹#›</a:t>
             </a:fld>
             <a:endParaRPr lang="en-US"/>
           </a:p>
@@ -4335,8 +4210,6 @@
           <a:p>
             <a:fld id="{1D8BD707-D9CF-40AE-B4C6-C98DA3205C09}" type="datetimeFigureOut">
               <a:rPr lang="en-US" smtClean="0"/>
-              <a:pPr/>
-              <a:t>5/23/2018</a:t>
             </a:fld>
             <a:endParaRPr lang="en-US"/>
           </a:p>
@@ -4378,8 +4251,6 @@
           <a:p>
             <a:fld id="{B6F15528-21DE-4FAA-801E-634DDDAF4B2B}" type="slidenum">
               <a:rPr lang="en-US" smtClean="0"/>
-              <a:pPr/>
-              <a:t>‹#›</a:t>
             </a:fld>
             <a:endParaRPr lang="en-US"/>
           </a:p>
@@ -4495,6 +4366,7 @@
               <a:rPr lang="en-US" smtClean="0"/>
               <a:t>Click to edit Master text styles</a:t>
             </a:r>
+            <a:endParaRPr lang="en-US" smtClean="0"/>
           </a:p>
           <a:p>
             <a:pPr lvl="1"/>
@@ -4502,6 +4374,7 @@
               <a:rPr lang="en-US" smtClean="0"/>
               <a:t>Second level</a:t>
             </a:r>
+            <a:endParaRPr lang="en-US" smtClean="0"/>
           </a:p>
           <a:p>
             <a:pPr lvl="2"/>
@@ -4509,6 +4382,7 @@
               <a:rPr lang="en-US" smtClean="0"/>
               <a:t>Third level</a:t>
             </a:r>
+            <a:endParaRPr lang="en-US" smtClean="0"/>
           </a:p>
           <a:p>
             <a:pPr lvl="3"/>
@@ -4516,6 +4390,7 @@
               <a:rPr lang="en-US" smtClean="0"/>
               <a:t>Fourth level</a:t>
             </a:r>
+            <a:endParaRPr lang="en-US" smtClean="0"/>
           </a:p>
           <a:p>
             <a:pPr lvl="4"/>
@@ -4589,6 +4464,7 @@
               <a:rPr lang="en-US" smtClean="0"/>
               <a:t>Click to edit Master text styles</a:t>
             </a:r>
+            <a:endParaRPr lang="en-US" smtClean="0"/>
           </a:p>
         </p:txBody>
       </p:sp>
@@ -4609,8 +4485,6 @@
           <a:p>
             <a:fld id="{1D8BD707-D9CF-40AE-B4C6-C98DA3205C09}" type="datetimeFigureOut">
               <a:rPr lang="en-US" smtClean="0"/>
-              <a:pPr/>
-              <a:t>5/23/2018</a:t>
             </a:fld>
             <a:endParaRPr lang="en-US"/>
           </a:p>
@@ -4652,8 +4526,6 @@
           <a:p>
             <a:fld id="{B6F15528-21DE-4FAA-801E-634DDDAF4B2B}" type="slidenum">
               <a:rPr lang="en-US" smtClean="0"/>
-              <a:pPr/>
-              <a:t>‹#›</a:t>
             </a:fld>
             <a:endParaRPr lang="en-US"/>
           </a:p>
@@ -4839,6 +4711,7 @@
               <a:rPr lang="en-US" smtClean="0"/>
               <a:t>Click to edit Master text styles</a:t>
             </a:r>
+            <a:endParaRPr lang="en-US" smtClean="0"/>
           </a:p>
         </p:txBody>
       </p:sp>
@@ -4859,8 +4732,6 @@
           <a:p>
             <a:fld id="{1D8BD707-D9CF-40AE-B4C6-C98DA3205C09}" type="datetimeFigureOut">
               <a:rPr lang="en-US" smtClean="0"/>
-              <a:pPr/>
-              <a:t>5/23/2018</a:t>
             </a:fld>
             <a:endParaRPr lang="en-US"/>
           </a:p>
@@ -4902,8 +4773,6 @@
           <a:p>
             <a:fld id="{B6F15528-21DE-4FAA-801E-634DDDAF4B2B}" type="slidenum">
               <a:rPr lang="en-US" smtClean="0"/>
-              <a:pPr/>
-              <a:t>‹#›</a:t>
             </a:fld>
             <a:endParaRPr lang="en-US"/>
           </a:p>
@@ -5002,6 +4871,7 @@
               <a:rPr lang="en-US" smtClean="0"/>
               <a:t>Click to edit Master text styles</a:t>
             </a:r>
+            <a:endParaRPr lang="en-US" smtClean="0"/>
           </a:p>
           <a:p>
             <a:pPr lvl="1"/>
@@ -5009,6 +4879,7 @@
               <a:rPr lang="en-US" smtClean="0"/>
               <a:t>Second level</a:t>
             </a:r>
+            <a:endParaRPr lang="en-US" smtClean="0"/>
           </a:p>
           <a:p>
             <a:pPr lvl="2"/>
@@ -5016,6 +4887,7 @@
               <a:rPr lang="en-US" smtClean="0"/>
               <a:t>Third level</a:t>
             </a:r>
+            <a:endParaRPr lang="en-US" smtClean="0"/>
           </a:p>
           <a:p>
             <a:pPr lvl="3"/>
@@ -5023,6 +4895,7 @@
               <a:rPr lang="en-US" smtClean="0"/>
               <a:t>Fourth level</a:t>
             </a:r>
+            <a:endParaRPr lang="en-US" smtClean="0"/>
           </a:p>
           <a:p>
             <a:pPr lvl="4"/>
@@ -5069,8 +4942,6 @@
           <a:p>
             <a:fld id="{1D8BD707-D9CF-40AE-B4C6-C98DA3205C09}" type="datetimeFigureOut">
               <a:rPr lang="en-US" smtClean="0"/>
-              <a:pPr/>
-              <a:t>5/23/2018</a:t>
             </a:fld>
             <a:endParaRPr lang="en-US"/>
           </a:p>
@@ -5148,8 +5019,6 @@
           <a:p>
             <a:fld id="{B6F15528-21DE-4FAA-801E-634DDDAF4B2B}" type="slidenum">
               <a:rPr lang="en-US" smtClean="0"/>
-              <a:pPr/>
-              <a:t>‹#›</a:t>
             </a:fld>
             <a:endParaRPr lang="en-US"/>
           </a:p>
@@ -5193,7 +5062,7 @@
         <a:spcBef>
           <a:spcPct val="20000"/>
         </a:spcBef>
-        <a:buFont typeface="Arial" pitchFamily="34" charset="0"/>
+        <a:buFont typeface="Arial" panose="020B0604020202020204" pitchFamily="34" charset="0"/>
         <a:buChar char="•"/>
         <a:defRPr sz="3200" kern="1200">
           <a:solidFill>
@@ -5208,7 +5077,7 @@
         <a:spcBef>
           <a:spcPct val="20000"/>
         </a:spcBef>
-        <a:buFont typeface="Arial" pitchFamily="34" charset="0"/>
+        <a:buFont typeface="Arial" panose="020B0604020202020204" pitchFamily="34" charset="0"/>
         <a:buChar char="–"/>
         <a:defRPr sz="2800" kern="1200">
           <a:solidFill>
@@ -5223,7 +5092,7 @@
         <a:spcBef>
           <a:spcPct val="20000"/>
         </a:spcBef>
-        <a:buFont typeface="Arial" pitchFamily="34" charset="0"/>
+        <a:buFont typeface="Arial" panose="020B0604020202020204" pitchFamily="34" charset="0"/>
         <a:buChar char="•"/>
         <a:defRPr sz="2400" kern="1200">
           <a:solidFill>
@@ -5238,7 +5107,7 @@
         <a:spcBef>
           <a:spcPct val="20000"/>
         </a:spcBef>
-        <a:buFont typeface="Arial" pitchFamily="34" charset="0"/>
+        <a:buFont typeface="Arial" panose="020B0604020202020204" pitchFamily="34" charset="0"/>
         <a:buChar char="–"/>
         <a:defRPr sz="2000" kern="1200">
           <a:solidFill>
@@ -5253,7 +5122,7 @@
         <a:spcBef>
           <a:spcPct val="20000"/>
         </a:spcBef>
-        <a:buFont typeface="Arial" pitchFamily="34" charset="0"/>
+        <a:buFont typeface="Arial" panose="020B0604020202020204" pitchFamily="34" charset="0"/>
         <a:buChar char="»"/>
         <a:defRPr sz="2000" kern="1200">
           <a:solidFill>
@@ -5268,7 +5137,7 @@
         <a:spcBef>
           <a:spcPct val="20000"/>
         </a:spcBef>
-        <a:buFont typeface="Arial" pitchFamily="34" charset="0"/>
+        <a:buFont typeface="Arial" panose="020B0604020202020204" pitchFamily="34" charset="0"/>
         <a:buChar char="•"/>
         <a:defRPr sz="2000" kern="1200">
           <a:solidFill>
@@ -5283,7 +5152,7 @@
         <a:spcBef>
           <a:spcPct val="20000"/>
         </a:spcBef>
-        <a:buFont typeface="Arial" pitchFamily="34" charset="0"/>
+        <a:buFont typeface="Arial" panose="020B0604020202020204" pitchFamily="34" charset="0"/>
         <a:buChar char="•"/>
         <a:defRPr sz="2000" kern="1200">
           <a:solidFill>
@@ -5298,7 +5167,7 @@
         <a:spcBef>
           <a:spcPct val="20000"/>
         </a:spcBef>
-        <a:buFont typeface="Arial" pitchFamily="34" charset="0"/>
+        <a:buFont typeface="Arial" panose="020B0604020202020204" pitchFamily="34" charset="0"/>
         <a:buChar char="•"/>
         <a:defRPr sz="2000" kern="1200">
           <a:solidFill>
@@ -5313,7 +5182,7 @@
         <a:spcBef>
           <a:spcPct val="20000"/>
         </a:spcBef>
-        <a:buFont typeface="Arial" pitchFamily="34" charset="0"/>
+        <a:buFont typeface="Arial" panose="020B0604020202020204" pitchFamily="34" charset="0"/>
         <a:buChar char="•"/>
         <a:defRPr sz="2000" kern="1200">
           <a:solidFill>
@@ -5500,6 +5369,7 @@
               <a:rPr lang="en-US" dirty="0" smtClean="0"/>
               <a:t> :</a:t>
             </a:r>
+            <a:endParaRPr lang="en-US" dirty="0" smtClean="0"/>
           </a:p>
           <a:p>
             <a:pPr marL="0" indent="0">
@@ -5518,11 +5388,6 @@
         </p:txBody>
       </p:sp>
     </p:spTree>
-    <p:extLst>
-      <p:ext uri="{BB962C8B-B14F-4D97-AF65-F5344CB8AC3E}">
-        <p14:creationId xmlns:p14="http://schemas.microsoft.com/office/powerpoint/2010/main" val="1233516049"/>
-      </p:ext>
-    </p:extLst>
   </p:cSld>
   <p:clrMapOvr>
     <a:masterClrMapping/>
@@ -5602,6 +5467,7 @@
               <a:rPr lang="en-US" dirty="0" smtClean="0"/>
               <a:t>Size is 16KB</a:t>
             </a:r>
+            <a:endParaRPr lang="en-US" dirty="0" smtClean="0"/>
           </a:p>
           <a:p>
             <a:r>
@@ -5612,6 +5478,7 @@
               <a:rPr lang="en-IN" dirty="0" smtClean="0"/>
               <a:t>0x2001_C000</a:t>
             </a:r>
+            <a:endParaRPr lang="en-IN" dirty="0" smtClean="0"/>
           </a:p>
           <a:p>
             <a:r>
@@ -5622,6 +5489,7 @@
               <a:rPr lang="en-IN" dirty="0" smtClean="0"/>
               <a:t>0x2001_FFFF</a:t>
             </a:r>
+            <a:endParaRPr lang="en-IN" dirty="0" smtClean="0"/>
           </a:p>
           <a:p>
             <a:r>
@@ -5636,18 +5504,21 @@
               <a:rPr lang="en-US" dirty="0" smtClean="0"/>
               <a:t>application global data, static variables</a:t>
             </a:r>
+            <a:endParaRPr lang="en-US" dirty="0" smtClean="0"/>
           </a:p>
           <a:p>
             <a:r>
               <a:rPr lang="en-US" dirty="0" smtClean="0"/>
               <a:t>Also can be used for Stack and Heap Purpose</a:t>
             </a:r>
+            <a:endParaRPr lang="en-US" dirty="0" smtClean="0"/>
           </a:p>
           <a:p>
             <a:r>
               <a:rPr lang="en-US" dirty="0" smtClean="0"/>
               <a:t>Volatile </a:t>
             </a:r>
+            <a:endParaRPr lang="en-US" dirty="0" smtClean="0"/>
           </a:p>
           <a:p>
             <a:r>
@@ -5659,11 +5530,6 @@
         </p:txBody>
       </p:sp>
     </p:spTree>
-    <p:extLst>
-      <p:ext uri="{BB962C8B-B14F-4D97-AF65-F5344CB8AC3E}">
-        <p14:creationId xmlns:p14="http://schemas.microsoft.com/office/powerpoint/2010/main" val="3962592750"/>
-      </p:ext>
-    </p:extLst>
   </p:cSld>
   <p:clrMapOvr>
     <a:masterClrMapping/>
@@ -5770,6 +5636,7 @@
               <a:rPr lang="en-US" dirty="0" smtClean="0"/>
               <a:t> in to MSP</a:t>
             </a:r>
+            <a:endParaRPr lang="en-US" dirty="0" smtClean="0"/>
           </a:p>
           <a:p>
             <a:pPr marL="342900" indent="-342900">
@@ -5848,6 +5715,7 @@
               <a:rPr lang="en-US" dirty="0" smtClean="0"/>
               <a:t>, </a:t>
             </a:r>
+            <a:endParaRPr lang="en-US" dirty="0" smtClean="0"/>
           </a:p>
           <a:p>
             <a:pPr marL="342900" indent="-342900">
@@ -5868,6 +5736,14 @@
               </a:rPr>
               <a:t>0x0800_0000</a:t>
             </a:r>
+            <a:endParaRPr lang="en-US" b="1" dirty="0" smtClean="0">
+              <a:solidFill>
+                <a:schemeClr val="tx2">
+                  <a:lumMod val="60000"/>
+                  <a:lumOff val="40000"/>
+                </a:schemeClr>
+              </a:solidFill>
+            </a:endParaRPr>
           </a:p>
           <a:p>
             <a:pPr marL="342900" indent="-342900">
@@ -5888,6 +5764,14 @@
               </a:rPr>
               <a:t>0x0800_0004</a:t>
             </a:r>
+            <a:endParaRPr lang="en-US" b="1" dirty="0" smtClean="0">
+              <a:solidFill>
+                <a:schemeClr val="tx2">
+                  <a:lumMod val="60000"/>
+                  <a:lumOff val="40000"/>
+                </a:schemeClr>
+              </a:solidFill>
+            </a:endParaRPr>
           </a:p>
           <a:p>
             <a:pPr marL="342900" indent="-342900">
@@ -5965,11 +5849,6 @@
         </p:txBody>
       </p:sp>
     </p:spTree>
-    <p:extLst>
-      <p:ext uri="{BB962C8B-B14F-4D97-AF65-F5344CB8AC3E}">
-        <p14:creationId xmlns:p14="http://schemas.microsoft.com/office/powerpoint/2010/main" val="2048429612"/>
-      </p:ext>
-    </p:extLst>
   </p:cSld>
   <p:clrMapOvr>
     <a:masterClrMapping/>
@@ -6811,7 +6690,7 @@
       </p:sp>
       <mc:AlternateContent xmlns:mc="http://schemas.openxmlformats.org/markup-compatibility/2006" xmlns:p14="http://schemas.microsoft.com/office/powerpoint/2010/main">
         <mc:Choice Requires="p14">
-          <p:contentPart p14:bwMode="auto" r:id="rId3">
+          <p:contentPart r:id="rId1" p14:bwMode="auto">
             <p14:nvContentPartPr>
               <p14:cNvPr id="29" name="Ink 28"/>
               <p14:cNvContentPartPr/>
@@ -6827,23 +6706,16 @@
           <p:pic>
             <p:nvPicPr>
               <p:cNvPr id="29" name="Ink 28"/>
-              <p:cNvPicPr/>
-              <p:nvPr/>
             </p:nvPicPr>
             <p:blipFill>
-              <a:blip r:embed="rId4"/>
-              <a:stretch>
-                <a:fillRect/>
-              </a:stretch>
+              <a:blip r:embed="rId2"/>
             </p:blipFill>
             <p:spPr>
               <a:xfrm>
-                <a:off x="4809240" y="1023120"/>
-                <a:ext cx="1631160" cy="3772800"/>
+                <a:off x="4817520" y="1027800"/>
+                <a:ext cx="1614240" cy="3759480"/>
               </a:xfrm>
-              <a:prstGeom prst="rect">
-                <a:avLst/>
-              </a:prstGeom>
+              <a:prstGeom prst="rect"/>
             </p:spPr>
           </p:pic>
         </mc:Fallback>
@@ -6984,11 +6856,6 @@
         </p:txBody>
       </p:sp>
     </p:spTree>
-    <p:extLst>
-      <p:ext uri="{BB962C8B-B14F-4D97-AF65-F5344CB8AC3E}">
-        <p14:creationId xmlns:p14="http://schemas.microsoft.com/office/powerpoint/2010/main" val="1099230601"/>
-      </p:ext>
-    </p:extLst>
   </p:cSld>
   <p:clrMapOvr>
     <a:masterClrMapping/>
@@ -7064,6 +6931,7 @@
               <a:rPr lang="en-US" dirty="0" smtClean="0"/>
               <a:t>Size is 30KB</a:t>
             </a:r>
+            <a:endParaRPr lang="en-US" dirty="0" smtClean="0"/>
           </a:p>
           <a:p>
             <a:r>
@@ -7074,6 +6942,7 @@
               <a:rPr lang="en-IN" dirty="0" smtClean="0"/>
               <a:t>0x1FFF_0000</a:t>
             </a:r>
+            <a:endParaRPr lang="en-IN" dirty="0" smtClean="0"/>
           </a:p>
           <a:p>
             <a:r>
@@ -7084,6 +6953,7 @@
               <a:rPr lang="en-IN" dirty="0" smtClean="0"/>
               <a:t>0x1FFF_77FF</a:t>
             </a:r>
+            <a:endParaRPr lang="en-IN" dirty="0" smtClean="0"/>
           </a:p>
           <a:p>
             <a:r>
@@ -7098,12 +6968,14 @@
               <a:rPr lang="en-US" dirty="0" smtClean="0"/>
               <a:t> in this memory </a:t>
             </a:r>
+            <a:endParaRPr lang="en-US" dirty="0" smtClean="0"/>
           </a:p>
           <a:p>
             <a:r>
               <a:rPr lang="en-US" dirty="0" smtClean="0"/>
               <a:t>This Memory is Read only </a:t>
             </a:r>
+            <a:endParaRPr lang="en-US" dirty="0" smtClean="0"/>
           </a:p>
           <a:p>
             <a:r>
@@ -7123,11 +6995,6 @@
         </p:txBody>
       </p:sp>
     </p:spTree>
-    <p:extLst>
-      <p:ext uri="{BB962C8B-B14F-4D97-AF65-F5344CB8AC3E}">
-        <p14:creationId xmlns:p14="http://schemas.microsoft.com/office/powerpoint/2010/main" val="2387744972"/>
-      </p:ext>
-    </p:extLst>
   </p:cSld>
   <p:clrMapOvr>
     <a:masterClrMapping/>
@@ -7168,7 +7035,7 @@
           <p:nvPr/>
         </p:nvPicPr>
         <p:blipFill>
-          <a:blip r:embed="rId3">
+          <a:blip r:embed="rId1">
             <a:extLst>
               <a:ext uri="{28A0092B-C50C-407E-A947-70E740481C1C}">
                 <a14:useLocalDpi xmlns:a14="http://schemas.microsoft.com/office/drawing/2010/main" val="0"/>
@@ -7249,11 +7116,6 @@
         </p:txBody>
       </p:sp>
     </p:spTree>
-    <p:extLst>
-      <p:ext uri="{BB962C8B-B14F-4D97-AF65-F5344CB8AC3E}">
-        <p14:creationId xmlns:p14="http://schemas.microsoft.com/office/powerpoint/2010/main" val="4111968884"/>
-      </p:ext>
-    </p:extLst>
   </p:cSld>
   <p:clrMapOvr>
     <a:masterClrMapping/>
@@ -7642,11 +7504,6 @@
         </p:txBody>
       </p:sp>
     </p:spTree>
-    <p:extLst>
-      <p:ext uri="{BB962C8B-B14F-4D97-AF65-F5344CB8AC3E}">
-        <p14:creationId xmlns:p14="http://schemas.microsoft.com/office/powerpoint/2010/main" val="2351874717"/>
-      </p:ext>
-    </p:extLst>
   </p:cSld>
   <p:clrMapOvr>
     <a:masterClrMapping/>
@@ -7876,6 +7733,7 @@
               <a:rPr lang="en-US" dirty="0" smtClean="0"/>
               <a:t> ACK/NACK + Length to follow</a:t>
             </a:r>
+            <a:endParaRPr lang="en-US" dirty="0" smtClean="0"/>
           </a:p>
           <a:p>
             <a:pPr algn="ctr"/>
@@ -8008,6 +7866,7 @@
               <a:rPr lang="en-US" dirty="0" smtClean="0"/>
               <a:t>MCU</a:t>
             </a:r>
+            <a:endParaRPr lang="en-US" dirty="0" smtClean="0"/>
           </a:p>
           <a:p>
             <a:r>
@@ -8056,11 +7915,6 @@
         </p:txBody>
       </p:sp>
     </p:spTree>
-    <p:extLst>
-      <p:ext uri="{BB962C8B-B14F-4D97-AF65-F5344CB8AC3E}">
-        <p14:creationId xmlns:p14="http://schemas.microsoft.com/office/powerpoint/2010/main" val="2694236206"/>
-      </p:ext>
-    </p:extLst>
   </p:cSld>
   <p:clrMapOvr>
     <a:masterClrMapping/>
@@ -8618,7 +8472,7 @@
         <p:spPr>
           <a:xfrm>
             <a:off x="6705600" y="4552950"/>
-            <a:ext cx="843501" cy="369332"/>
+            <a:ext cx="823595" cy="368300"/>
           </a:xfrm>
           <a:prstGeom prst="rect">
             <a:avLst/>
@@ -8631,19 +8485,14 @@
           <a:lstStyle/>
           <a:p>
             <a:r>
-              <a:rPr lang="en-US" dirty="0" err="1"/>
-              <a:t>Nucleo</a:t>
-            </a:r>
-            <a:endParaRPr lang="en-IN" dirty="0"/>
+              <a:rPr lang="en-US" altLang="en-IN" dirty="0"/>
+              <a:t>STM32</a:t>
+            </a:r>
+            <a:endParaRPr lang="en-US" altLang="en-IN" dirty="0"/>
           </a:p>
         </p:txBody>
       </p:sp>
     </p:spTree>
-    <p:extLst>
-      <p:ext uri="{BB962C8B-B14F-4D97-AF65-F5344CB8AC3E}">
-        <p14:creationId xmlns:p14="http://schemas.microsoft.com/office/powerpoint/2010/main" val="3843259403"/>
-      </p:ext>
-    </p:extLst>
   </p:cSld>
   <p:clrMapOvr>
     <a:masterClrMapping/>
@@ -8838,6 +8687,7 @@
                 <a:rPr lang="en-US" dirty="0" smtClean="0"/>
                 <a:t>Length </a:t>
               </a:r>
+              <a:endParaRPr lang="en-US" dirty="0" smtClean="0"/>
             </a:p>
             <a:p>
               <a:r>
@@ -8873,6 +8723,7 @@
                 <a:rPr lang="en-US" dirty="0" smtClean="0"/>
                 <a:t>Command</a:t>
               </a:r>
+              <a:endParaRPr lang="en-US" dirty="0" smtClean="0"/>
             </a:p>
             <a:p>
               <a:r>
@@ -9025,12 +8876,14 @@
               <a:rPr lang="en-US" dirty="0" smtClean="0"/>
               <a:t>Total Bytes of the packet = 6</a:t>
             </a:r>
+            <a:endParaRPr lang="en-US" dirty="0" smtClean="0"/>
           </a:p>
           <a:p>
             <a:r>
               <a:rPr lang="en-US" dirty="0" smtClean="0"/>
               <a:t>“Length to follow ” field will contain the value : 5 </a:t>
             </a:r>
+            <a:endParaRPr lang="en-US" dirty="0" smtClean="0"/>
           </a:p>
           <a:p>
             <a:r>
@@ -9041,6 +8894,7 @@
               <a:rPr lang="en-US" dirty="0" smtClean="0"/>
               <a:t>0x51</a:t>
             </a:r>
+            <a:endParaRPr lang="en-US" dirty="0" smtClean="0"/>
           </a:p>
         </p:txBody>
       </p:sp>
@@ -9096,6 +8950,7 @@
               <a:rPr lang="en-US" dirty="0" smtClean="0"/>
               <a:t>Boot loader version number</a:t>
             </a:r>
+            <a:endParaRPr lang="en-US" dirty="0" smtClean="0"/>
           </a:p>
           <a:p>
             <a:pPr algn="ctr"/>
@@ -9115,7 +8970,7 @@
         </p:nvSpPr>
         <p:spPr>
           <a:xfrm>
-            <a:off x="269855" y="1957872"/>
+            <a:off x="269855" y="2114717"/>
             <a:ext cx="1249114" cy="322619"/>
           </a:xfrm>
           <a:prstGeom prst="rightArrow">
@@ -9228,7 +9083,7 @@
         </p:nvSpPr>
         <p:spPr>
           <a:xfrm>
-            <a:off x="1645550" y="1917509"/>
+            <a:off x="1645550" y="2070544"/>
             <a:ext cx="2226572" cy="369332"/>
           </a:xfrm>
           <a:prstGeom prst="rect">
@@ -9336,11 +9191,6 @@
         </p:txBody>
       </p:sp>
     </p:spTree>
-    <p:extLst>
-      <p:ext uri="{BB962C8B-B14F-4D97-AF65-F5344CB8AC3E}">
-        <p14:creationId xmlns:p14="http://schemas.microsoft.com/office/powerpoint/2010/main" val="2207731878"/>
-      </p:ext>
-    </p:extLst>
   </p:cSld>
   <p:clrMapOvr>
     <a:masterClrMapping/>
@@ -9535,6 +9385,7 @@
                 <a:rPr lang="en-US" dirty="0" smtClean="0"/>
                 <a:t>Length </a:t>
               </a:r>
+              <a:endParaRPr lang="en-US" dirty="0" smtClean="0"/>
             </a:p>
             <a:p>
               <a:r>
@@ -9570,6 +9421,7 @@
                 <a:rPr lang="en-US" dirty="0" smtClean="0"/>
                 <a:t>Command</a:t>
               </a:r>
+              <a:endParaRPr lang="en-US" dirty="0" smtClean="0"/>
             </a:p>
             <a:p>
               <a:r>
@@ -9722,12 +9574,14 @@
               <a:rPr lang="en-US" dirty="0" smtClean="0"/>
               <a:t>Total Bytes of the packet = 6</a:t>
             </a:r>
+            <a:endParaRPr lang="en-US" dirty="0" smtClean="0"/>
           </a:p>
           <a:p>
             <a:r>
               <a:rPr lang="en-US" dirty="0" smtClean="0"/>
               <a:t>“Length to follow ” field will contain the value : 5 </a:t>
             </a:r>
+            <a:endParaRPr lang="en-US" dirty="0" smtClean="0"/>
           </a:p>
           <a:p>
             <a:r>
@@ -9738,6 +9592,7 @@
               <a:rPr lang="en-US" dirty="0" smtClean="0"/>
               <a:t>0x52</a:t>
             </a:r>
+            <a:endParaRPr lang="en-US" dirty="0" smtClean="0"/>
           </a:p>
         </p:txBody>
       </p:sp>
@@ -9805,7 +9660,7 @@
         </p:nvSpPr>
         <p:spPr>
           <a:xfrm>
-            <a:off x="269855" y="1957872"/>
+            <a:off x="228580" y="2038517"/>
             <a:ext cx="1249114" cy="322619"/>
           </a:xfrm>
           <a:prstGeom prst="rightArrow">
@@ -9918,7 +9773,7 @@
         </p:nvSpPr>
         <p:spPr>
           <a:xfrm>
-            <a:off x="1645550" y="1917509"/>
+            <a:off x="1676665" y="2052764"/>
             <a:ext cx="2226572" cy="369332"/>
           </a:xfrm>
           <a:prstGeom prst="rect">
@@ -10026,11 +9881,6 @@
         </p:txBody>
       </p:sp>
     </p:spTree>
-    <p:extLst>
-      <p:ext uri="{BB962C8B-B14F-4D97-AF65-F5344CB8AC3E}">
-        <p14:creationId xmlns:p14="http://schemas.microsoft.com/office/powerpoint/2010/main" val="2849629736"/>
-      </p:ext>
-    </p:extLst>
   </p:cSld>
   <p:clrMapOvr>
     <a:masterClrMapping/>
@@ -10141,7 +9991,7 @@
           <p:nvPr/>
         </p:nvPicPr>
         <p:blipFill>
-          <a:blip r:embed="rId3">
+          <a:blip r:embed="rId1">
             <a:extLst>
               <a:ext uri="{28A0092B-C50C-407E-A947-70E740481C1C}">
                 <a14:useLocalDpi xmlns:a14="http://schemas.microsoft.com/office/drawing/2010/main" val="0"/>
@@ -10225,6 +10075,11 @@
               </a:rPr>
               <a:t>ATmega328P</a:t>
             </a:r>
+            <a:endParaRPr lang="en-IN" sz="3200" dirty="0">
+              <a:solidFill>
+                <a:srgbClr val="FF0000"/>
+              </a:solidFill>
+            </a:endParaRPr>
           </a:p>
         </p:txBody>
       </p:sp>
@@ -10277,6 +10132,7 @@
               <a:rPr lang="en-US" dirty="0" smtClean="0"/>
               <a:t>?</a:t>
             </a:r>
+            <a:endParaRPr lang="en-US" dirty="0" smtClean="0"/>
           </a:p>
           <a:p>
             <a:r>
@@ -10287,6 +10143,11 @@
               </a:rPr>
               <a:t>Yes it is !</a:t>
             </a:r>
+            <a:endParaRPr lang="en-US" dirty="0" smtClean="0">
+              <a:solidFill>
+                <a:srgbClr val="FF0000"/>
+              </a:solidFill>
+            </a:endParaRPr>
           </a:p>
           <a:p>
             <a:endParaRPr lang="en-US" dirty="0"/>
@@ -10296,6 +10157,7 @@
               <a:rPr lang="en-US" dirty="0" smtClean="0"/>
               <a:t>Does it run whenever MCU undergoes reset ?</a:t>
             </a:r>
+            <a:endParaRPr lang="en-US" dirty="0" smtClean="0"/>
           </a:p>
           <a:p>
             <a:r>
@@ -10376,6 +10238,7 @@
               <a:rPr lang="en-US" dirty="0" smtClean="0"/>
               <a:t> ?</a:t>
             </a:r>
+            <a:endParaRPr lang="en-US" dirty="0" smtClean="0"/>
           </a:p>
           <a:p>
             <a:r>
@@ -10411,11 +10274,6 @@
         </p:txBody>
       </p:sp>
     </p:spTree>
-    <p:extLst>
-      <p:ext uri="{BB962C8B-B14F-4D97-AF65-F5344CB8AC3E}">
-        <p14:creationId xmlns:p14="http://schemas.microsoft.com/office/powerpoint/2010/main" val="1284636673"/>
-      </p:ext>
-    </p:extLst>
   </p:cSld>
   <p:clrMapOvr>
     <a:masterClrMapping/>
@@ -10639,6 +10497,7 @@
                 <a:rPr lang="en-US" dirty="0" smtClean="0"/>
                 <a:t>Length </a:t>
               </a:r>
+              <a:endParaRPr lang="en-US" dirty="0" smtClean="0"/>
             </a:p>
             <a:p>
               <a:r>
@@ -10674,6 +10533,7 @@
                 <a:rPr lang="en-US" dirty="0" smtClean="0"/>
                 <a:t>Command</a:t>
               </a:r>
+              <a:endParaRPr lang="en-US" dirty="0" smtClean="0"/>
             </a:p>
             <a:p>
               <a:r>
@@ -10801,12 +10661,14 @@
               <a:rPr lang="en-US" dirty="0" smtClean="0"/>
               <a:t>Bytes of the packet = 6</a:t>
             </a:r>
+            <a:endParaRPr lang="en-US" dirty="0" smtClean="0"/>
           </a:p>
           <a:p>
             <a:r>
               <a:rPr lang="en-US" dirty="0" smtClean="0"/>
               <a:t>“Length to follow ” field will contain the value : 5 </a:t>
             </a:r>
+            <a:endParaRPr lang="en-US" dirty="0" smtClean="0"/>
           </a:p>
           <a:p>
             <a:r>
@@ -10983,6 +10845,7 @@
                 <a:rPr lang="en-US" dirty="0" smtClean="0"/>
                 <a:t>Id</a:t>
               </a:r>
+              <a:endParaRPr lang="en-US" dirty="0" smtClean="0"/>
             </a:p>
             <a:p>
               <a:pPr algn="ctr"/>
@@ -11024,6 +10887,7 @@
                 <a:rPr lang="en-US" dirty="0" smtClean="0"/>
                 <a:t>Id</a:t>
               </a:r>
+              <a:endParaRPr lang="en-US" dirty="0" smtClean="0"/>
             </a:p>
             <a:p>
               <a:pPr algn="ctr"/>
@@ -11073,12 +10937,14 @@
               <a:rPr lang="en-IN" sz="2400" dirty="0"/>
               <a:t>	</a:t>
             </a:r>
+            <a:endParaRPr lang="en-IN" sz="2400" dirty="0"/>
           </a:p>
           <a:p>
             <a:r>
               <a:rPr lang="en-IN" sz="2400" dirty="0"/>
               <a:t>	</a:t>
             </a:r>
+            <a:endParaRPr lang="en-IN" sz="2400" dirty="0"/>
           </a:p>
           <a:p>
             <a:pPr algn="ctr"/>
@@ -11098,7 +10964,7 @@
         </p:nvSpPr>
         <p:spPr>
           <a:xfrm>
-            <a:off x="269855" y="1796562"/>
+            <a:off x="269855" y="1962297"/>
             <a:ext cx="1249114" cy="322619"/>
           </a:xfrm>
           <a:prstGeom prst="rightArrow">
@@ -11211,7 +11077,7 @@
         </p:nvSpPr>
         <p:spPr>
           <a:xfrm>
-            <a:off x="1645550" y="1773205"/>
+            <a:off x="1645550" y="1915445"/>
             <a:ext cx="2226572" cy="369332"/>
           </a:xfrm>
           <a:prstGeom prst="rect">
@@ -11277,11 +11143,6 @@
         </p:style>
       </p:cxnSp>
     </p:spTree>
-    <p:extLst>
-      <p:ext uri="{BB962C8B-B14F-4D97-AF65-F5344CB8AC3E}">
-        <p14:creationId xmlns:p14="http://schemas.microsoft.com/office/powerpoint/2010/main" val="2241898827"/>
-      </p:ext>
-    </p:extLst>
   </p:cSld>
   <p:clrMapOvr>
     <a:masterClrMapping/>
@@ -11490,6 +11351,7 @@
                   <a:rPr lang="en-US" dirty="0" smtClean="0"/>
                   <a:t>Length </a:t>
                 </a:r>
+                <a:endParaRPr lang="en-US" dirty="0" smtClean="0"/>
               </a:p>
               <a:p>
                 <a:r>
@@ -11525,6 +11387,7 @@
                   <a:rPr lang="en-US" dirty="0" smtClean="0"/>
                   <a:t>Command</a:t>
                 </a:r>
+                <a:endParaRPr lang="en-US" dirty="0" smtClean="0"/>
               </a:p>
               <a:p>
                 <a:r>
@@ -11682,12 +11545,14 @@
               <a:rPr lang="en-US" dirty="0" smtClean="0"/>
               <a:t>Bytes of the packet = 6</a:t>
             </a:r>
+            <a:endParaRPr lang="en-US" dirty="0" smtClean="0"/>
           </a:p>
           <a:p>
             <a:r>
               <a:rPr lang="en-US" dirty="0" smtClean="0"/>
               <a:t>“Length to follow ” field will contain the value : 5</a:t>
             </a:r>
+            <a:endParaRPr lang="en-US" dirty="0" smtClean="0"/>
           </a:p>
           <a:p>
             <a:r>
@@ -11702,6 +11567,7 @@
               <a:rPr lang="en-US" dirty="0" smtClean="0"/>
               <a:t>0x54</a:t>
             </a:r>
+            <a:endParaRPr lang="en-US" dirty="0" smtClean="0"/>
           </a:p>
           <a:p>
             <a:endParaRPr lang="en-IN" dirty="0"/>
@@ -11861,6 +11727,7 @@
               <a:rPr lang="en-IN" sz="2400" dirty="0"/>
               <a:t>	</a:t>
             </a:r>
+            <a:endParaRPr lang="en-IN" sz="2400" dirty="0"/>
           </a:p>
         </p:txBody>
       </p:sp>
@@ -11872,7 +11739,7 @@
         </p:nvSpPr>
         <p:spPr>
           <a:xfrm>
-            <a:off x="269855" y="1796562"/>
+            <a:off x="228580" y="1962297"/>
             <a:ext cx="1249114" cy="322619"/>
           </a:xfrm>
           <a:prstGeom prst="rightArrow">
@@ -11985,7 +11852,7 @@
         </p:nvSpPr>
         <p:spPr>
           <a:xfrm>
-            <a:off x="1645550" y="1773205"/>
+            <a:off x="1646185" y="1938940"/>
             <a:ext cx="2226572" cy="369332"/>
           </a:xfrm>
           <a:prstGeom prst="rect">
@@ -12051,11 +11918,6 @@
         </p:style>
       </p:cxnSp>
     </p:spTree>
-    <p:extLst>
-      <p:ext uri="{BB962C8B-B14F-4D97-AF65-F5344CB8AC3E}">
-        <p14:creationId xmlns:p14="http://schemas.microsoft.com/office/powerpoint/2010/main" val="764032600"/>
-      </p:ext>
-    </p:extLst>
   </p:cSld>
   <p:clrMapOvr>
     <a:masterClrMapping/>
@@ -12362,6 +12224,7 @@
                 <a:rPr lang="en-US" dirty="0" smtClean="0"/>
                 <a:t>Length </a:t>
               </a:r>
+              <a:endParaRPr lang="en-US" dirty="0" smtClean="0"/>
             </a:p>
             <a:p>
               <a:r>
@@ -12397,6 +12260,7 @@
                 <a:rPr lang="en-US" dirty="0" smtClean="0"/>
                 <a:t>Command</a:t>
               </a:r>
+              <a:endParaRPr lang="en-US" dirty="0" smtClean="0"/>
             </a:p>
             <a:p>
               <a:r>
@@ -12584,6 +12448,7 @@
                 <a:rPr lang="en-US" dirty="0" smtClean="0"/>
                 <a:t>Memory address</a:t>
               </a:r>
+              <a:endParaRPr lang="en-US" dirty="0" smtClean="0"/>
             </a:p>
             <a:p>
               <a:pPr algn="ctr"/>
@@ -12654,12 +12519,14 @@
               <a:rPr lang="en-US" dirty="0" smtClean="0"/>
               <a:t>Bytes of the packet = 10</a:t>
             </a:r>
+            <a:endParaRPr lang="en-US" dirty="0" smtClean="0"/>
           </a:p>
           <a:p>
             <a:r>
               <a:rPr lang="en-US" dirty="0" smtClean="0"/>
               <a:t>“Length to follow ” field will contain the value : 9</a:t>
             </a:r>
+            <a:endParaRPr lang="en-US" dirty="0" smtClean="0"/>
           </a:p>
           <a:p>
             <a:r>
@@ -12674,6 +12541,7 @@
               <a:rPr lang="en-US" dirty="0" smtClean="0"/>
               <a:t>0x55</a:t>
             </a:r>
+            <a:endParaRPr lang="en-US" dirty="0" smtClean="0"/>
           </a:p>
           <a:p>
             <a:endParaRPr lang="en-IN" dirty="0"/>
@@ -12730,7 +12598,7 @@
         </p:nvSpPr>
         <p:spPr>
           <a:xfrm>
-            <a:off x="269855" y="1796562"/>
+            <a:off x="190480" y="1962297"/>
             <a:ext cx="1249114" cy="322619"/>
           </a:xfrm>
           <a:prstGeom prst="rightArrow">
@@ -12843,7 +12711,7 @@
         </p:nvSpPr>
         <p:spPr>
           <a:xfrm>
-            <a:off x="1645550" y="1773205"/>
+            <a:off x="1600465" y="1962435"/>
             <a:ext cx="2226572" cy="369332"/>
           </a:xfrm>
           <a:prstGeom prst="rect">
@@ -12941,6 +12809,7 @@
               <a:rPr lang="en-US" b="1" dirty="0"/>
               <a:t>. :</a:t>
             </a:r>
+            <a:endParaRPr lang="en-US" b="1" dirty="0"/>
           </a:p>
           <a:p>
             <a:r>
@@ -12956,11 +12825,6 @@
         </p:txBody>
       </p:sp>
     </p:spTree>
-    <p:extLst>
-      <p:ext uri="{BB962C8B-B14F-4D97-AF65-F5344CB8AC3E}">
-        <p14:creationId xmlns:p14="http://schemas.microsoft.com/office/powerpoint/2010/main" val="159159426"/>
-      </p:ext>
-    </p:extLst>
   </p:cSld>
   <p:clrMapOvr>
     <a:masterClrMapping/>
@@ -13267,6 +13131,7 @@
                 <a:rPr lang="en-US" dirty="0" smtClean="0"/>
                 <a:t>Length </a:t>
               </a:r>
+              <a:endParaRPr lang="en-US" dirty="0" smtClean="0"/>
             </a:p>
             <a:p>
               <a:r>
@@ -13302,6 +13167,7 @@
                 <a:rPr lang="en-US" dirty="0" smtClean="0"/>
                 <a:t>Command</a:t>
               </a:r>
+              <a:endParaRPr lang="en-US" dirty="0" smtClean="0"/>
             </a:p>
             <a:p>
               <a:r>
@@ -13489,6 +13355,7 @@
                 <a:rPr lang="en-US" dirty="0" smtClean="0"/>
                 <a:t>Sector</a:t>
               </a:r>
+              <a:endParaRPr lang="en-US" dirty="0" smtClean="0"/>
             </a:p>
             <a:p>
               <a:r>
@@ -13589,6 +13456,7 @@
                 <a:rPr lang="en-US" dirty="0" smtClean="0"/>
                 <a:t>Number </a:t>
               </a:r>
+              <a:endParaRPr lang="en-US" dirty="0" smtClean="0"/>
             </a:p>
             <a:p>
               <a:r>
@@ -13662,12 +13530,14 @@
               <a:rPr lang="en-US" dirty="0" smtClean="0"/>
               <a:t>Bytes of the packet = 8</a:t>
             </a:r>
+            <a:endParaRPr lang="en-US" dirty="0" smtClean="0"/>
           </a:p>
           <a:p>
             <a:r>
               <a:rPr lang="en-US" dirty="0" smtClean="0"/>
               <a:t>“Length to follow ” field will contain the value : 7</a:t>
             </a:r>
+            <a:endParaRPr lang="en-US" dirty="0" smtClean="0"/>
           </a:p>
           <a:p>
             <a:r>
@@ -13682,6 +13552,7 @@
               <a:rPr lang="en-US" dirty="0" smtClean="0"/>
               <a:t>0x56</a:t>
             </a:r>
+            <a:endParaRPr lang="en-US" dirty="0" smtClean="0"/>
           </a:p>
           <a:p>
             <a:endParaRPr lang="en-IN" dirty="0"/>
@@ -13738,7 +13609,7 @@
         </p:nvSpPr>
         <p:spPr>
           <a:xfrm>
-            <a:off x="269855" y="1796562"/>
+            <a:off x="228580" y="1924197"/>
             <a:ext cx="1249114" cy="322619"/>
           </a:xfrm>
           <a:prstGeom prst="rightArrow">
@@ -13851,7 +13722,7 @@
         </p:nvSpPr>
         <p:spPr>
           <a:xfrm>
-            <a:off x="1645550" y="1773205"/>
+            <a:off x="1676665" y="1938940"/>
             <a:ext cx="2226572" cy="369332"/>
           </a:xfrm>
           <a:prstGeom prst="rect">
@@ -13945,6 +13816,7 @@
               <a:rPr lang="en-US" dirty="0"/>
               <a:t>0 , 1 , 2 , 3 , 4 ,5 , 6 ,7</a:t>
             </a:r>
+            <a:endParaRPr lang="en-US" dirty="0"/>
           </a:p>
           <a:p>
             <a:r>
@@ -13960,11 +13832,6 @@
         </p:txBody>
       </p:sp>
     </p:spTree>
-    <p:extLst>
-      <p:ext uri="{BB962C8B-B14F-4D97-AF65-F5344CB8AC3E}">
-        <p14:creationId xmlns:p14="http://schemas.microsoft.com/office/powerpoint/2010/main" val="3536936332"/>
-      </p:ext>
-    </p:extLst>
   </p:cSld>
   <p:clrMapOvr>
     <a:masterClrMapping/>
@@ -14286,6 +14153,7 @@
                 <a:rPr lang="en-US" dirty="0" smtClean="0"/>
                 <a:t>Length </a:t>
               </a:r>
+              <a:endParaRPr lang="en-US" dirty="0" smtClean="0"/>
             </a:p>
             <a:p>
               <a:r>
@@ -14321,6 +14189,7 @@
                 <a:rPr lang="en-US" dirty="0" smtClean="0"/>
                 <a:t>Command</a:t>
               </a:r>
+              <a:endParaRPr lang="en-US" dirty="0" smtClean="0"/>
             </a:p>
             <a:p>
               <a:r>
@@ -14508,6 +14377,7 @@
                 <a:rPr lang="en-US" sz="1400" dirty="0" smtClean="0"/>
                 <a:t>Base Memory address</a:t>
               </a:r>
+              <a:endParaRPr lang="en-US" sz="1400" dirty="0" smtClean="0"/>
             </a:p>
             <a:p>
               <a:pPr algn="ctr"/>
@@ -14609,6 +14479,7 @@
                 <a:rPr lang="en-US" dirty="0" smtClean="0"/>
                 <a:t>Payload</a:t>
               </a:r>
+              <a:endParaRPr lang="en-US" dirty="0" smtClean="0"/>
             </a:p>
             <a:p>
               <a:r>
@@ -14772,12 +14643,14 @@
               <a:rPr lang="en-US" dirty="0" smtClean="0"/>
               <a:t>Bytes of the packet = 11+X</a:t>
             </a:r>
+            <a:endParaRPr lang="en-US" dirty="0" smtClean="0"/>
           </a:p>
           <a:p>
             <a:r>
               <a:rPr lang="en-US" dirty="0" smtClean="0"/>
               <a:t>“Length to follow ” field will contain the value : 10+X</a:t>
             </a:r>
+            <a:endParaRPr lang="en-US" dirty="0" smtClean="0"/>
           </a:p>
           <a:p>
             <a:r>
@@ -14792,6 +14665,7 @@
               <a:rPr lang="en-US" dirty="0" smtClean="0"/>
               <a:t>0x57</a:t>
             </a:r>
+            <a:endParaRPr lang="en-US" dirty="0" smtClean="0"/>
           </a:p>
           <a:p>
             <a:endParaRPr lang="en-IN" dirty="0"/>
@@ -14848,7 +14722,7 @@
         </p:nvSpPr>
         <p:spPr>
           <a:xfrm>
-            <a:off x="269855" y="1796562"/>
+            <a:off x="269855" y="1904512"/>
             <a:ext cx="1249114" cy="322619"/>
           </a:xfrm>
           <a:prstGeom prst="rightArrow">
@@ -14961,7 +14835,7 @@
         </p:nvSpPr>
         <p:spPr>
           <a:xfrm>
-            <a:off x="1645550" y="1773205"/>
+            <a:off x="1645550" y="1962435"/>
             <a:ext cx="2226572" cy="369332"/>
           </a:xfrm>
           <a:prstGeom prst="rect">
@@ -15034,7 +14908,7 @@
         </p:nvSpPr>
         <p:spPr>
           <a:xfrm>
-            <a:off x="5555469" y="1722840"/>
+            <a:off x="5555469" y="1895560"/>
             <a:ext cx="3359931" cy="1200329"/>
           </a:xfrm>
           <a:prstGeom prst="rect">
@@ -15059,6 +14933,7 @@
               <a:rPr lang="en-US" b="1" dirty="0"/>
               <a:t>. :</a:t>
             </a:r>
+            <a:endParaRPr lang="en-US" b="1" dirty="0"/>
           </a:p>
           <a:p>
             <a:r>
@@ -15080,6 +14955,7 @@
               <a:rPr lang="en-US" dirty="0" smtClean="0"/>
               <a:t>: No. of bytes to write</a:t>
             </a:r>
+            <a:endParaRPr lang="en-US" dirty="0" smtClean="0"/>
           </a:p>
           <a:p>
             <a:r>
@@ -15095,11 +14971,6 @@
         </p:txBody>
       </p:sp>
     </p:spTree>
-    <p:extLst>
-      <p:ext uri="{BB962C8B-B14F-4D97-AF65-F5344CB8AC3E}">
-        <p14:creationId xmlns:p14="http://schemas.microsoft.com/office/powerpoint/2010/main" val="3043016914"/>
-      </p:ext>
-    </p:extLst>
   </p:cSld>
   <p:clrMapOvr>
     <a:masterClrMapping/>
@@ -15391,6 +15262,7 @@
                 <a:rPr lang="en-US" dirty="0" smtClean="0"/>
                 <a:t>Length </a:t>
               </a:r>
+              <a:endParaRPr lang="en-US" dirty="0" smtClean="0"/>
             </a:p>
             <a:p>
               <a:r>
@@ -15426,6 +15298,7 @@
                 <a:rPr lang="en-US" dirty="0" smtClean="0"/>
                 <a:t>Command</a:t>
               </a:r>
+              <a:endParaRPr lang="en-US" dirty="0" smtClean="0"/>
             </a:p>
             <a:p>
               <a:r>
@@ -15621,6 +15494,7 @@
                 <a:rPr lang="en-US" dirty="0" smtClean="0"/>
                 <a:t>.</a:t>
               </a:r>
+              <a:endParaRPr lang="en-US" dirty="0" smtClean="0"/>
             </a:p>
             <a:p>
               <a:pPr algn="ctr"/>
@@ -15785,6 +15659,7 @@
               <a:rPr lang="en-US" dirty="0" smtClean="0"/>
               <a:t>Bytes of the packet = 11</a:t>
             </a:r>
+            <a:endParaRPr lang="en-US" dirty="0" smtClean="0"/>
           </a:p>
           <a:p>
             <a:r>
@@ -15795,6 +15670,7 @@
               <a:rPr lang="en-US" dirty="0" smtClean="0"/>
               <a:t>field will contain the value : 10</a:t>
             </a:r>
+            <a:endParaRPr lang="en-US" dirty="0" smtClean="0"/>
           </a:p>
           <a:p>
             <a:r>
@@ -15805,6 +15681,7 @@
               <a:rPr lang="en-US" dirty="0" smtClean="0"/>
               <a:t>: 0x59</a:t>
             </a:r>
+            <a:endParaRPr lang="en-US" dirty="0" smtClean="0"/>
           </a:p>
           <a:p>
             <a:endParaRPr lang="en-IN" dirty="0"/>
@@ -15857,7 +15734,7 @@
         </p:nvSpPr>
         <p:spPr>
           <a:xfrm>
-            <a:off x="263230" y="1669320"/>
+            <a:off x="263230" y="1878235"/>
             <a:ext cx="1249114" cy="322619"/>
           </a:xfrm>
           <a:prstGeom prst="rightArrow">
@@ -15970,7 +15847,7 @@
         </p:nvSpPr>
         <p:spPr>
           <a:xfrm>
-            <a:off x="1638925" y="1645963"/>
+            <a:off x="1638925" y="1885993"/>
             <a:ext cx="2226572" cy="369332"/>
           </a:xfrm>
           <a:prstGeom prst="rect">
@@ -16146,7 +16023,7 @@
         </p:nvSpPr>
         <p:spPr>
           <a:xfrm>
-            <a:off x="5555469" y="1722840"/>
+            <a:off x="5555469" y="1886035"/>
             <a:ext cx="3359931" cy="1477328"/>
           </a:xfrm>
           <a:prstGeom prst="rect">
@@ -16171,6 +16048,7 @@
               <a:rPr lang="en-US" b="1" dirty="0"/>
               <a:t>. :</a:t>
             </a:r>
+            <a:endParaRPr lang="en-US" b="1" dirty="0"/>
           </a:p>
           <a:p>
             <a:r>
@@ -16181,6 +16059,7 @@
               <a:rPr lang="en-US" dirty="0" smtClean="0"/>
               <a:t>read</a:t>
             </a:r>
+            <a:endParaRPr lang="en-US" dirty="0" smtClean="0"/>
           </a:p>
           <a:p>
             <a:endParaRPr lang="en-US" b="1" dirty="0"/>
@@ -16203,11 +16082,6 @@
         </p:txBody>
       </p:sp>
     </p:spTree>
-    <p:extLst>
-      <p:ext uri="{BB962C8B-B14F-4D97-AF65-F5344CB8AC3E}">
-        <p14:creationId xmlns:p14="http://schemas.microsoft.com/office/powerpoint/2010/main" val="2875550865"/>
-      </p:ext>
-    </p:extLst>
   </p:cSld>
   <p:clrMapOvr>
     <a:masterClrMapping/>
@@ -16402,6 +16276,7 @@
                 <a:rPr lang="en-US" dirty="0" smtClean="0"/>
                 <a:t>Length </a:t>
               </a:r>
+              <a:endParaRPr lang="en-US" dirty="0" smtClean="0"/>
             </a:p>
             <a:p>
               <a:r>
@@ -16437,6 +16312,7 @@
                 <a:rPr lang="en-US" dirty="0" smtClean="0"/>
                 <a:t>Command</a:t>
               </a:r>
+              <a:endParaRPr lang="en-US" dirty="0" smtClean="0"/>
             </a:p>
             <a:p>
               <a:r>
@@ -16720,6 +16596,7 @@
               <a:rPr lang="en-US" dirty="0" smtClean="0"/>
               <a:t>Bytes of the packet = 6</a:t>
             </a:r>
+            <a:endParaRPr lang="en-US" dirty="0" smtClean="0"/>
           </a:p>
           <a:p>
             <a:r>
@@ -16730,6 +16607,7 @@
               <a:rPr lang="en-US" dirty="0" smtClean="0"/>
               <a:t>field will contain the value : 5</a:t>
             </a:r>
+            <a:endParaRPr lang="en-US" dirty="0" smtClean="0"/>
           </a:p>
           <a:p>
             <a:r>
@@ -16744,6 +16622,7 @@
               <a:rPr lang="en-US" dirty="0" smtClean="0"/>
               <a:t>0x5A</a:t>
             </a:r>
+            <a:endParaRPr lang="en-US" dirty="0" smtClean="0"/>
           </a:p>
           <a:p>
             <a:endParaRPr lang="en-IN" dirty="0"/>
@@ -16794,6 +16673,7 @@
               <a:rPr lang="en-IN" sz="2400" dirty="0"/>
               <a:t>	</a:t>
             </a:r>
+            <a:endParaRPr lang="en-IN" sz="2400" dirty="0"/>
           </a:p>
         </p:txBody>
       </p:sp>
@@ -16984,11 +16864,6 @@
         </p:style>
       </p:cxnSp>
     </p:spTree>
-    <p:extLst>
-      <p:ext uri="{BB962C8B-B14F-4D97-AF65-F5344CB8AC3E}">
-        <p14:creationId xmlns:p14="http://schemas.microsoft.com/office/powerpoint/2010/main" val="1127316879"/>
-      </p:ext>
-    </p:extLst>
   </p:cSld>
   <p:clrMapOvr>
     <a:masterClrMapping/>
@@ -17295,6 +17170,7 @@
                 <a:rPr lang="en-US" dirty="0" smtClean="0"/>
                 <a:t>Length </a:t>
               </a:r>
+              <a:endParaRPr lang="en-US" dirty="0" smtClean="0"/>
             </a:p>
             <a:p>
               <a:r>
@@ -17330,6 +17206,7 @@
                 <a:rPr lang="en-US" dirty="0" smtClean="0"/>
                 <a:t>Command</a:t>
               </a:r>
+              <a:endParaRPr lang="en-US" dirty="0" smtClean="0"/>
             </a:p>
             <a:p>
               <a:r>
@@ -17582,6 +17459,7 @@
                 <a:rPr lang="en-US" dirty="0" smtClean="0"/>
                 <a:t>Sector</a:t>
               </a:r>
+              <a:endParaRPr lang="en-US" dirty="0" smtClean="0"/>
             </a:p>
             <a:p>
               <a:r>
@@ -17646,6 +17524,7 @@
                 <a:rPr lang="en-US" dirty="0" smtClean="0"/>
                 <a:t>Protection</a:t>
               </a:r>
+              <a:endParaRPr lang="en-US" dirty="0" smtClean="0"/>
             </a:p>
             <a:p>
               <a:r>
@@ -17686,12 +17565,14 @@
               <a:rPr lang="en-US" dirty="0" smtClean="0"/>
               <a:t>Bytes of the packet = 8</a:t>
             </a:r>
+            <a:endParaRPr lang="en-US" dirty="0" smtClean="0"/>
           </a:p>
           <a:p>
             <a:r>
               <a:rPr lang="en-US" dirty="0" smtClean="0"/>
               <a:t>“Length to follow ” field will contain the value : 7</a:t>
             </a:r>
+            <a:endParaRPr lang="en-US" dirty="0" smtClean="0"/>
           </a:p>
           <a:p>
             <a:r>
@@ -17706,6 +17587,7 @@
               <a:rPr lang="en-US" dirty="0" smtClean="0"/>
               <a:t>0x58</a:t>
             </a:r>
+            <a:endParaRPr lang="en-US" dirty="0" smtClean="0"/>
           </a:p>
           <a:p>
             <a:endParaRPr lang="en-IN" dirty="0"/>
@@ -17746,6 +17628,7 @@
               <a:rPr lang="en-IN" sz="2400" dirty="0"/>
               <a:t>BL_EN_R_W_PROTECT 	</a:t>
             </a:r>
+            <a:endParaRPr lang="en-IN" sz="2400" dirty="0"/>
           </a:p>
           <a:p>
             <a:pPr algn="ctr"/>
@@ -17984,24 +17867,28 @@
               <a:rPr lang="en-US" dirty="0" smtClean="0"/>
               <a:t> bit is sector 0)</a:t>
             </a:r>
+            <a:endParaRPr lang="en-US" dirty="0" smtClean="0"/>
           </a:p>
           <a:p>
             <a:r>
               <a:rPr lang="en-US" dirty="0" smtClean="0"/>
               <a:t>1: protection </a:t>
             </a:r>
+            <a:endParaRPr lang="en-US" dirty="0" smtClean="0"/>
           </a:p>
           <a:p>
             <a:r>
               <a:rPr lang="en-US" dirty="0" smtClean="0"/>
               <a:t>0: No protection </a:t>
             </a:r>
+            <a:endParaRPr lang="en-US" dirty="0" smtClean="0"/>
           </a:p>
           <a:p>
             <a:r>
               <a:rPr lang="en-US" b="1" dirty="0" smtClean="0"/>
               <a:t>Protection Mode :</a:t>
             </a:r>
+            <a:endParaRPr lang="en-US" b="1" dirty="0" smtClean="0"/>
           </a:p>
           <a:p>
             <a:r>
@@ -18012,6 +17899,7 @@
               <a:rPr lang="en-US" dirty="0"/>
               <a:t>Protection ) </a:t>
             </a:r>
+            <a:endParaRPr lang="en-US" dirty="0"/>
           </a:p>
           <a:p>
             <a:r>
@@ -18027,11 +17915,6 @@
         </p:txBody>
       </p:sp>
     </p:spTree>
-    <p:extLst>
-      <p:ext uri="{BB962C8B-B14F-4D97-AF65-F5344CB8AC3E}">
-        <p14:creationId xmlns:p14="http://schemas.microsoft.com/office/powerpoint/2010/main" val="2785703556"/>
-      </p:ext>
-    </p:extLst>
   </p:cSld>
   <p:clrMapOvr>
     <a:masterClrMapping/>
@@ -18338,6 +18221,7 @@
                 <a:rPr lang="en-US" dirty="0" smtClean="0"/>
                 <a:t>Length </a:t>
               </a:r>
+              <a:endParaRPr lang="en-US" dirty="0" smtClean="0"/>
             </a:p>
             <a:p>
               <a:r>
@@ -18373,6 +18257,7 @@
                 <a:rPr lang="en-US" dirty="0" smtClean="0"/>
                 <a:t>Command</a:t>
               </a:r>
+              <a:endParaRPr lang="en-US" dirty="0" smtClean="0"/>
             </a:p>
             <a:p>
               <a:r>
@@ -18554,12 +18439,14 @@
               <a:rPr lang="en-US" dirty="0" smtClean="0"/>
               <a:t>Bytes of the packet = 6</a:t>
             </a:r>
+            <a:endParaRPr lang="en-US" dirty="0" smtClean="0"/>
           </a:p>
           <a:p>
             <a:r>
               <a:rPr lang="en-US" dirty="0" smtClean="0"/>
               <a:t>“Length to follow ” field will contain the value : 5</a:t>
             </a:r>
+            <a:endParaRPr lang="en-US" dirty="0" smtClean="0"/>
           </a:p>
           <a:p>
             <a:r>
@@ -18574,6 +18461,7 @@
               <a:rPr lang="en-US" dirty="0" smtClean="0"/>
               <a:t>0x5C</a:t>
             </a:r>
+            <a:endParaRPr lang="en-US" dirty="0" smtClean="0"/>
           </a:p>
           <a:p>
             <a:endParaRPr lang="en-IN" dirty="0"/>
@@ -18618,6 +18506,7 @@
               <a:rPr lang="en-IN" sz="2400" dirty="0"/>
               <a:t>	</a:t>
             </a:r>
+            <a:endParaRPr lang="en-IN" sz="2400" dirty="0"/>
           </a:p>
           <a:p>
             <a:pPr algn="ctr"/>
@@ -18845,11 +18734,6 @@
         </p:txBody>
       </p:sp>
     </p:spTree>
-    <p:extLst>
-      <p:ext uri="{BB962C8B-B14F-4D97-AF65-F5344CB8AC3E}">
-        <p14:creationId xmlns:p14="http://schemas.microsoft.com/office/powerpoint/2010/main" val="2056748545"/>
-      </p:ext>
-    </p:extLst>
   </p:cSld>
   <p:clrMapOvr>
     <a:masterClrMapping/>
@@ -19005,6 +18889,11 @@
               </a:rPr>
               <a:t>:</a:t>
             </a:r>
+            <a:endParaRPr lang="en-US" b="1" dirty="0">
+              <a:solidFill>
+                <a:srgbClr val="FFFF00"/>
+              </a:solidFill>
+            </a:endParaRPr>
           </a:p>
           <a:p>
             <a:pPr algn="ctr"/>
@@ -19016,6 +18905,11 @@
               </a:rPr>
               <a:t>HAL</a:t>
             </a:r>
+            <a:endParaRPr lang="en-US" b="1" dirty="0">
+              <a:solidFill>
+                <a:srgbClr val="FFFF00"/>
+              </a:solidFill>
+            </a:endParaRPr>
           </a:p>
           <a:p>
             <a:pPr algn="ctr"/>
@@ -19027,6 +18921,11 @@
               </a:rPr>
               <a:t>GPIO</a:t>
             </a:r>
+            <a:endParaRPr lang="en-US" b="1" dirty="0">
+              <a:solidFill>
+                <a:srgbClr val="FFFF00"/>
+              </a:solidFill>
+            </a:endParaRPr>
           </a:p>
           <a:p>
             <a:pPr algn="ctr"/>
@@ -19054,6 +18953,11 @@
               </a:rPr>
               <a:t>CRC</a:t>
             </a:r>
+            <a:endParaRPr lang="en-US" b="1" dirty="0">
+              <a:solidFill>
+                <a:srgbClr val="FFFF00"/>
+              </a:solidFill>
+            </a:endParaRPr>
           </a:p>
           <a:p>
             <a:pPr algn="ctr"/>
@@ -19065,6 +18969,11 @@
               </a:rPr>
               <a:t>Clock</a:t>
             </a:r>
+            <a:endParaRPr lang="en-US" b="1" dirty="0">
+              <a:solidFill>
+                <a:srgbClr val="FFFF00"/>
+              </a:solidFill>
+            </a:endParaRPr>
           </a:p>
           <a:p>
             <a:pPr algn="ctr"/>
@@ -19442,6 +19351,7 @@
               <a:rPr lang="en-US" dirty="0"/>
               <a:t>Y</a:t>
             </a:r>
+            <a:endParaRPr lang="en-US" dirty="0"/>
           </a:p>
         </p:txBody>
       </p:sp>
@@ -19511,6 +19421,11 @@
               </a:rPr>
               <a:t> Code Flow Chart</a:t>
             </a:r>
+            <a:endParaRPr lang="en-US" b="1" dirty="0">
+              <a:solidFill>
+                <a:srgbClr val="FF0000"/>
+              </a:solidFill>
+            </a:endParaRPr>
           </a:p>
         </p:txBody>
       </p:sp>
@@ -19548,11 +19463,6 @@
         </p:style>
       </p:cxnSp>
     </p:spTree>
-    <p:extLst>
-      <p:ext uri="{BB962C8B-B14F-4D97-AF65-F5344CB8AC3E}">
-        <p14:creationId xmlns:p14="http://schemas.microsoft.com/office/powerpoint/2010/main" val="2072962878"/>
-      </p:ext>
-    </p:extLst>
   </p:cSld>
   <p:clrMapOvr>
     <a:masterClrMapping/>
@@ -19724,6 +19634,7 @@
               <a:rPr lang="en-US" dirty="0"/>
               <a:t> ?</a:t>
             </a:r>
+            <a:endParaRPr lang="en-US" dirty="0"/>
           </a:p>
           <a:p>
             <a:r>
@@ -19734,6 +19645,11 @@
               </a:rPr>
               <a:t>Yes it is !</a:t>
             </a:r>
+            <a:endParaRPr lang="en-US" dirty="0" smtClean="0">
+              <a:solidFill>
+                <a:srgbClr val="FF0000"/>
+              </a:solidFill>
+            </a:endParaRPr>
           </a:p>
           <a:p>
             <a:endParaRPr lang="en-US" dirty="0"/>
@@ -19743,6 +19659,7 @@
               <a:rPr lang="en-US" dirty="0" smtClean="0"/>
               <a:t>Does it run whenever MCU undergoes reset ?</a:t>
             </a:r>
+            <a:endParaRPr lang="en-US" dirty="0" smtClean="0"/>
           </a:p>
           <a:p>
             <a:r>
@@ -19753,6 +19670,11 @@
               </a:rPr>
               <a:t>No. Should activate changing the status of boot pins</a:t>
             </a:r>
+            <a:endParaRPr lang="en-US" dirty="0" smtClean="0">
+              <a:solidFill>
+                <a:srgbClr val="FF0000"/>
+              </a:solidFill>
+            </a:endParaRPr>
           </a:p>
           <a:p>
             <a:endParaRPr lang="en-US" dirty="0"/>
@@ -19770,6 +19692,7 @@
               <a:rPr lang="en-US" dirty="0" smtClean="0"/>
               <a:t> ?</a:t>
             </a:r>
+            <a:endParaRPr lang="en-US" dirty="0" smtClean="0"/>
           </a:p>
           <a:p>
             <a:r>
@@ -19780,6 +19703,11 @@
               </a:rPr>
               <a:t>To Download/Upload binaries (IAP)</a:t>
             </a:r>
+            <a:endParaRPr lang="en-US" dirty="0" smtClean="0">
+              <a:solidFill>
+                <a:srgbClr val="FF0000"/>
+              </a:solidFill>
+            </a:endParaRPr>
           </a:p>
         </p:txBody>
       </p:sp>
@@ -19792,7 +19720,7 @@
           <p:nvPr/>
         </p:nvPicPr>
         <p:blipFill>
-          <a:blip r:embed="rId3">
+          <a:blip r:embed="rId1">
             <a:extLst>
               <a:ext uri="{28A0092B-C50C-407E-A947-70E740481C1C}">
                 <a14:useLocalDpi xmlns:a14="http://schemas.microsoft.com/office/drawing/2010/main" val="0"/>
@@ -19857,15 +19785,11 @@
               <a:rPr lang="en-IN" b="1" dirty="0"/>
               <a:t> 64</a:t>
             </a:r>
+            <a:endParaRPr lang="en-IN" b="1" dirty="0"/>
           </a:p>
         </p:txBody>
       </p:sp>
     </p:spTree>
-    <p:extLst>
-      <p:ext uri="{BB962C8B-B14F-4D97-AF65-F5344CB8AC3E}">
-        <p14:creationId xmlns:p14="http://schemas.microsoft.com/office/powerpoint/2010/main" val="1191822533"/>
-      </p:ext>
-    </p:extLst>
   </p:cSld>
   <p:clrMapOvr>
     <a:masterClrMapping/>
@@ -20659,6 +20583,7 @@
               <a:rPr lang="en-US" dirty="0"/>
               <a:t>Y</a:t>
             </a:r>
+            <a:endParaRPr lang="en-US" dirty="0"/>
           </a:p>
         </p:txBody>
       </p:sp>
@@ -20692,11 +20617,6 @@
         </p:txBody>
       </p:sp>
     </p:spTree>
-    <p:extLst>
-      <p:ext uri="{BB962C8B-B14F-4D97-AF65-F5344CB8AC3E}">
-        <p14:creationId xmlns:p14="http://schemas.microsoft.com/office/powerpoint/2010/main" val="335367985"/>
-      </p:ext>
-    </p:extLst>
   </p:cSld>
   <p:clrMapOvr>
     <a:masterClrMapping/>
@@ -21572,15 +21492,11 @@
               <a:rPr lang="en-US" dirty="0"/>
               <a:t>Y</a:t>
             </a:r>
+            <a:endParaRPr lang="en-US" dirty="0"/>
           </a:p>
         </p:txBody>
       </p:sp>
     </p:spTree>
-    <p:extLst>
-      <p:ext uri="{BB962C8B-B14F-4D97-AF65-F5344CB8AC3E}">
-        <p14:creationId xmlns:p14="http://schemas.microsoft.com/office/powerpoint/2010/main" val="2657784480"/>
-      </p:ext>
-    </p:extLst>
   </p:cSld>
   <p:clrMapOvr>
     <a:masterClrMapping/>
@@ -21748,6 +21664,7 @@
               <a:rPr lang="en-US" dirty="0"/>
               <a:t> ?</a:t>
             </a:r>
+            <a:endParaRPr lang="en-US" dirty="0"/>
           </a:p>
           <a:p>
             <a:r>
@@ -21790,6 +21707,11 @@
               </a:rPr>
               <a:t> </a:t>
             </a:r>
+            <a:endParaRPr lang="en-US" dirty="0" smtClean="0">
+              <a:solidFill>
+                <a:srgbClr val="FF0000"/>
+              </a:solidFill>
+            </a:endParaRPr>
           </a:p>
           <a:p>
             <a:endParaRPr lang="en-US" dirty="0"/>
@@ -21799,6 +21721,7 @@
               <a:rPr lang="en-US" dirty="0" smtClean="0"/>
               <a:t>Does it run whenever MCU undergoes reset ?</a:t>
             </a:r>
+            <a:endParaRPr lang="en-US" dirty="0" smtClean="0"/>
           </a:p>
           <a:p>
             <a:r>
@@ -21809,6 +21732,11 @@
               </a:rPr>
               <a:t>No. Should activate changing the status of boot pins</a:t>
             </a:r>
+            <a:endParaRPr lang="en-US" dirty="0" smtClean="0">
+              <a:solidFill>
+                <a:srgbClr val="FF0000"/>
+              </a:solidFill>
+            </a:endParaRPr>
           </a:p>
           <a:p>
             <a:endParaRPr lang="en-US" dirty="0"/>
@@ -21826,6 +21754,7 @@
               <a:rPr lang="en-US" dirty="0" smtClean="0"/>
               <a:t> ?</a:t>
             </a:r>
+            <a:endParaRPr lang="en-US" dirty="0" smtClean="0"/>
           </a:p>
           <a:p>
             <a:r>
@@ -21836,6 +21765,11 @@
               </a:rPr>
               <a:t>To Download/Upload binaries (IAP)</a:t>
             </a:r>
+            <a:endParaRPr lang="en-US" dirty="0" smtClean="0">
+              <a:solidFill>
+                <a:srgbClr val="FF0000"/>
+              </a:solidFill>
+            </a:endParaRPr>
           </a:p>
         </p:txBody>
       </p:sp>
@@ -21903,11 +21837,7 @@
           </a:extLst>
         </p:spPr>
         <p:txBody>
-          <a:bodyPr vert="horz" wrap="square" lIns="91440" tIns="45720" rIns="91440" bIns="45720" numCol="1" anchor="t" anchorCtr="0" compatLnSpc="1">
-            <a:prstTxWarp prst="textNoShape">
-              <a:avLst/>
-            </a:prstTxWarp>
-          </a:bodyPr>
+          <a:bodyPr vert="horz" wrap="square" lIns="91440" tIns="45720" rIns="91440" bIns="45720" numCol="1" anchor="t" anchorCtr="0" compatLnSpc="1"/>
           <a:lstStyle/>
           <a:p>
             <a:endParaRPr lang="en-IN"/>
@@ -21942,11 +21872,7 @@
           </a:extLst>
         </p:spPr>
         <p:txBody>
-          <a:bodyPr vert="horz" wrap="square" lIns="91440" tIns="45720" rIns="91440" bIns="45720" numCol="1" anchor="t" anchorCtr="0" compatLnSpc="1">
-            <a:prstTxWarp prst="textNoShape">
-              <a:avLst/>
-            </a:prstTxWarp>
-          </a:bodyPr>
+          <a:bodyPr vert="horz" wrap="square" lIns="91440" tIns="45720" rIns="91440" bIns="45720" numCol="1" anchor="t" anchorCtr="0" compatLnSpc="1"/>
           <a:lstStyle/>
           <a:p>
             <a:endParaRPr lang="en-IN"/>
@@ -21962,7 +21888,7 @@
           <p:nvPr/>
         </p:nvPicPr>
         <p:blipFill>
-          <a:blip r:embed="rId3" cstate="print">
+          <a:blip r:embed="rId1" cstate="print">
             <a:extLst>
               <a:ext uri="{28A0092B-C50C-407E-A947-70E740481C1C}">
                 <a14:useLocalDpi xmlns:a14="http://schemas.microsoft.com/office/drawing/2010/main" val="0"/>
@@ -22018,11 +21944,6 @@
         </p:spPr>
       </p:pic>
     </p:spTree>
-    <p:extLst>
-      <p:ext uri="{BB962C8B-B14F-4D97-AF65-F5344CB8AC3E}">
-        <p14:creationId xmlns:p14="http://schemas.microsoft.com/office/powerpoint/2010/main" val="2640435277"/>
-      </p:ext>
-    </p:extLst>
   </p:cSld>
   <p:clrMapOvr>
     <a:masterClrMapping/>
@@ -22063,7 +21984,7 @@
           <p:nvPr/>
         </p:nvPicPr>
         <p:blipFill>
-          <a:blip r:embed="rId3">
+          <a:blip r:embed="rId1">
             <a:extLst>
               <a:ext uri="{28A0092B-C50C-407E-A947-70E740481C1C}">
                 <a14:useLocalDpi xmlns:a14="http://schemas.microsoft.com/office/drawing/2010/main" val="0"/>
@@ -22096,11 +22017,6 @@
         </p:spPr>
       </p:pic>
     </p:spTree>
-    <p:extLst>
-      <p:ext uri="{BB962C8B-B14F-4D97-AF65-F5344CB8AC3E}">
-        <p14:creationId xmlns:p14="http://schemas.microsoft.com/office/powerpoint/2010/main" val="2275522587"/>
-      </p:ext>
-    </p:extLst>
   </p:cSld>
   <p:clrMapOvr>
     <a:masterClrMapping/>
@@ -22141,7 +22057,7 @@
           <p:nvPr/>
         </p:nvPicPr>
         <p:blipFill>
-          <a:blip r:embed="rId2">
+          <a:blip r:embed="rId1">
             <a:extLst>
               <a:ext uri="{28A0092B-C50C-407E-A947-70E740481C1C}">
                 <a14:useLocalDpi xmlns:a14="http://schemas.microsoft.com/office/drawing/2010/main" val="0"/>
@@ -22197,11 +22113,6 @@
         </p:spPr>
       </p:pic>
     </p:spTree>
-    <p:extLst>
-      <p:ext uri="{BB962C8B-B14F-4D97-AF65-F5344CB8AC3E}">
-        <p14:creationId xmlns:p14="http://schemas.microsoft.com/office/powerpoint/2010/main" val="2551566120"/>
-      </p:ext>
-    </p:extLst>
   </p:cSld>
   <p:clrMapOvr>
     <a:masterClrMapping/>
@@ -22283,51 +22194,53 @@
               <a:rPr lang="en-IN" dirty="0" smtClean="0"/>
               <a:t> of 512KB</a:t>
             </a:r>
+            <a:endParaRPr lang="en-IN" dirty="0" smtClean="0"/>
           </a:p>
           <a:p>
             <a:r>
               <a:rPr lang="en-US" dirty="0" smtClean="0"/>
               <a:t>Internal SRAM1 of 112KB</a:t>
             </a:r>
+            <a:endParaRPr lang="en-US" dirty="0" smtClean="0"/>
           </a:p>
           <a:p>
             <a:r>
               <a:rPr lang="en-US" dirty="0" smtClean="0"/>
               <a:t>Internal SRAM2 of 16KB</a:t>
             </a:r>
+            <a:endParaRPr lang="en-US" dirty="0" smtClean="0"/>
           </a:p>
           <a:p>
             <a:r>
               <a:rPr lang="en-US" dirty="0" smtClean="0"/>
               <a:t>System Memory (ROM) of 30KB</a:t>
             </a:r>
+            <a:endParaRPr lang="en-US" dirty="0" smtClean="0"/>
           </a:p>
           <a:p>
             <a:r>
               <a:rPr lang="en-US" dirty="0" smtClean="0"/>
               <a:t>OTP memory of 528 bytes</a:t>
             </a:r>
+            <a:endParaRPr lang="en-US" dirty="0" smtClean="0"/>
           </a:p>
           <a:p>
             <a:r>
               <a:rPr lang="en-US" dirty="0" smtClean="0"/>
               <a:t>Option bytes memory of 16bytes. </a:t>
             </a:r>
+            <a:endParaRPr lang="en-US" dirty="0" smtClean="0"/>
           </a:p>
           <a:p>
             <a:r>
               <a:rPr lang="en-US" dirty="0" smtClean="0"/>
               <a:t>Backup RAM of 4KB</a:t>
             </a:r>
+            <a:endParaRPr lang="en-US" dirty="0" smtClean="0"/>
           </a:p>
         </p:txBody>
       </p:sp>
     </p:spTree>
-    <p:extLst>
-      <p:ext uri="{BB962C8B-B14F-4D97-AF65-F5344CB8AC3E}">
-        <p14:creationId xmlns:p14="http://schemas.microsoft.com/office/powerpoint/2010/main" val="3017233727"/>
-      </p:ext>
-    </p:extLst>
   </p:cSld>
   <p:clrMapOvr>
     <a:masterClrMapping/>
@@ -22403,6 +22316,7 @@
               <a:rPr lang="en-US" dirty="0" smtClean="0"/>
               <a:t>Size is 512KB</a:t>
             </a:r>
+            <a:endParaRPr lang="en-US" dirty="0" smtClean="0"/>
           </a:p>
           <a:p>
             <a:r>
@@ -22428,6 +22342,7 @@
               <a:rPr lang="en-IN" dirty="0" smtClean="0"/>
               <a:t>FFFF</a:t>
             </a:r>
+            <a:endParaRPr lang="en-IN" dirty="0" smtClean="0"/>
           </a:p>
           <a:p>
             <a:r>
@@ -22438,6 +22353,7 @@
               <a:rPr lang="en-US" dirty="0" smtClean="0"/>
               <a:t>program</a:t>
             </a:r>
+            <a:endParaRPr lang="en-US" dirty="0" smtClean="0"/>
           </a:p>
           <a:p>
             <a:r>
@@ -22455,11 +22371,6 @@
         </p:txBody>
       </p:sp>
     </p:spTree>
-    <p:extLst>
-      <p:ext uri="{BB962C8B-B14F-4D97-AF65-F5344CB8AC3E}">
-        <p14:creationId xmlns:p14="http://schemas.microsoft.com/office/powerpoint/2010/main" val="508563943"/>
-      </p:ext>
-    </p:extLst>
   </p:cSld>
   <p:clrMapOvr>
     <a:masterClrMapping/>
@@ -22535,6 +22446,7 @@
               <a:rPr lang="en-US" dirty="0" smtClean="0"/>
               <a:t>Size is 112KB</a:t>
             </a:r>
+            <a:endParaRPr lang="en-US" dirty="0" smtClean="0"/>
           </a:p>
           <a:p>
             <a:r>
@@ -22545,6 +22457,7 @@
               <a:rPr lang="en-IN" dirty="0" smtClean="0"/>
               <a:t>0x2000_0000</a:t>
             </a:r>
+            <a:endParaRPr lang="en-IN" dirty="0" smtClean="0"/>
           </a:p>
           <a:p>
             <a:r>
@@ -22555,6 +22468,7 @@
               <a:rPr lang="en-IN" dirty="0" smtClean="0"/>
               <a:t>0x2001_BFFF</a:t>
             </a:r>
+            <a:endParaRPr lang="en-IN" dirty="0" smtClean="0"/>
           </a:p>
           <a:p>
             <a:r>
@@ -22569,18 +22483,21 @@
               <a:rPr lang="en-US" dirty="0" smtClean="0"/>
               <a:t>application global data, static variables</a:t>
             </a:r>
+            <a:endParaRPr lang="en-US" dirty="0" smtClean="0"/>
           </a:p>
           <a:p>
             <a:r>
               <a:rPr lang="en-US" dirty="0" smtClean="0"/>
               <a:t>Also used for Stack and Heap Purpose</a:t>
             </a:r>
+            <a:endParaRPr lang="en-US" dirty="0" smtClean="0"/>
           </a:p>
           <a:p>
             <a:r>
               <a:rPr lang="en-US" dirty="0" smtClean="0"/>
               <a:t>Volatile </a:t>
             </a:r>
+            <a:endParaRPr lang="en-US" dirty="0" smtClean="0"/>
           </a:p>
           <a:p>
             <a:r>
@@ -22592,11 +22509,6 @@
         </p:txBody>
       </p:sp>
     </p:spTree>
-    <p:extLst>
-      <p:ext uri="{BB962C8B-B14F-4D97-AF65-F5344CB8AC3E}">
-        <p14:creationId xmlns:p14="http://schemas.microsoft.com/office/powerpoint/2010/main" val="1370364025"/>
-      </p:ext>
-    </p:extLst>
   </p:cSld>
   <p:clrMapOvr>
     <a:masterClrMapping/>
@@ -22889,8 +22801,11 @@
       </a:bgFillStyleLst>
     </a:fmtScheme>
   </a:themeElements>
-  <a:objectDefaults/>
-  <a:extraClrSchemeLst/>
+  <a:extLst>
+    <a:ext uri="{05A4C25C-085E-4340-85A3-A5531E510DB2}">
+      <thm15:themeFamily xmlns:thm15="http://schemas.microsoft.com/office/thememl/2012/main" name="Office Theme" id="{62F939B6-93AF-4DB8-9C6B-D6C7DFDC589F}" vid="{4A3C46E8-61CC-4603-A589-7422A47A8E4A}"/>
+    </a:ext>
+  </a:extLst>
 </a:theme>
 </file>
 
@@ -23174,7 +23089,10 @@
       </a:bgFillStyleLst>
     </a:fmtScheme>
   </a:themeElements>
-  <a:objectDefaults/>
-  <a:extraClrSchemeLst/>
+  <a:extLst>
+    <a:ext uri="{05A4C25C-085E-4340-85A3-A5531E510DB2}">
+      <thm15:themeFamily xmlns:thm15="http://schemas.microsoft.com/office/thememl/2012/main" name="Office Theme" id="{62F939B6-93AF-4DB8-9C6B-D6C7DFDC589F}" vid="{4A3C46E8-61CC-4603-A589-7422A47A8E4A}"/>
+    </a:ext>
+  </a:extLst>
 </a:theme>
 </file>